--- a/SchulungsUnterlagen/HWZ/WerBinIch.pptx
+++ b/SchulungsUnterlagen/HWZ/WerBinIch.pptx
@@ -12,11 +12,11 @@
     <p:sldId id="271" r:id="rId3"/>
     <p:sldId id="257" r:id="rId4"/>
     <p:sldId id="258" r:id="rId5"/>
-    <p:sldId id="277" r:id="rId6"/>
-    <p:sldId id="278" r:id="rId7"/>
-    <p:sldId id="279" r:id="rId8"/>
-    <p:sldId id="280" r:id="rId9"/>
-    <p:sldId id="275" r:id="rId10"/>
+    <p:sldId id="275" r:id="rId6"/>
+    <p:sldId id="277" r:id="rId7"/>
+    <p:sldId id="278" r:id="rId8"/>
+    <p:sldId id="279" r:id="rId9"/>
+    <p:sldId id="280" r:id="rId10"/>
     <p:sldId id="276" r:id="rId11"/>
     <p:sldId id="267" r:id="rId12"/>
     <p:sldId id="274" r:id="rId13"/>
@@ -15703,7 +15703,7 @@
 </file>
 
 <file path=ppt/slides/slide3.xml><?xml version="1.0" encoding="utf-8"?>
-<p:sld xmlns:a="http://schemas.openxmlformats.org/drawingml/2006/main" xmlns:r="http://schemas.openxmlformats.org/officeDocument/2006/relationships" xmlns:p="http://schemas.openxmlformats.org/presentationml/2006/main" showMasterPhAnim="0" show="0">
+<p:sld xmlns:a="http://schemas.openxmlformats.org/drawingml/2006/main" xmlns:r="http://schemas.openxmlformats.org/officeDocument/2006/relationships" xmlns:p="http://schemas.openxmlformats.org/presentationml/2006/main" showMasterPhAnim="0">
   <p:cSld>
     <p:spTree>
       <p:nvGrpSpPr>
@@ -16219,11 +16219,11 @@
   <p:clrMapOvr>
     <a:masterClrMapping/>
   </p:clrMapOvr>
-  <mc:AlternateContent xmlns:mc="http://schemas.openxmlformats.org/markup-compatibility/2006" xmlns:p14="http://schemas.microsoft.com/office/powerpoint/2010/main">
-    <mc:Choice Requires="p14">
+  <mc:AlternateContent xmlns:mc="http://schemas.openxmlformats.org/markup-compatibility/2006">
+    <mc:Choice xmlns:p14="http://schemas.microsoft.com/office/powerpoint/2010/main" Requires="p14">
       <p:transition spd="slow" p14:dur="2000"/>
     </mc:Choice>
-    <mc:Fallback xmlns="">
+    <mc:Fallback>
       <p:transition spd="slow"/>
     </mc:Fallback>
   </mc:AlternateContent>
@@ -16500,7 +16500,7 @@
 </file>
 
 <file path=ppt/slides/slide4.xml><?xml version="1.0" encoding="utf-8"?>
-<p:sld xmlns:a="http://schemas.openxmlformats.org/drawingml/2006/main" xmlns:r="http://schemas.openxmlformats.org/officeDocument/2006/relationships" xmlns:p="http://schemas.openxmlformats.org/presentationml/2006/main" show="0">
+<p:sld xmlns:a="http://schemas.openxmlformats.org/drawingml/2006/main" xmlns:r="http://schemas.openxmlformats.org/officeDocument/2006/relationships" xmlns:p="http://schemas.openxmlformats.org/presentationml/2006/main">
   <p:cSld>
     <p:spTree>
       <p:nvGrpSpPr>
@@ -17124,11 +17124,11 @@
   <p:clrMapOvr>
     <a:masterClrMapping/>
   </p:clrMapOvr>
-  <mc:AlternateContent xmlns:mc="http://schemas.openxmlformats.org/markup-compatibility/2006" xmlns:p14="http://schemas.microsoft.com/office/powerpoint/2010/main">
-    <mc:Choice Requires="p14">
+  <mc:AlternateContent xmlns:mc="http://schemas.openxmlformats.org/markup-compatibility/2006">
+    <mc:Choice xmlns:p14="http://schemas.microsoft.com/office/powerpoint/2010/main" Requires="p14">
       <p:transition spd="slow" p14:dur="2000"/>
     </mc:Choice>
-    <mc:Fallback xmlns="">
+    <mc:Fallback>
       <p:transition spd="slow"/>
     </mc:Fallback>
   </mc:AlternateContent>
@@ -17468,6 +17468,147 @@
 </file>
 
 <file path=ppt/slides/slide5.xml><?xml version="1.0" encoding="utf-8"?>
+<p:sld xmlns:a="http://schemas.openxmlformats.org/drawingml/2006/main" xmlns:r="http://schemas.openxmlformats.org/officeDocument/2006/relationships" xmlns:p="http://schemas.openxmlformats.org/presentationml/2006/main">
+  <p:cSld>
+    <p:spTree>
+      <p:nvGrpSpPr>
+        <p:cNvPr id="1" name=""/>
+        <p:cNvGrpSpPr/>
+        <p:nvPr/>
+      </p:nvGrpSpPr>
+      <p:grpSpPr>
+        <a:xfrm>
+          <a:off x="0" y="0"/>
+          <a:ext cx="0" cy="0"/>
+          <a:chOff x="0" y="0"/>
+          <a:chExt cx="0" cy="0"/>
+        </a:xfrm>
+      </p:grpSpPr>
+      <p:pic>
+        <p:nvPicPr>
+          <p:cNvPr id="15362" name="Picture 2" descr="Bildergebnis fÃ¼r sprechen verboten"/>
+          <p:cNvPicPr>
+            <a:picLocks noChangeAspect="1" noChangeArrowheads="1"/>
+          </p:cNvPicPr>
+          <p:nvPr/>
+        </p:nvPicPr>
+        <p:blipFill>
+          <a:blip r:embed="rId2">
+            <a:extLst>
+              <a:ext uri="{28A0092B-C50C-407E-A947-70E740481C1C}">
+                <a14:useLocalDpi xmlns:a14="http://schemas.microsoft.com/office/drawing/2010/main" val="0"/>
+              </a:ext>
+            </a:extLst>
+          </a:blip>
+          <a:srcRect/>
+          <a:stretch>
+            <a:fillRect/>
+          </a:stretch>
+        </p:blipFill>
+        <p:spPr bwMode="auto">
+          <a:xfrm>
+            <a:off x="4122738" y="1223963"/>
+            <a:ext cx="4408487" cy="4410075"/>
+          </a:xfrm>
+          <a:prstGeom prst="rect">
+            <a:avLst/>
+          </a:prstGeom>
+          <a:noFill/>
+          <a:ln>
+            <a:noFill/>
+          </a:ln>
+          <a:extLst>
+            <a:ext uri="{909E8E84-426E-40DD-AFC4-6F175D3DCCD1}">
+              <a14:hiddenFill xmlns:a14="http://schemas.microsoft.com/office/drawing/2010/main">
+                <a:solidFill>
+                  <a:srgbClr val="FFFFFF"/>
+                </a:solidFill>
+              </a14:hiddenFill>
+            </a:ext>
+            <a:ext uri="{91240B29-F687-4F45-9708-019B960494DF}">
+              <a14:hiddenLine xmlns:a14="http://schemas.microsoft.com/office/drawing/2010/main" w="9525">
+                <a:solidFill>
+                  <a:srgbClr val="000000"/>
+                </a:solidFill>
+                <a:miter lim="800000"/>
+                <a:headEnd/>
+                <a:tailEnd/>
+              </a14:hiddenLine>
+            </a:ext>
+          </a:extLst>
+        </p:spPr>
+      </p:pic>
+      <p:pic>
+        <p:nvPicPr>
+          <p:cNvPr id="15363" name="Picture 6" descr="https://herkunftssprachen.files.wordpress.com/2017/02/207px-pictogramm_silence-svg.png?w=207"/>
+          <p:cNvPicPr>
+            <a:picLocks noChangeAspect="1" noChangeArrowheads="1"/>
+          </p:cNvPicPr>
+          <p:nvPr/>
+        </p:nvPicPr>
+        <p:blipFill>
+          <a:blip r:embed="rId3">
+            <a:extLst>
+              <a:ext uri="{28A0092B-C50C-407E-A947-70E740481C1C}">
+                <a14:useLocalDpi xmlns:a14="http://schemas.microsoft.com/office/drawing/2010/main" val="0"/>
+              </a:ext>
+            </a:extLst>
+          </a:blip>
+          <a:srcRect/>
+          <a:stretch>
+            <a:fillRect/>
+          </a:stretch>
+        </p:blipFill>
+        <p:spPr bwMode="auto">
+          <a:xfrm>
+            <a:off x="938213" y="1566863"/>
+            <a:ext cx="2578100" cy="3724275"/>
+          </a:xfrm>
+          <a:prstGeom prst="rect">
+            <a:avLst/>
+          </a:prstGeom>
+          <a:noFill/>
+          <a:ln>
+            <a:noFill/>
+          </a:ln>
+          <a:extLst>
+            <a:ext uri="{909E8E84-426E-40DD-AFC4-6F175D3DCCD1}">
+              <a14:hiddenFill xmlns:a14="http://schemas.microsoft.com/office/drawing/2010/main">
+                <a:solidFill>
+                  <a:srgbClr val="FFFFFF"/>
+                </a:solidFill>
+              </a14:hiddenFill>
+            </a:ext>
+            <a:ext uri="{91240B29-F687-4F45-9708-019B960494DF}">
+              <a14:hiddenLine xmlns:a14="http://schemas.microsoft.com/office/drawing/2010/main" w="9525">
+                <a:solidFill>
+                  <a:srgbClr val="000000"/>
+                </a:solidFill>
+                <a:miter lim="800000"/>
+                <a:headEnd/>
+                <a:tailEnd/>
+              </a14:hiddenLine>
+            </a:ext>
+          </a:extLst>
+        </p:spPr>
+      </p:pic>
+    </p:spTree>
+  </p:cSld>
+  <p:clrMapOvr>
+    <a:masterClrMapping/>
+  </p:clrMapOvr>
+  <mc:AlternateContent xmlns:mc="http://schemas.openxmlformats.org/markup-compatibility/2006">
+    <mc:Choice xmlns:p14="http://schemas.microsoft.com/office/powerpoint/2010/main" Requires="p14">
+      <p:transition spd="slow" p14:dur="2000"/>
+    </mc:Choice>
+    <mc:Fallback>
+      <p:transition spd="slow"/>
+    </mc:Fallback>
+  </mc:AlternateContent>
+</p:sld>
+</file>
+
+<file path=ppt/slides/slide6.xml><?xml version="1.0" encoding="utf-8"?>
 <p:sld xmlns:a="http://schemas.openxmlformats.org/drawingml/2006/main" xmlns:r="http://schemas.openxmlformats.org/officeDocument/2006/relationships" xmlns:p="http://schemas.openxmlformats.org/presentationml/2006/main" show="0">
   <p:cSld>
     <p:spTree>
@@ -17665,7 +17806,7 @@
 </p:sld>
 </file>
 
-<file path=ppt/slides/slide6.xml><?xml version="1.0" encoding="utf-8"?>
+<file path=ppt/slides/slide7.xml><?xml version="1.0" encoding="utf-8"?>
 <p:sld xmlns:a="http://schemas.openxmlformats.org/drawingml/2006/main" xmlns:r="http://schemas.openxmlformats.org/officeDocument/2006/relationships" xmlns:p="http://schemas.openxmlformats.org/presentationml/2006/main" show="0">
   <p:cSld>
     <p:spTree>
@@ -17851,7 +17992,7 @@
 </p:sld>
 </file>
 
-<file path=ppt/slides/slide7.xml><?xml version="1.0" encoding="utf-8"?>
+<file path=ppt/slides/slide8.xml><?xml version="1.0" encoding="utf-8"?>
 <p:sld xmlns:a="http://schemas.openxmlformats.org/drawingml/2006/main" xmlns:r="http://schemas.openxmlformats.org/officeDocument/2006/relationships" xmlns:p="http://schemas.openxmlformats.org/presentationml/2006/main" show="0">
   <p:cSld>
     <p:spTree>
@@ -18011,7 +18152,7 @@
 </p:sld>
 </file>
 
-<file path=ppt/slides/slide8.xml><?xml version="1.0" encoding="utf-8"?>
+<file path=ppt/slides/slide9.xml><?xml version="1.0" encoding="utf-8"?>
 <p:sld xmlns:a="http://schemas.openxmlformats.org/drawingml/2006/main" xmlns:r="http://schemas.openxmlformats.org/officeDocument/2006/relationships" xmlns:p="http://schemas.openxmlformats.org/presentationml/2006/main" show="0">
   <p:cSld>
     <p:spTree>
@@ -18163,139 +18304,6 @@
       <p:transition spd="slow"/>
     </mc:Fallback>
   </mc:AlternateContent>
-</p:sld>
-</file>
-
-<file path=ppt/slides/slide9.xml><?xml version="1.0" encoding="utf-8"?>
-<p:sld xmlns:a="http://schemas.openxmlformats.org/drawingml/2006/main" xmlns:r="http://schemas.openxmlformats.org/officeDocument/2006/relationships" xmlns:p="http://schemas.openxmlformats.org/presentationml/2006/main">
-  <p:cSld>
-    <p:spTree>
-      <p:nvGrpSpPr>
-        <p:cNvPr id="1" name=""/>
-        <p:cNvGrpSpPr/>
-        <p:nvPr/>
-      </p:nvGrpSpPr>
-      <p:grpSpPr>
-        <a:xfrm>
-          <a:off x="0" y="0"/>
-          <a:ext cx="0" cy="0"/>
-          <a:chOff x="0" y="0"/>
-          <a:chExt cx="0" cy="0"/>
-        </a:xfrm>
-      </p:grpSpPr>
-      <p:pic>
-        <p:nvPicPr>
-          <p:cNvPr id="15362" name="Picture 2" descr="Bildergebnis fÃ¼r sprechen verboten"/>
-          <p:cNvPicPr>
-            <a:picLocks noChangeAspect="1" noChangeArrowheads="1"/>
-          </p:cNvPicPr>
-          <p:nvPr/>
-        </p:nvPicPr>
-        <p:blipFill>
-          <a:blip r:embed="rId2">
-            <a:extLst>
-              <a:ext uri="{28A0092B-C50C-407E-A947-70E740481C1C}">
-                <a14:useLocalDpi xmlns:a14="http://schemas.microsoft.com/office/drawing/2010/main" val="0"/>
-              </a:ext>
-            </a:extLst>
-          </a:blip>
-          <a:srcRect/>
-          <a:stretch>
-            <a:fillRect/>
-          </a:stretch>
-        </p:blipFill>
-        <p:spPr bwMode="auto">
-          <a:xfrm>
-            <a:off x="4122738" y="1223963"/>
-            <a:ext cx="4408487" cy="4410075"/>
-          </a:xfrm>
-          <a:prstGeom prst="rect">
-            <a:avLst/>
-          </a:prstGeom>
-          <a:noFill/>
-          <a:ln>
-            <a:noFill/>
-          </a:ln>
-          <a:extLst>
-            <a:ext uri="{909E8E84-426E-40DD-AFC4-6F175D3DCCD1}">
-              <a14:hiddenFill xmlns:a14="http://schemas.microsoft.com/office/drawing/2010/main">
-                <a:solidFill>
-                  <a:srgbClr val="FFFFFF"/>
-                </a:solidFill>
-              </a14:hiddenFill>
-            </a:ext>
-            <a:ext uri="{91240B29-F687-4F45-9708-019B960494DF}">
-              <a14:hiddenLine xmlns:a14="http://schemas.microsoft.com/office/drawing/2010/main" w="9525">
-                <a:solidFill>
-                  <a:srgbClr val="000000"/>
-                </a:solidFill>
-                <a:miter lim="800000"/>
-                <a:headEnd/>
-                <a:tailEnd/>
-              </a14:hiddenLine>
-            </a:ext>
-          </a:extLst>
-        </p:spPr>
-      </p:pic>
-      <p:pic>
-        <p:nvPicPr>
-          <p:cNvPr id="15363" name="Picture 6" descr="https://herkunftssprachen.files.wordpress.com/2017/02/207px-pictogramm_silence-svg.png?w=207"/>
-          <p:cNvPicPr>
-            <a:picLocks noChangeAspect="1" noChangeArrowheads="1"/>
-          </p:cNvPicPr>
-          <p:nvPr/>
-        </p:nvPicPr>
-        <p:blipFill>
-          <a:blip r:embed="rId3">
-            <a:extLst>
-              <a:ext uri="{28A0092B-C50C-407E-A947-70E740481C1C}">
-                <a14:useLocalDpi xmlns:a14="http://schemas.microsoft.com/office/drawing/2010/main" val="0"/>
-              </a:ext>
-            </a:extLst>
-          </a:blip>
-          <a:srcRect/>
-          <a:stretch>
-            <a:fillRect/>
-          </a:stretch>
-        </p:blipFill>
-        <p:spPr bwMode="auto">
-          <a:xfrm>
-            <a:off x="938213" y="1566863"/>
-            <a:ext cx="2578100" cy="3724275"/>
-          </a:xfrm>
-          <a:prstGeom prst="rect">
-            <a:avLst/>
-          </a:prstGeom>
-          <a:noFill/>
-          <a:ln>
-            <a:noFill/>
-          </a:ln>
-          <a:extLst>
-            <a:ext uri="{909E8E84-426E-40DD-AFC4-6F175D3DCCD1}">
-              <a14:hiddenFill xmlns:a14="http://schemas.microsoft.com/office/drawing/2010/main">
-                <a:solidFill>
-                  <a:srgbClr val="FFFFFF"/>
-                </a:solidFill>
-              </a14:hiddenFill>
-            </a:ext>
-            <a:ext uri="{91240B29-F687-4F45-9708-019B960494DF}">
-              <a14:hiddenLine xmlns:a14="http://schemas.microsoft.com/office/drawing/2010/main" w="9525">
-                <a:solidFill>
-                  <a:srgbClr val="000000"/>
-                </a:solidFill>
-                <a:miter lim="800000"/>
-                <a:headEnd/>
-                <a:tailEnd/>
-              </a14:hiddenLine>
-            </a:ext>
-          </a:extLst>
-        </p:spPr>
-      </p:pic>
-    </p:spTree>
-  </p:cSld>
-  <p:clrMapOvr>
-    <a:masterClrMapping/>
-  </p:clrMapOvr>
 </p:sld>
 </file>
 

--- a/SchulungsUnterlagen/HWZ/WerBinIch.pptx
+++ b/SchulungsUnterlagen/HWZ/WerBinIch.pptx
@@ -5,7 +5,7 @@
     <p:sldMasterId id="2147483648" r:id="rId1"/>
   </p:sldMasterIdLst>
   <p:notesMasterIdLst>
-    <p:notesMasterId r:id="rId21"/>
+    <p:notesMasterId r:id="rId22"/>
   </p:notesMasterIdLst>
   <p:sldIdLst>
     <p:sldId id="256" r:id="rId2"/>
@@ -13,20 +13,21 @@
     <p:sldId id="257" r:id="rId4"/>
     <p:sldId id="258" r:id="rId5"/>
     <p:sldId id="275" r:id="rId6"/>
-    <p:sldId id="277" r:id="rId7"/>
-    <p:sldId id="278" r:id="rId8"/>
-    <p:sldId id="279" r:id="rId9"/>
-    <p:sldId id="280" r:id="rId10"/>
-    <p:sldId id="276" r:id="rId11"/>
-    <p:sldId id="267" r:id="rId12"/>
-    <p:sldId id="274" r:id="rId13"/>
-    <p:sldId id="259" r:id="rId14"/>
-    <p:sldId id="272" r:id="rId15"/>
-    <p:sldId id="268" r:id="rId16"/>
-    <p:sldId id="273" r:id="rId17"/>
-    <p:sldId id="270" r:id="rId18"/>
-    <p:sldId id="260" r:id="rId19"/>
-    <p:sldId id="269" r:id="rId20"/>
+    <p:sldId id="281" r:id="rId7"/>
+    <p:sldId id="277" r:id="rId8"/>
+    <p:sldId id="278" r:id="rId9"/>
+    <p:sldId id="279" r:id="rId10"/>
+    <p:sldId id="280" r:id="rId11"/>
+    <p:sldId id="276" r:id="rId12"/>
+    <p:sldId id="267" r:id="rId13"/>
+    <p:sldId id="274" r:id="rId14"/>
+    <p:sldId id="259" r:id="rId15"/>
+    <p:sldId id="272" r:id="rId16"/>
+    <p:sldId id="268" r:id="rId17"/>
+    <p:sldId id="273" r:id="rId18"/>
+    <p:sldId id="270" r:id="rId19"/>
+    <p:sldId id="260" r:id="rId20"/>
+    <p:sldId id="269" r:id="rId21"/>
   </p:sldIdLst>
   <p:sldSz cx="9144000" cy="6858000" type="screen4x3"/>
   <p:notesSz cx="7102475" cy="10233025"/>
@@ -458,35 +459,35 @@
           <a:p>
             <a:pPr lvl="0"/>
             <a:r>
-              <a:rPr lang="en-US" noProof="0" smtClean="0"/>
+              <a:rPr lang="en-US" noProof="0"/>
               <a:t>Click to edit Master text styles</a:t>
             </a:r>
           </a:p>
           <a:p>
             <a:pPr lvl="1"/>
             <a:r>
-              <a:rPr lang="en-US" noProof="0" smtClean="0"/>
+              <a:rPr lang="en-US" noProof="0"/>
               <a:t>Second level</a:t>
             </a:r>
           </a:p>
           <a:p>
             <a:pPr lvl="2"/>
             <a:r>
-              <a:rPr lang="en-US" noProof="0" smtClean="0"/>
+              <a:rPr lang="en-US" noProof="0"/>
               <a:t>Third level</a:t>
             </a:r>
           </a:p>
           <a:p>
             <a:pPr lvl="3"/>
             <a:r>
-              <a:rPr lang="en-US" noProof="0" smtClean="0"/>
+              <a:rPr lang="en-US" noProof="0"/>
               <a:t>Fourth level</a:t>
             </a:r>
           </a:p>
           <a:p>
             <a:pPr lvl="4"/>
             <a:r>
-              <a:rPr lang="en-US" noProof="0" smtClean="0"/>
+              <a:rPr lang="en-US" noProof="0"/>
               <a:t>Fifth level</a:t>
             </a:r>
           </a:p>
@@ -936,7 +937,7 @@
               </a:pPr>
               <a:t>1</a:t>
             </a:fld>
-            <a:endParaRPr lang="en-US" altLang="de-DE" sz="1300" smtClean="0"/>
+            <a:endParaRPr lang="en-US" altLang="de-DE" sz="1300"/>
           </a:p>
         </p:txBody>
       </p:sp>
@@ -972,7 +973,7 @@
           <a:lstStyle/>
           <a:p>
             <a:pPr eaLnBrk="1" hangingPunct="1"/>
-            <a:endParaRPr lang="de-CH" altLang="de-DE" smtClean="0">
+            <a:endParaRPr lang="de-CH" altLang="de-DE">
               <a:latin typeface="Arial" panose="020B0604020202020204" pitchFamily="34" charset="0"/>
             </a:endParaRPr>
           </a:p>
@@ -1149,9 +1150,9 @@
                   <a:spcPct val="0"/>
                 </a:spcBef>
               </a:pPr>
-              <a:t>16</a:t>
+              <a:t>17</a:t>
             </a:fld>
-            <a:endParaRPr lang="en-US" altLang="de-DE" sz="1300" smtClean="0"/>
+            <a:endParaRPr lang="en-US" altLang="de-DE" sz="1300"/>
           </a:p>
         </p:txBody>
       </p:sp>
@@ -1187,7 +1188,7 @@
           <a:lstStyle/>
           <a:p>
             <a:pPr eaLnBrk="1" hangingPunct="1"/>
-            <a:endParaRPr lang="de-CH" altLang="de-DE" smtClean="0">
+            <a:endParaRPr lang="de-CH" altLang="de-DE">
               <a:latin typeface="Arial" panose="020B0604020202020204" pitchFamily="34" charset="0"/>
             </a:endParaRPr>
           </a:p>
@@ -1364,9 +1365,9 @@
                   <a:spcPct val="0"/>
                 </a:spcBef>
               </a:pPr>
-              <a:t>17</a:t>
+              <a:t>18</a:t>
             </a:fld>
-            <a:endParaRPr lang="en-US" altLang="de-DE" sz="1300" smtClean="0"/>
+            <a:endParaRPr lang="en-US" altLang="de-DE" sz="1300"/>
           </a:p>
         </p:txBody>
       </p:sp>
@@ -1402,7 +1403,7 @@
           <a:lstStyle/>
           <a:p>
             <a:pPr eaLnBrk="1" hangingPunct="1"/>
-            <a:endParaRPr lang="de-CH" altLang="de-DE" smtClean="0">
+            <a:endParaRPr lang="de-CH" altLang="de-DE">
               <a:latin typeface="Arial" panose="020B0604020202020204" pitchFamily="34" charset="0"/>
             </a:endParaRPr>
           </a:p>
@@ -1579,9 +1580,9 @@
                   <a:spcPct val="0"/>
                 </a:spcBef>
               </a:pPr>
-              <a:t>18</a:t>
+              <a:t>19</a:t>
             </a:fld>
-            <a:endParaRPr lang="en-US" altLang="de-DE" sz="1300" smtClean="0"/>
+            <a:endParaRPr lang="en-US" altLang="de-DE" sz="1300"/>
           </a:p>
         </p:txBody>
       </p:sp>
@@ -1617,7 +1618,7 @@
           <a:lstStyle/>
           <a:p>
             <a:pPr eaLnBrk="1" hangingPunct="1"/>
-            <a:endParaRPr lang="de-CH" altLang="de-DE" smtClean="0">
+            <a:endParaRPr lang="de-CH" altLang="de-DE">
               <a:latin typeface="Arial" panose="020B0604020202020204" pitchFamily="34" charset="0"/>
             </a:endParaRPr>
           </a:p>
@@ -1794,9 +1795,9 @@
                   <a:spcPct val="0"/>
                 </a:spcBef>
               </a:pPr>
-              <a:t>19</a:t>
+              <a:t>20</a:t>
             </a:fld>
-            <a:endParaRPr lang="en-US" altLang="de-DE" sz="1300" smtClean="0"/>
+            <a:endParaRPr lang="en-US" altLang="de-DE" sz="1300"/>
           </a:p>
         </p:txBody>
       </p:sp>
@@ -1832,7 +1833,7 @@
           <a:lstStyle/>
           <a:p>
             <a:pPr eaLnBrk="1" hangingPunct="1"/>
-            <a:endParaRPr lang="de-CH" altLang="de-DE" smtClean="0">
+            <a:endParaRPr lang="de-CH" altLang="de-DE">
               <a:latin typeface="Arial" panose="020B0604020202020204" pitchFamily="34" charset="0"/>
             </a:endParaRPr>
           </a:p>
@@ -2011,7 +2012,7 @@
               </a:pPr>
               <a:t>2</a:t>
             </a:fld>
-            <a:endParaRPr lang="en-US" altLang="de-DE" sz="1300" smtClean="0"/>
+            <a:endParaRPr lang="en-US" altLang="de-DE" sz="1300"/>
           </a:p>
         </p:txBody>
       </p:sp>
@@ -2047,7 +2048,7 @@
           <a:lstStyle/>
           <a:p>
             <a:pPr eaLnBrk="1" hangingPunct="1"/>
-            <a:endParaRPr lang="de-CH" altLang="de-DE" smtClean="0">
+            <a:endParaRPr lang="de-CH" altLang="de-DE">
               <a:latin typeface="Arial" panose="020B0604020202020204" pitchFamily="34" charset="0"/>
             </a:endParaRPr>
           </a:p>
@@ -2226,7 +2227,7 @@
               </a:pPr>
               <a:t>3</a:t>
             </a:fld>
-            <a:endParaRPr lang="en-US" altLang="de-DE" sz="1300" smtClean="0"/>
+            <a:endParaRPr lang="en-US" altLang="de-DE" sz="1300"/>
           </a:p>
         </p:txBody>
       </p:sp>
@@ -2262,7 +2263,7 @@
           <a:lstStyle/>
           <a:p>
             <a:pPr eaLnBrk="1" hangingPunct="1"/>
-            <a:endParaRPr lang="de-CH" altLang="de-DE" smtClean="0">
+            <a:endParaRPr lang="de-CH" altLang="de-DE">
               <a:latin typeface="Arial" panose="020B0604020202020204" pitchFamily="34" charset="0"/>
             </a:endParaRPr>
           </a:p>
@@ -2441,7 +2442,7 @@
               </a:pPr>
               <a:t>4</a:t>
             </a:fld>
-            <a:endParaRPr lang="en-US" altLang="de-DE" sz="1300" smtClean="0"/>
+            <a:endParaRPr lang="en-US" altLang="de-DE" sz="1300"/>
           </a:p>
         </p:txBody>
       </p:sp>
@@ -2477,7 +2478,7 @@
           <a:lstStyle/>
           <a:p>
             <a:pPr eaLnBrk="1" hangingPunct="1"/>
-            <a:endParaRPr lang="de-CH" altLang="de-DE" smtClean="0">
+            <a:endParaRPr lang="de-CH" altLang="de-DE">
               <a:latin typeface="Arial" panose="020B0604020202020204" pitchFamily="34" charset="0"/>
             </a:endParaRPr>
           </a:p>
@@ -2654,9 +2655,9 @@
                   <a:spcPct val="0"/>
                 </a:spcBef>
               </a:pPr>
-              <a:t>11</a:t>
+              <a:t>12</a:t>
             </a:fld>
-            <a:endParaRPr lang="en-US" altLang="de-DE" sz="1300" smtClean="0"/>
+            <a:endParaRPr lang="en-US" altLang="de-DE" sz="1300"/>
           </a:p>
         </p:txBody>
       </p:sp>
@@ -2692,7 +2693,7 @@
           <a:lstStyle/>
           <a:p>
             <a:pPr eaLnBrk="1" hangingPunct="1"/>
-            <a:endParaRPr lang="de-CH" altLang="de-DE" smtClean="0">
+            <a:endParaRPr lang="de-CH" altLang="de-DE">
               <a:latin typeface="Arial" panose="020B0604020202020204" pitchFamily="34" charset="0"/>
             </a:endParaRPr>
           </a:p>
@@ -2869,9 +2870,9 @@
                   <a:spcPct val="0"/>
                 </a:spcBef>
               </a:pPr>
-              <a:t>12</a:t>
+              <a:t>13</a:t>
             </a:fld>
-            <a:endParaRPr lang="en-US" altLang="de-DE" sz="1300" smtClean="0"/>
+            <a:endParaRPr lang="en-US" altLang="de-DE" sz="1300"/>
           </a:p>
         </p:txBody>
       </p:sp>
@@ -2907,7 +2908,7 @@
           <a:lstStyle/>
           <a:p>
             <a:pPr eaLnBrk="1" hangingPunct="1"/>
-            <a:endParaRPr lang="de-CH" altLang="de-DE" smtClean="0">
+            <a:endParaRPr lang="de-CH" altLang="de-DE">
               <a:latin typeface="Arial" panose="020B0604020202020204" pitchFamily="34" charset="0"/>
             </a:endParaRPr>
           </a:p>
@@ -3084,9 +3085,9 @@
                   <a:spcPct val="0"/>
                 </a:spcBef>
               </a:pPr>
-              <a:t>13</a:t>
+              <a:t>14</a:t>
             </a:fld>
-            <a:endParaRPr lang="en-US" altLang="de-DE" sz="1300" smtClean="0"/>
+            <a:endParaRPr lang="en-US" altLang="de-DE" sz="1300"/>
           </a:p>
         </p:txBody>
       </p:sp>
@@ -3122,7 +3123,7 @@
           <a:lstStyle/>
           <a:p>
             <a:pPr eaLnBrk="1" hangingPunct="1"/>
-            <a:endParaRPr lang="de-CH" altLang="de-DE" smtClean="0">
+            <a:endParaRPr lang="de-CH" altLang="de-DE">
               <a:latin typeface="Arial" panose="020B0604020202020204" pitchFamily="34" charset="0"/>
             </a:endParaRPr>
           </a:p>
@@ -3299,9 +3300,9 @@
                   <a:spcPct val="0"/>
                 </a:spcBef>
               </a:pPr>
-              <a:t>14</a:t>
+              <a:t>15</a:t>
             </a:fld>
-            <a:endParaRPr lang="en-US" altLang="de-DE" sz="1300" smtClean="0"/>
+            <a:endParaRPr lang="en-US" altLang="de-DE" sz="1300"/>
           </a:p>
         </p:txBody>
       </p:sp>
@@ -3337,7 +3338,7 @@
           <a:lstStyle/>
           <a:p>
             <a:pPr eaLnBrk="1" hangingPunct="1"/>
-            <a:endParaRPr lang="de-CH" altLang="de-DE" smtClean="0">
+            <a:endParaRPr lang="de-CH" altLang="de-DE">
               <a:latin typeface="Arial" panose="020B0604020202020204" pitchFamily="34" charset="0"/>
             </a:endParaRPr>
           </a:p>
@@ -3514,9 +3515,9 @@
                   <a:spcPct val="0"/>
                 </a:spcBef>
               </a:pPr>
-              <a:t>15</a:t>
+              <a:t>16</a:t>
             </a:fld>
-            <a:endParaRPr lang="en-US" altLang="de-DE" sz="1300" smtClean="0"/>
+            <a:endParaRPr lang="en-US" altLang="de-DE" sz="1300"/>
           </a:p>
         </p:txBody>
       </p:sp>
@@ -3552,7 +3553,7 @@
           <a:lstStyle/>
           <a:p>
             <a:pPr eaLnBrk="1" hangingPunct="1"/>
-            <a:endParaRPr lang="de-CH" altLang="de-DE" smtClean="0">
+            <a:endParaRPr lang="de-CH" altLang="de-DE">
               <a:latin typeface="Arial" panose="020B0604020202020204" pitchFamily="34" charset="0"/>
             </a:endParaRPr>
           </a:p>
@@ -3609,7 +3610,7 @@
           <a:lstStyle/>
           <a:p>
             <a:r>
-              <a:rPr lang="de-DE" smtClean="0"/>
+              <a:rPr lang="de-DE"/>
               <a:t>Titelmasterformat durch Klicken bearbeiten</a:t>
             </a:r>
             <a:endParaRPr lang="en-GB"/>
@@ -3674,7 +3675,7 @@
           </a:lstStyle>
           <a:p>
             <a:r>
-              <a:rPr lang="de-DE" smtClean="0"/>
+              <a:rPr lang="de-DE"/>
               <a:t>Formatvorlage des Untertitelmasters durch Klicken bearbeiten</a:t>
             </a:r>
             <a:endParaRPr lang="en-GB"/>
@@ -3818,7 +3819,7 @@
           <a:lstStyle/>
           <a:p>
             <a:r>
-              <a:rPr lang="de-DE" smtClean="0"/>
+              <a:rPr lang="de-DE"/>
               <a:t>Titelmasterformat durch Klicken bearbeiten</a:t>
             </a:r>
             <a:endParaRPr lang="en-GB"/>
@@ -3842,35 +3843,35 @@
           <a:p>
             <a:pPr lvl="0"/>
             <a:r>
-              <a:rPr lang="de-DE" smtClean="0"/>
+              <a:rPr lang="de-DE"/>
               <a:t>Textmasterformat bearbeiten</a:t>
             </a:r>
           </a:p>
           <a:p>
             <a:pPr lvl="1"/>
             <a:r>
-              <a:rPr lang="de-DE" smtClean="0"/>
+              <a:rPr lang="de-DE"/>
               <a:t>Zweite Ebene</a:t>
             </a:r>
           </a:p>
           <a:p>
             <a:pPr lvl="2"/>
             <a:r>
-              <a:rPr lang="de-DE" smtClean="0"/>
+              <a:rPr lang="de-DE"/>
               <a:t>Dritte Ebene</a:t>
             </a:r>
           </a:p>
           <a:p>
             <a:pPr lvl="3"/>
             <a:r>
-              <a:rPr lang="de-DE" smtClean="0"/>
+              <a:rPr lang="de-DE"/>
               <a:t>Vierte Ebene</a:t>
             </a:r>
           </a:p>
           <a:p>
             <a:pPr lvl="4"/>
             <a:r>
-              <a:rPr lang="de-DE" smtClean="0"/>
+              <a:rPr lang="de-DE"/>
               <a:t>Fünfte Ebene</a:t>
             </a:r>
             <a:endParaRPr lang="en-GB"/>
@@ -4019,7 +4020,7 @@
           <a:lstStyle/>
           <a:p>
             <a:r>
-              <a:rPr lang="de-DE" smtClean="0"/>
+              <a:rPr lang="de-DE"/>
               <a:t>Titelmasterformat durch Klicken bearbeiten</a:t>
             </a:r>
             <a:endParaRPr lang="en-GB"/>
@@ -4048,35 +4049,35 @@
           <a:p>
             <a:pPr lvl="0"/>
             <a:r>
-              <a:rPr lang="de-DE" smtClean="0"/>
+              <a:rPr lang="de-DE"/>
               <a:t>Textmasterformat bearbeiten</a:t>
             </a:r>
           </a:p>
           <a:p>
             <a:pPr lvl="1"/>
             <a:r>
-              <a:rPr lang="de-DE" smtClean="0"/>
+              <a:rPr lang="de-DE"/>
               <a:t>Zweite Ebene</a:t>
             </a:r>
           </a:p>
           <a:p>
             <a:pPr lvl="2"/>
             <a:r>
-              <a:rPr lang="de-DE" smtClean="0"/>
+              <a:rPr lang="de-DE"/>
               <a:t>Dritte Ebene</a:t>
             </a:r>
           </a:p>
           <a:p>
             <a:pPr lvl="3"/>
             <a:r>
-              <a:rPr lang="de-DE" smtClean="0"/>
+              <a:rPr lang="de-DE"/>
               <a:t>Vierte Ebene</a:t>
             </a:r>
           </a:p>
           <a:p>
             <a:pPr lvl="4"/>
             <a:r>
-              <a:rPr lang="de-DE" smtClean="0"/>
+              <a:rPr lang="de-DE"/>
               <a:t>Fünfte Ebene</a:t>
             </a:r>
             <a:endParaRPr lang="en-GB"/>
@@ -4220,7 +4221,7 @@
           <a:lstStyle/>
           <a:p>
             <a:r>
-              <a:rPr lang="de-DE" smtClean="0"/>
+              <a:rPr lang="de-DE"/>
               <a:t>Titelmasterformat durch Klicken bearbeiten</a:t>
             </a:r>
             <a:endParaRPr lang="en-GB"/>
@@ -4244,35 +4245,35 @@
           <a:p>
             <a:pPr lvl="0"/>
             <a:r>
-              <a:rPr lang="de-DE" smtClean="0"/>
+              <a:rPr lang="de-DE"/>
               <a:t>Textmasterformat bearbeiten</a:t>
             </a:r>
           </a:p>
           <a:p>
             <a:pPr lvl="1"/>
             <a:r>
-              <a:rPr lang="de-DE" smtClean="0"/>
+              <a:rPr lang="de-DE"/>
               <a:t>Zweite Ebene</a:t>
             </a:r>
           </a:p>
           <a:p>
             <a:pPr lvl="2"/>
             <a:r>
-              <a:rPr lang="de-DE" smtClean="0"/>
+              <a:rPr lang="de-DE"/>
               <a:t>Dritte Ebene</a:t>
             </a:r>
           </a:p>
           <a:p>
             <a:pPr lvl="3"/>
             <a:r>
-              <a:rPr lang="de-DE" smtClean="0"/>
+              <a:rPr lang="de-DE"/>
               <a:t>Vierte Ebene</a:t>
             </a:r>
           </a:p>
           <a:p>
             <a:pPr lvl="4"/>
             <a:r>
-              <a:rPr lang="de-DE" smtClean="0"/>
+              <a:rPr lang="de-DE"/>
               <a:t>Fünfte Ebene</a:t>
             </a:r>
             <a:endParaRPr lang="en-GB"/>
@@ -4425,7 +4426,7 @@
           </a:lstStyle>
           <a:p>
             <a:r>
-              <a:rPr lang="de-DE" smtClean="0"/>
+              <a:rPr lang="de-DE"/>
               <a:t>Titelmasterformat durch Klicken bearbeiten</a:t>
             </a:r>
             <a:endParaRPr lang="en-GB"/>
@@ -4491,7 +4492,7 @@
           <a:p>
             <a:pPr lvl="0"/>
             <a:r>
-              <a:rPr lang="de-DE" smtClean="0"/>
+              <a:rPr lang="de-DE"/>
               <a:t>Textmasterformat bearbeiten</a:t>
             </a:r>
           </a:p>
@@ -4634,7 +4635,7 @@
           <a:lstStyle/>
           <a:p>
             <a:r>
-              <a:rPr lang="de-DE" smtClean="0"/>
+              <a:rPr lang="de-DE"/>
               <a:t>Titelmasterformat durch Klicken bearbeiten</a:t>
             </a:r>
             <a:endParaRPr lang="en-GB"/>
@@ -4691,35 +4692,35 @@
           <a:p>
             <a:pPr lvl="0"/>
             <a:r>
-              <a:rPr lang="de-DE" smtClean="0"/>
+              <a:rPr lang="de-DE"/>
               <a:t>Textmasterformat bearbeiten</a:t>
             </a:r>
           </a:p>
           <a:p>
             <a:pPr lvl="1"/>
             <a:r>
-              <a:rPr lang="de-DE" smtClean="0"/>
+              <a:rPr lang="de-DE"/>
               <a:t>Zweite Ebene</a:t>
             </a:r>
           </a:p>
           <a:p>
             <a:pPr lvl="2"/>
             <a:r>
-              <a:rPr lang="de-DE" smtClean="0"/>
+              <a:rPr lang="de-DE"/>
               <a:t>Dritte Ebene</a:t>
             </a:r>
           </a:p>
           <a:p>
             <a:pPr lvl="3"/>
             <a:r>
-              <a:rPr lang="de-DE" smtClean="0"/>
+              <a:rPr lang="de-DE"/>
               <a:t>Vierte Ebene</a:t>
             </a:r>
           </a:p>
           <a:p>
             <a:pPr lvl="4"/>
             <a:r>
-              <a:rPr lang="de-DE" smtClean="0"/>
+              <a:rPr lang="de-DE"/>
               <a:t>Fünfte Ebene</a:t>
             </a:r>
             <a:endParaRPr lang="en-GB"/>
@@ -4776,35 +4777,35 @@
           <a:p>
             <a:pPr lvl="0"/>
             <a:r>
-              <a:rPr lang="de-DE" smtClean="0"/>
+              <a:rPr lang="de-DE"/>
               <a:t>Textmasterformat bearbeiten</a:t>
             </a:r>
           </a:p>
           <a:p>
             <a:pPr lvl="1"/>
             <a:r>
-              <a:rPr lang="de-DE" smtClean="0"/>
+              <a:rPr lang="de-DE"/>
               <a:t>Zweite Ebene</a:t>
             </a:r>
           </a:p>
           <a:p>
             <a:pPr lvl="2"/>
             <a:r>
-              <a:rPr lang="de-DE" smtClean="0"/>
+              <a:rPr lang="de-DE"/>
               <a:t>Dritte Ebene</a:t>
             </a:r>
           </a:p>
           <a:p>
             <a:pPr lvl="3"/>
             <a:r>
-              <a:rPr lang="de-DE" smtClean="0"/>
+              <a:rPr lang="de-DE"/>
               <a:t>Vierte Ebene</a:t>
             </a:r>
           </a:p>
           <a:p>
             <a:pPr lvl="4"/>
             <a:r>
-              <a:rPr lang="de-DE" smtClean="0"/>
+              <a:rPr lang="de-DE"/>
               <a:t>Fünfte Ebene</a:t>
             </a:r>
             <a:endParaRPr lang="en-GB"/>
@@ -4952,7 +4953,7 @@
           </a:lstStyle>
           <a:p>
             <a:r>
-              <a:rPr lang="de-DE" smtClean="0"/>
+              <a:rPr lang="de-DE"/>
               <a:t>Titelmasterformat durch Klicken bearbeiten</a:t>
             </a:r>
             <a:endParaRPr lang="en-GB"/>
@@ -5018,7 +5019,7 @@
           <a:p>
             <a:pPr lvl="0"/>
             <a:r>
-              <a:rPr lang="de-DE" smtClean="0"/>
+              <a:rPr lang="de-DE"/>
               <a:t>Textmasterformat bearbeiten</a:t>
             </a:r>
           </a:p>
@@ -5074,35 +5075,35 @@
           <a:p>
             <a:pPr lvl="0"/>
             <a:r>
-              <a:rPr lang="de-DE" smtClean="0"/>
+              <a:rPr lang="de-DE"/>
               <a:t>Textmasterformat bearbeiten</a:t>
             </a:r>
           </a:p>
           <a:p>
             <a:pPr lvl="1"/>
             <a:r>
-              <a:rPr lang="de-DE" smtClean="0"/>
+              <a:rPr lang="de-DE"/>
               <a:t>Zweite Ebene</a:t>
             </a:r>
           </a:p>
           <a:p>
             <a:pPr lvl="2"/>
             <a:r>
-              <a:rPr lang="de-DE" smtClean="0"/>
+              <a:rPr lang="de-DE"/>
               <a:t>Dritte Ebene</a:t>
             </a:r>
           </a:p>
           <a:p>
             <a:pPr lvl="3"/>
             <a:r>
-              <a:rPr lang="de-DE" smtClean="0"/>
+              <a:rPr lang="de-DE"/>
               <a:t>Vierte Ebene</a:t>
             </a:r>
           </a:p>
           <a:p>
             <a:pPr lvl="4"/>
             <a:r>
-              <a:rPr lang="de-DE" smtClean="0"/>
+              <a:rPr lang="de-DE"/>
               <a:t>Fünfte Ebene</a:t>
             </a:r>
             <a:endParaRPr lang="en-GB"/>
@@ -5168,7 +5169,7 @@
           <a:p>
             <a:pPr lvl="0"/>
             <a:r>
-              <a:rPr lang="de-DE" smtClean="0"/>
+              <a:rPr lang="de-DE"/>
               <a:t>Textmasterformat bearbeiten</a:t>
             </a:r>
           </a:p>
@@ -5224,35 +5225,35 @@
           <a:p>
             <a:pPr lvl="0"/>
             <a:r>
-              <a:rPr lang="de-DE" smtClean="0"/>
+              <a:rPr lang="de-DE"/>
               <a:t>Textmasterformat bearbeiten</a:t>
             </a:r>
           </a:p>
           <a:p>
             <a:pPr lvl="1"/>
             <a:r>
-              <a:rPr lang="de-DE" smtClean="0"/>
+              <a:rPr lang="de-DE"/>
               <a:t>Zweite Ebene</a:t>
             </a:r>
           </a:p>
           <a:p>
             <a:pPr lvl="2"/>
             <a:r>
-              <a:rPr lang="de-DE" smtClean="0"/>
+              <a:rPr lang="de-DE"/>
               <a:t>Dritte Ebene</a:t>
             </a:r>
           </a:p>
           <a:p>
             <a:pPr lvl="3"/>
             <a:r>
-              <a:rPr lang="de-DE" smtClean="0"/>
+              <a:rPr lang="de-DE"/>
               <a:t>Vierte Ebene</a:t>
             </a:r>
           </a:p>
           <a:p>
             <a:pPr lvl="4"/>
             <a:r>
-              <a:rPr lang="de-DE" smtClean="0"/>
+              <a:rPr lang="de-DE"/>
               <a:t>Fünfte Ebene</a:t>
             </a:r>
             <a:endParaRPr lang="en-GB"/>
@@ -5396,7 +5397,7 @@
           <a:lstStyle/>
           <a:p>
             <a:r>
-              <a:rPr lang="de-DE" smtClean="0"/>
+              <a:rPr lang="de-DE"/>
               <a:t>Titelmasterformat durch Klicken bearbeiten</a:t>
             </a:r>
             <a:endParaRPr lang="en-GB"/>
@@ -5670,7 +5671,7 @@
           </a:lstStyle>
           <a:p>
             <a:r>
-              <a:rPr lang="de-DE" smtClean="0"/>
+              <a:rPr lang="de-DE"/>
               <a:t>Titelmasterformat durch Klicken bearbeiten</a:t>
             </a:r>
             <a:endParaRPr lang="en-GB"/>
@@ -5727,35 +5728,35 @@
           <a:p>
             <a:pPr lvl="0"/>
             <a:r>
-              <a:rPr lang="de-DE" smtClean="0"/>
+              <a:rPr lang="de-DE"/>
               <a:t>Textmasterformat bearbeiten</a:t>
             </a:r>
           </a:p>
           <a:p>
             <a:pPr lvl="1"/>
             <a:r>
-              <a:rPr lang="de-DE" smtClean="0"/>
+              <a:rPr lang="de-DE"/>
               <a:t>Zweite Ebene</a:t>
             </a:r>
           </a:p>
           <a:p>
             <a:pPr lvl="2"/>
             <a:r>
-              <a:rPr lang="de-DE" smtClean="0"/>
+              <a:rPr lang="de-DE"/>
               <a:t>Dritte Ebene</a:t>
             </a:r>
           </a:p>
           <a:p>
             <a:pPr lvl="3"/>
             <a:r>
-              <a:rPr lang="de-DE" smtClean="0"/>
+              <a:rPr lang="de-DE"/>
               <a:t>Vierte Ebene</a:t>
             </a:r>
           </a:p>
           <a:p>
             <a:pPr lvl="4"/>
             <a:r>
-              <a:rPr lang="de-DE" smtClean="0"/>
+              <a:rPr lang="de-DE"/>
               <a:t>Fünfte Ebene</a:t>
             </a:r>
             <a:endParaRPr lang="en-GB"/>
@@ -5821,7 +5822,7 @@
           <a:p>
             <a:pPr lvl="0"/>
             <a:r>
-              <a:rPr lang="de-DE" smtClean="0"/>
+              <a:rPr lang="de-DE"/>
               <a:t>Textmasterformat bearbeiten</a:t>
             </a:r>
           </a:p>
@@ -5973,7 +5974,7 @@
           </a:lstStyle>
           <a:p>
             <a:r>
-              <a:rPr lang="de-DE" smtClean="0"/>
+              <a:rPr lang="de-DE"/>
               <a:t>Titelmasterformat durch Klicken bearbeiten</a:t>
             </a:r>
             <a:endParaRPr lang="en-GB"/>
@@ -6038,7 +6039,7 @@
           </a:lstStyle>
           <a:p>
             <a:pPr lvl="0"/>
-            <a:endParaRPr lang="en-GB" noProof="0" smtClean="0"/>
+            <a:endParaRPr lang="en-GB" noProof="0"/>
           </a:p>
         </p:txBody>
       </p:sp>
@@ -6101,7 +6102,7 @@
           <a:p>
             <a:pPr lvl="0"/>
             <a:r>
-              <a:rPr lang="de-DE" smtClean="0"/>
+              <a:rPr lang="de-DE"/>
               <a:t>Textmasterformat bearbeiten</a:t>
             </a:r>
           </a:p>
@@ -6298,7 +6299,7 @@
           <a:p>
             <a:pPr lvl="0"/>
             <a:r>
-              <a:rPr lang="en-US" altLang="de-DE" smtClean="0"/>
+              <a:rPr lang="en-US" altLang="de-DE"/>
               <a:t>Click to edit Master title style</a:t>
             </a:r>
           </a:p>
@@ -6366,35 +6367,35 @@
           <a:p>
             <a:pPr lvl="0"/>
             <a:r>
-              <a:rPr lang="en-US" altLang="de-DE" smtClean="0"/>
+              <a:rPr lang="en-US" altLang="de-DE"/>
               <a:t>Click to edit Master text styles</a:t>
             </a:r>
           </a:p>
           <a:p>
             <a:pPr lvl="1"/>
             <a:r>
-              <a:rPr lang="en-US" altLang="de-DE" smtClean="0"/>
+              <a:rPr lang="en-US" altLang="de-DE"/>
               <a:t>Second level</a:t>
             </a:r>
           </a:p>
           <a:p>
             <a:pPr lvl="2"/>
             <a:r>
-              <a:rPr lang="en-US" altLang="de-DE" smtClean="0"/>
+              <a:rPr lang="en-US" altLang="de-DE"/>
               <a:t>Third level</a:t>
             </a:r>
           </a:p>
           <a:p>
             <a:pPr lvl="3"/>
             <a:r>
-              <a:rPr lang="en-US" altLang="de-DE" smtClean="0"/>
+              <a:rPr lang="en-US" altLang="de-DE"/>
               <a:t>Fourth level</a:t>
             </a:r>
           </a:p>
           <a:p>
             <a:pPr lvl="4"/>
             <a:r>
-              <a:rPr lang="en-US" altLang="de-DE" smtClean="0"/>
+              <a:rPr lang="en-US" altLang="de-DE"/>
               <a:t>Fifth level</a:t>
             </a:r>
           </a:p>
@@ -7047,28 +7048,20 @@
           <a:lstStyle/>
           <a:p>
             <a:pPr eaLnBrk="1" hangingPunct="1"/>
-            <a:r>
-              <a:rPr lang="de-CH" altLang="de-DE" sz="4000" dirty="0" smtClean="0"/>
-              <a:t/>
-            </a:r>
-            <a:br>
-              <a:rPr lang="de-CH" altLang="de-DE" sz="4000" dirty="0" smtClean="0"/>
-            </a:br>
-            <a:r>
-              <a:rPr lang="de-CH" altLang="de-DE" sz="4000" dirty="0" smtClean="0"/>
-              <a:t>Herzlich Willkommen!</a:t>
-            </a:r>
-            <a:br>
-              <a:rPr lang="de-CH" altLang="de-DE" sz="4000" dirty="0" smtClean="0"/>
-            </a:br>
-            <a:r>
-              <a:rPr lang="de-CH" altLang="de-DE" sz="4000" dirty="0"/>
-              <a:t/>
-            </a:r>
             <a:br>
               <a:rPr lang="de-CH" altLang="de-DE" sz="4000" dirty="0"/>
             </a:br>
-            <a:endParaRPr lang="en-US" altLang="de-DE" sz="4000" dirty="0" smtClean="0"/>
+            <a:r>
+              <a:rPr lang="de-CH" altLang="de-DE" sz="4000" dirty="0"/>
+              <a:t>Herzlich Willkommen!</a:t>
+            </a:r>
+            <a:br>
+              <a:rPr lang="de-CH" altLang="de-DE" sz="4000" dirty="0"/>
+            </a:br>
+            <a:br>
+              <a:rPr lang="de-CH" altLang="de-DE" sz="4000" dirty="0"/>
+            </a:br>
+            <a:endParaRPr lang="en-US" altLang="de-DE" sz="4000" dirty="0"/>
           </a:p>
         </p:txBody>
       </p:sp>
@@ -7077,17 +7070,166 @@
   <p:clrMapOvr>
     <a:masterClrMapping/>
   </p:clrMapOvr>
-  <p:timing>
-    <p:tnLst>
-      <p:par>
-        <p:cTn id="1" dur="indefinite" restart="never" nodeType="tmRoot"/>
-      </p:par>
-    </p:tnLst>
-  </p:timing>
 </p:sld>
 </file>
 
 <file path=ppt/slides/slide10.xml><?xml version="1.0" encoding="utf-8"?>
+<p:sld xmlns:a="http://schemas.openxmlformats.org/drawingml/2006/main" xmlns:r="http://schemas.openxmlformats.org/officeDocument/2006/relationships" xmlns:p="http://schemas.openxmlformats.org/presentationml/2006/main">
+  <p:cSld>
+    <p:spTree>
+      <p:nvGrpSpPr>
+        <p:cNvPr id="1" name=""/>
+        <p:cNvGrpSpPr/>
+        <p:nvPr/>
+      </p:nvGrpSpPr>
+      <p:grpSpPr>
+        <a:xfrm>
+          <a:off x="0" y="0"/>
+          <a:ext cx="0" cy="0"/>
+          <a:chOff x="0" y="0"/>
+          <a:chExt cx="0" cy="0"/>
+        </a:xfrm>
+      </p:grpSpPr>
+      <p:pic>
+        <p:nvPicPr>
+          <p:cNvPr id="14338" name="Picture 2" descr="Bildergebnis"/>
+          <p:cNvPicPr>
+            <a:picLocks noChangeAspect="1" noChangeArrowheads="1"/>
+          </p:cNvPicPr>
+          <p:nvPr/>
+        </p:nvPicPr>
+        <p:blipFill>
+          <a:blip r:embed="rId2">
+            <a:extLst>
+              <a:ext uri="{28A0092B-C50C-407E-A947-70E740481C1C}">
+                <a14:useLocalDpi xmlns:a14="http://schemas.microsoft.com/office/drawing/2010/main" val="0"/>
+              </a:ext>
+            </a:extLst>
+          </a:blip>
+          <a:srcRect/>
+          <a:stretch>
+            <a:fillRect/>
+          </a:stretch>
+        </p:blipFill>
+        <p:spPr bwMode="auto">
+          <a:xfrm>
+            <a:off x="2733675" y="857250"/>
+            <a:ext cx="3676650" cy="5143500"/>
+          </a:xfrm>
+          <a:prstGeom prst="rect">
+            <a:avLst/>
+          </a:prstGeom>
+          <a:noFill/>
+          <a:ln>
+            <a:noFill/>
+          </a:ln>
+          <a:extLst>
+            <a:ext uri="{909E8E84-426E-40DD-AFC4-6F175D3DCCD1}">
+              <a14:hiddenFill xmlns:a14="http://schemas.microsoft.com/office/drawing/2010/main">
+                <a:solidFill>
+                  <a:srgbClr val="FFFFFF"/>
+                </a:solidFill>
+              </a14:hiddenFill>
+            </a:ext>
+            <a:ext uri="{91240B29-F687-4F45-9708-019B960494DF}">
+              <a14:hiddenLine xmlns:a14="http://schemas.microsoft.com/office/drawing/2010/main" w="9525">
+                <a:solidFill>
+                  <a:srgbClr val="000000"/>
+                </a:solidFill>
+                <a:miter lim="800000"/>
+                <a:headEnd/>
+                <a:tailEnd/>
+              </a14:hiddenLine>
+            </a:ext>
+          </a:extLst>
+        </p:spPr>
+      </p:pic>
+      <p:sp>
+        <p:nvSpPr>
+          <p:cNvPr id="4" name="Textfeld 3"/>
+          <p:cNvSpPr txBox="1"/>
+          <p:nvPr/>
+        </p:nvSpPr>
+        <p:spPr>
+          <a:xfrm>
+            <a:off x="2932113" y="2486025"/>
+            <a:ext cx="3278187" cy="2446824"/>
+          </a:xfrm>
+          <a:prstGeom prst="rect">
+            <a:avLst/>
+          </a:prstGeom>
+          <a:noFill/>
+        </p:spPr>
+        <p:txBody>
+          <a:bodyPr>
+            <a:spAutoFit/>
+          </a:bodyPr>
+          <a:lstStyle/>
+          <a:p>
+            <a:pPr eaLnBrk="1" hangingPunct="1">
+              <a:defRPr/>
+            </a:pPr>
+            <a:endParaRPr lang="de-CH" sz="1500" dirty="0"/>
+          </a:p>
+          <a:p>
+            <a:pPr eaLnBrk="1" hangingPunct="1">
+              <a:defRPr/>
+            </a:pPr>
+            <a:r>
+              <a:rPr lang="de-CH" sz="1500" b="1" dirty="0"/>
+              <a:t>Konsequenzen bei nicht einhalten der Regeln:</a:t>
+            </a:r>
+          </a:p>
+          <a:p>
+            <a:pPr marL="257175" indent="-257175" eaLnBrk="1" hangingPunct="1">
+              <a:buFont typeface="Arial" panose="020B0604020202020204" pitchFamily="34" charset="0"/>
+              <a:buChar char="•"/>
+              <a:defRPr/>
+            </a:pPr>
+            <a:r>
+              <a:rPr lang="de-CH" sz="1500" dirty="0"/>
+              <a:t>Time Out</a:t>
+            </a:r>
+          </a:p>
+          <a:p>
+            <a:pPr marL="257175" indent="-257175" eaLnBrk="1" hangingPunct="1">
+              <a:buFont typeface="Arial" panose="020B0604020202020204" pitchFamily="34" charset="0"/>
+              <a:buChar char="•"/>
+              <a:defRPr/>
+            </a:pPr>
+            <a:r>
+              <a:rPr lang="de-CH" sz="1500" dirty="0"/>
+              <a:t>Bei wiederholtem Verstoss, Mitteilung an den Lehrbetrieb und Kontaktaufnahme mit dem Ausbildner</a:t>
+            </a:r>
+          </a:p>
+          <a:p>
+            <a:pPr marL="257175" indent="-257175" eaLnBrk="1" hangingPunct="1">
+              <a:buFont typeface="Arial" panose="020B0604020202020204" pitchFamily="34" charset="0"/>
+              <a:buChar char="•"/>
+              <a:defRPr/>
+            </a:pPr>
+            <a:r>
+              <a:rPr lang="de-CH" sz="1500" dirty="0"/>
+              <a:t>Disziplinarverfahren</a:t>
+            </a:r>
+          </a:p>
+          <a:p>
+            <a:pPr eaLnBrk="1" hangingPunct="1">
+              <a:defRPr/>
+            </a:pPr>
+            <a:endParaRPr lang="de-CH" dirty="0"/>
+          </a:p>
+        </p:txBody>
+      </p:sp>
+    </p:spTree>
+  </p:cSld>
+  <p:clrMapOvr>
+    <a:masterClrMapping/>
+  </p:clrMapOvr>
+</p:sld>
+</file>
+
+<file path=ppt/slides/slide11.xml><?xml version="1.0" encoding="utf-8"?>
 <p:sld xmlns:a="http://schemas.openxmlformats.org/drawingml/2006/main" xmlns:r="http://schemas.openxmlformats.org/officeDocument/2006/relationships" xmlns:p="http://schemas.openxmlformats.org/presentationml/2006/main" show="0">
   <p:cSld>
     <p:spTree>
@@ -7119,7 +7261,7 @@
           <a:bodyPr/>
           <a:lstStyle/>
           <a:p>
-            <a:endParaRPr lang="de-CH" altLang="de-DE" smtClean="0"/>
+            <a:endParaRPr lang="de-CH" altLang="de-DE"/>
           </a:p>
         </p:txBody>
       </p:sp>
@@ -7138,7 +7280,7 @@
           <a:bodyPr/>
           <a:lstStyle/>
           <a:p>
-            <a:endParaRPr lang="de-CH" altLang="de-DE" smtClean="0"/>
+            <a:endParaRPr lang="de-CH" altLang="de-DE"/>
           </a:p>
         </p:txBody>
       </p:sp>
@@ -7201,25 +7343,10 @@
   <p:clrMapOvr>
     <a:masterClrMapping/>
   </p:clrMapOvr>
-  <mc:AlternateContent xmlns:mc="http://schemas.openxmlformats.org/markup-compatibility/2006" xmlns:p14="http://schemas.microsoft.com/office/powerpoint/2010/main">
-    <mc:Choice Requires="p14">
-      <p:transition spd="slow" p14:dur="2000"/>
-    </mc:Choice>
-    <mc:Fallback xmlns="">
-      <p:transition spd="slow"/>
-    </mc:Fallback>
-  </mc:AlternateContent>
-  <p:timing>
-    <p:tnLst>
-      <p:par>
-        <p:cTn id="1" dur="indefinite" restart="never" nodeType="tmRoot"/>
-      </p:par>
-    </p:tnLst>
-  </p:timing>
 </p:sld>
 </file>
 
-<file path=ppt/slides/slide11.xml><?xml version="1.0" encoding="utf-8"?>
+<file path=ppt/slides/slide12.xml><?xml version="1.0" encoding="utf-8"?>
 <p:sld xmlns:a="http://schemas.openxmlformats.org/drawingml/2006/main" xmlns:r="http://schemas.openxmlformats.org/officeDocument/2006/relationships" xmlns:p="http://schemas.openxmlformats.org/presentationml/2006/main" show="0">
   <p:cSld>
     <p:spTree>
@@ -7258,10 +7385,10 @@
           <a:p>
             <a:pPr eaLnBrk="1" hangingPunct="1"/>
             <a:r>
-              <a:rPr lang="de-CH" altLang="de-DE" smtClean="0"/>
+              <a:rPr lang="de-CH" altLang="de-DE"/>
               <a:t>Wer bin ich?</a:t>
             </a:r>
-            <a:endParaRPr lang="en-US" altLang="de-DE" smtClean="0"/>
+            <a:endParaRPr lang="en-US" altLang="de-DE"/>
           </a:p>
         </p:txBody>
       </p:sp>
@@ -9886,7 +10013,7 @@
 </p:sld>
 </file>
 
-<file path=ppt/slides/slide12.xml><?xml version="1.0" encoding="utf-8"?>
+<file path=ppt/slides/slide13.xml><?xml version="1.0" encoding="utf-8"?>
 <p:sld xmlns:a="http://schemas.openxmlformats.org/drawingml/2006/main" xmlns:r="http://schemas.openxmlformats.org/officeDocument/2006/relationships" xmlns:p="http://schemas.openxmlformats.org/presentationml/2006/main" show="0">
   <p:cSld>
     <p:spTree>
@@ -9924,7 +10051,7 @@
           <a:lstStyle/>
           <a:p>
             <a:pPr eaLnBrk="1" hangingPunct="1"/>
-            <a:endParaRPr lang="de-CH" altLang="de-DE" smtClean="0"/>
+            <a:endParaRPr lang="de-CH" altLang="de-DE"/>
           </a:p>
         </p:txBody>
       </p:sp>
@@ -10076,7 +10203,7 @@
 </p:sld>
 </file>
 
-<file path=ppt/slides/slide13.xml><?xml version="1.0" encoding="utf-8"?>
+<file path=ppt/slides/slide14.xml><?xml version="1.0" encoding="utf-8"?>
 <p:sld xmlns:a="http://schemas.openxmlformats.org/drawingml/2006/main" xmlns:r="http://schemas.openxmlformats.org/officeDocument/2006/relationships" xmlns:p="http://schemas.openxmlformats.org/presentationml/2006/main" show="0">
   <p:cSld>
     <p:spTree>
@@ -10978,7 +11105,7 @@
 </p:sld>
 </file>
 
-<file path=ppt/slides/slide14.xml><?xml version="1.0" encoding="utf-8"?>
+<file path=ppt/slides/slide15.xml><?xml version="1.0" encoding="utf-8"?>
 <p:sld xmlns:a="http://schemas.openxmlformats.org/drawingml/2006/main" xmlns:r="http://schemas.openxmlformats.org/officeDocument/2006/relationships" xmlns:p="http://schemas.openxmlformats.org/presentationml/2006/main" show="0">
   <p:cSld>
     <p:spTree>
@@ -11017,10 +11144,10 @@
           <a:p>
             <a:pPr eaLnBrk="1" hangingPunct="1"/>
             <a:r>
-              <a:rPr lang="de-CH" altLang="de-DE" smtClean="0"/>
+              <a:rPr lang="de-CH" altLang="de-DE"/>
               <a:t>Wer sind Sie?</a:t>
             </a:r>
-            <a:endParaRPr lang="en-US" altLang="de-DE" smtClean="0"/>
+            <a:endParaRPr lang="en-US" altLang="de-DE"/>
           </a:p>
         </p:txBody>
       </p:sp>
@@ -11283,17 +11410,10 @@
     <a:masterClrMapping/>
   </p:clrMapOvr>
   <p:transition spd="slow"/>
-  <p:timing>
-    <p:tnLst>
-      <p:par>
-        <p:cTn id="1" dur="indefinite" restart="never" nodeType="tmRoot"/>
-      </p:par>
-    </p:tnLst>
-  </p:timing>
 </p:sld>
 </file>
 
-<file path=ppt/slides/slide15.xml><?xml version="1.0" encoding="utf-8"?>
+<file path=ppt/slides/slide16.xml><?xml version="1.0" encoding="utf-8"?>
 <p:sld xmlns:a="http://schemas.openxmlformats.org/drawingml/2006/main" xmlns:r="http://schemas.openxmlformats.org/officeDocument/2006/relationships" xmlns:p="http://schemas.openxmlformats.org/presentationml/2006/main" show="0">
   <p:cSld>
     <p:spTree>
@@ -11332,7 +11452,7 @@
           <a:p>
             <a:pPr eaLnBrk="1" hangingPunct="1"/>
             <a:r>
-              <a:rPr lang="en-US" altLang="de-DE" sz="4000" smtClean="0"/>
+              <a:rPr lang="en-US" altLang="de-DE" sz="4000"/>
               <a:t>What I would like to have from you!</a:t>
             </a:r>
           </a:p>
@@ -11628,17 +11748,10 @@
     <a:masterClrMapping/>
   </p:clrMapOvr>
   <p:transition spd="slow"/>
-  <p:timing>
-    <p:tnLst>
-      <p:par>
-        <p:cTn id="1" dur="indefinite" restart="never" nodeType="tmRoot"/>
-      </p:par>
-    </p:tnLst>
-  </p:timing>
 </p:sld>
 </file>
 
-<file path=ppt/slides/slide16.xml><?xml version="1.0" encoding="utf-8"?>
+<file path=ppt/slides/slide17.xml><?xml version="1.0" encoding="utf-8"?>
 <p:sld xmlns:a="http://schemas.openxmlformats.org/drawingml/2006/main" xmlns:r="http://schemas.openxmlformats.org/officeDocument/2006/relationships" xmlns:p="http://schemas.openxmlformats.org/presentationml/2006/main" show="0">
   <p:cSld>
     <p:spTree>
@@ -11677,7 +11790,7 @@
           <a:p>
             <a:pPr eaLnBrk="1" hangingPunct="1"/>
             <a:r>
-              <a:rPr lang="en-US" altLang="de-DE" smtClean="0"/>
+              <a:rPr lang="en-US" altLang="de-DE"/>
               <a:t>Walter Rothlin</a:t>
             </a:r>
           </a:p>
@@ -13306,7 +13419,7 @@
 </p:sld>
 </file>
 
-<file path=ppt/slides/slide17.xml><?xml version="1.0" encoding="utf-8"?>
+<file path=ppt/slides/slide18.xml><?xml version="1.0" encoding="utf-8"?>
 <p:sld xmlns:a="http://schemas.openxmlformats.org/drawingml/2006/main" xmlns:r="http://schemas.openxmlformats.org/officeDocument/2006/relationships" xmlns:p="http://schemas.openxmlformats.org/presentationml/2006/main" show="0">
   <p:cSld>
     <p:spTree>
@@ -13345,10 +13458,10 @@
           <a:p>
             <a:pPr eaLnBrk="1" hangingPunct="1"/>
             <a:r>
-              <a:rPr lang="de-CH" altLang="de-DE" smtClean="0"/>
+              <a:rPr lang="de-CH" altLang="de-DE"/>
               <a:t>Semesterprogramm</a:t>
             </a:r>
-            <a:endParaRPr lang="en-US" altLang="de-DE" smtClean="0"/>
+            <a:endParaRPr lang="en-US" altLang="de-DE"/>
           </a:p>
         </p:txBody>
       </p:sp>
@@ -13581,17 +13694,10 @@
     <a:masterClrMapping/>
   </p:clrMapOvr>
   <p:transition spd="slow"/>
-  <p:timing>
-    <p:tnLst>
-      <p:par>
-        <p:cTn id="1" dur="indefinite" restart="never" nodeType="tmRoot"/>
-      </p:par>
-    </p:tnLst>
-  </p:timing>
 </p:sld>
 </file>
 
-<file path=ppt/slides/slide18.xml><?xml version="1.0" encoding="utf-8"?>
+<file path=ppt/slides/slide19.xml><?xml version="1.0" encoding="utf-8"?>
 <p:sld xmlns:a="http://schemas.openxmlformats.org/drawingml/2006/main" xmlns:r="http://schemas.openxmlformats.org/officeDocument/2006/relationships" xmlns:p="http://schemas.openxmlformats.org/presentationml/2006/main" show="0">
   <p:cSld>
     <p:spTree>
@@ -13630,10 +13736,10 @@
           <a:p>
             <a:pPr eaLnBrk="1" hangingPunct="1"/>
             <a:r>
-              <a:rPr lang="de-CH" altLang="de-DE" smtClean="0"/>
+              <a:rPr lang="de-CH" altLang="de-DE"/>
               <a:t>Wer sind Sie?</a:t>
             </a:r>
-            <a:endParaRPr lang="en-US" altLang="de-DE" smtClean="0"/>
+            <a:endParaRPr lang="en-US" altLang="de-DE"/>
           </a:p>
         </p:txBody>
       </p:sp>
@@ -13866,286 +13972,6 @@
     <a:masterClrMapping/>
   </p:clrMapOvr>
   <p:transition spd="slow"/>
-  <p:timing>
-    <p:tnLst>
-      <p:par>
-        <p:cTn id="1" dur="indefinite" restart="never" nodeType="tmRoot"/>
-      </p:par>
-    </p:tnLst>
-  </p:timing>
-</p:sld>
-</file>
-
-<file path=ppt/slides/slide19.xml><?xml version="1.0" encoding="utf-8"?>
-<p:sld xmlns:a="http://schemas.openxmlformats.org/drawingml/2006/main" xmlns:r="http://schemas.openxmlformats.org/officeDocument/2006/relationships" xmlns:p="http://schemas.openxmlformats.org/presentationml/2006/main" show="0">
-  <p:cSld>
-    <p:spTree>
-      <p:nvGrpSpPr>
-        <p:cNvPr id="1" name=""/>
-        <p:cNvGrpSpPr/>
-        <p:nvPr/>
-      </p:nvGrpSpPr>
-      <p:grpSpPr>
-        <a:xfrm>
-          <a:off x="0" y="0"/>
-          <a:ext cx="0" cy="0"/>
-          <a:chOff x="0" y="0"/>
-          <a:chExt cx="0" cy="0"/>
-        </a:xfrm>
-      </p:grpSpPr>
-      <p:sp>
-        <p:nvSpPr>
-          <p:cNvPr id="33794" name="Rectangle 2"/>
-          <p:cNvSpPr>
-            <a:spLocks noGrp="1" noChangeArrowheads="1"/>
-          </p:cNvSpPr>
-          <p:nvPr>
-            <p:ph type="ctrTitle"/>
-          </p:nvPr>
-        </p:nvSpPr>
-        <p:spPr>
-          <a:xfrm>
-            <a:off x="611188" y="333375"/>
-            <a:ext cx="7772400" cy="1008063"/>
-          </a:xfrm>
-        </p:spPr>
-        <p:txBody>
-          <a:bodyPr/>
-          <a:lstStyle/>
-          <a:p>
-            <a:pPr eaLnBrk="1" hangingPunct="1"/>
-            <a:r>
-              <a:rPr lang="de-CH" altLang="de-DE" smtClean="0"/>
-              <a:t>Erwartungen?</a:t>
-            </a:r>
-            <a:endParaRPr lang="en-US" altLang="de-DE" smtClean="0"/>
-          </a:p>
-        </p:txBody>
-      </p:sp>
-      <p:sp>
-        <p:nvSpPr>
-          <p:cNvPr id="33795" name="Text Box 3"/>
-          <p:cNvSpPr txBox="1">
-            <a:spLocks noChangeArrowheads="1"/>
-          </p:cNvSpPr>
-          <p:nvPr/>
-        </p:nvSpPr>
-        <p:spPr bwMode="auto">
-          <a:xfrm>
-            <a:off x="179388" y="2060575"/>
-            <a:ext cx="8964612" cy="1587500"/>
-          </a:xfrm>
-          <a:prstGeom prst="rect">
-            <a:avLst/>
-          </a:prstGeom>
-          <a:noFill/>
-          <a:ln>
-            <a:noFill/>
-          </a:ln>
-          <a:effectLst/>
-          <a:extLst>
-            <a:ext uri="{909E8E84-426E-40DD-AFC4-6F175D3DCCD1}">
-              <a14:hiddenFill xmlns:a14="http://schemas.microsoft.com/office/drawing/2010/main">
-                <a:solidFill>
-                  <a:schemeClr val="accent1"/>
-                </a:solidFill>
-              </a14:hiddenFill>
-            </a:ext>
-            <a:ext uri="{91240B29-F687-4F45-9708-019B960494DF}">
-              <a14:hiddenLine xmlns:a14="http://schemas.microsoft.com/office/drawing/2010/main" w="9525">
-                <a:solidFill>
-                  <a:schemeClr val="tx1"/>
-                </a:solidFill>
-                <a:miter lim="800000"/>
-                <a:headEnd/>
-                <a:tailEnd/>
-              </a14:hiddenLine>
-            </a:ext>
-            <a:ext uri="{AF507438-7753-43E0-B8FC-AC1667EBCBE1}">
-              <a14:hiddenEffects xmlns:a14="http://schemas.microsoft.com/office/drawing/2010/main">
-                <a:effectLst>
-                  <a:outerShdw dist="35921" dir="2700000" algn="ctr" rotWithShape="0">
-                    <a:schemeClr val="bg2"/>
-                  </a:outerShdw>
-                </a:effectLst>
-              </a14:hiddenEffects>
-            </a:ext>
-          </a:extLst>
-        </p:spPr>
-        <p:txBody>
-          <a:bodyPr>
-            <a:spAutoFit/>
-          </a:bodyPr>
-          <a:lstStyle>
-            <a:lvl1pPr>
-              <a:spcBef>
-                <a:spcPct val="20000"/>
-              </a:spcBef>
-              <a:buChar char="•"/>
-              <a:defRPr sz="3200">
-                <a:solidFill>
-                  <a:schemeClr val="tx1"/>
-                </a:solidFill>
-                <a:latin typeface="Arial" panose="020B0604020202020204" pitchFamily="34" charset="0"/>
-              </a:defRPr>
-            </a:lvl1pPr>
-            <a:lvl2pPr marL="742950" indent="-285750">
-              <a:spcBef>
-                <a:spcPct val="20000"/>
-              </a:spcBef>
-              <a:buChar char="–"/>
-              <a:defRPr sz="2800">
-                <a:solidFill>
-                  <a:schemeClr val="tx1"/>
-                </a:solidFill>
-                <a:latin typeface="Arial" panose="020B0604020202020204" pitchFamily="34" charset="0"/>
-              </a:defRPr>
-            </a:lvl2pPr>
-            <a:lvl3pPr marL="1143000" indent="-228600">
-              <a:spcBef>
-                <a:spcPct val="20000"/>
-              </a:spcBef>
-              <a:buChar char="•"/>
-              <a:defRPr sz="2400">
-                <a:solidFill>
-                  <a:schemeClr val="tx1"/>
-                </a:solidFill>
-                <a:latin typeface="Arial" panose="020B0604020202020204" pitchFamily="34" charset="0"/>
-              </a:defRPr>
-            </a:lvl3pPr>
-            <a:lvl4pPr marL="1600200" indent="-228600">
-              <a:spcBef>
-                <a:spcPct val="20000"/>
-              </a:spcBef>
-              <a:buChar char="–"/>
-              <a:defRPr sz="2000">
-                <a:solidFill>
-                  <a:schemeClr val="tx1"/>
-                </a:solidFill>
-                <a:latin typeface="Arial" panose="020B0604020202020204" pitchFamily="34" charset="0"/>
-              </a:defRPr>
-            </a:lvl4pPr>
-            <a:lvl5pPr marL="2057400" indent="-228600">
-              <a:spcBef>
-                <a:spcPct val="20000"/>
-              </a:spcBef>
-              <a:buChar char="»"/>
-              <a:defRPr sz="2000">
-                <a:solidFill>
-                  <a:schemeClr val="tx1"/>
-                </a:solidFill>
-                <a:latin typeface="Arial" panose="020B0604020202020204" pitchFamily="34" charset="0"/>
-              </a:defRPr>
-            </a:lvl5pPr>
-            <a:lvl6pPr marL="2514600" indent="-228600" eaLnBrk="0" fontAlgn="base" hangingPunct="0">
-              <a:spcBef>
-                <a:spcPct val="20000"/>
-              </a:spcBef>
-              <a:spcAft>
-                <a:spcPct val="0"/>
-              </a:spcAft>
-              <a:buChar char="»"/>
-              <a:defRPr sz="2000">
-                <a:solidFill>
-                  <a:schemeClr val="tx1"/>
-                </a:solidFill>
-                <a:latin typeface="Arial" panose="020B0604020202020204" pitchFamily="34" charset="0"/>
-              </a:defRPr>
-            </a:lvl6pPr>
-            <a:lvl7pPr marL="2971800" indent="-228600" eaLnBrk="0" fontAlgn="base" hangingPunct="0">
-              <a:spcBef>
-                <a:spcPct val="20000"/>
-              </a:spcBef>
-              <a:spcAft>
-                <a:spcPct val="0"/>
-              </a:spcAft>
-              <a:buChar char="»"/>
-              <a:defRPr sz="2000">
-                <a:solidFill>
-                  <a:schemeClr val="tx1"/>
-                </a:solidFill>
-                <a:latin typeface="Arial" panose="020B0604020202020204" pitchFamily="34" charset="0"/>
-              </a:defRPr>
-            </a:lvl7pPr>
-            <a:lvl8pPr marL="3429000" indent="-228600" eaLnBrk="0" fontAlgn="base" hangingPunct="0">
-              <a:spcBef>
-                <a:spcPct val="20000"/>
-              </a:spcBef>
-              <a:spcAft>
-                <a:spcPct val="0"/>
-              </a:spcAft>
-              <a:buChar char="»"/>
-              <a:defRPr sz="2000">
-                <a:solidFill>
-                  <a:schemeClr val="tx1"/>
-                </a:solidFill>
-                <a:latin typeface="Arial" panose="020B0604020202020204" pitchFamily="34" charset="0"/>
-              </a:defRPr>
-            </a:lvl8pPr>
-            <a:lvl9pPr marL="3886200" indent="-228600" eaLnBrk="0" fontAlgn="base" hangingPunct="0">
-              <a:spcBef>
-                <a:spcPct val="20000"/>
-              </a:spcBef>
-              <a:spcAft>
-                <a:spcPct val="0"/>
-              </a:spcAft>
-              <a:buChar char="»"/>
-              <a:defRPr sz="2000">
-                <a:solidFill>
-                  <a:schemeClr val="tx1"/>
-                </a:solidFill>
-                <a:latin typeface="Arial" panose="020B0604020202020204" pitchFamily="34" charset="0"/>
-              </a:defRPr>
-            </a:lvl9pPr>
-          </a:lstStyle>
-          <a:p>
-            <a:pPr eaLnBrk="1" hangingPunct="1">
-              <a:spcBef>
-                <a:spcPct val="50000"/>
-              </a:spcBef>
-              <a:buFont typeface="Wingdings" panose="05000000000000000000" pitchFamily="2" charset="2"/>
-              <a:buNone/>
-            </a:pPr>
-            <a:r>
-              <a:rPr lang="de-CH" altLang="de-DE" sz="2800"/>
-              <a:t>Erwartungen an „Informatik Betriebsökonomie“</a:t>
-            </a:r>
-          </a:p>
-          <a:p>
-            <a:pPr eaLnBrk="1" hangingPunct="1">
-              <a:spcBef>
-                <a:spcPct val="50000"/>
-              </a:spcBef>
-              <a:buFontTx/>
-              <a:buNone/>
-            </a:pPr>
-            <a:r>
-              <a:rPr lang="de-CH" altLang="de-DE" sz="2800"/>
-              <a:t> </a:t>
-            </a:r>
-            <a:r>
-              <a:rPr lang="de-CH" altLang="de-DE" sz="2800">
-                <a:sym typeface="Wingdings" panose="05000000000000000000" pitchFamily="2" charset="2"/>
-              </a:rPr>
-              <a:t> 2 Erwartungen auf 2 Karten schreiben (4er Gruppen) </a:t>
-            </a:r>
-            <a:endParaRPr lang="en-US" altLang="de-DE" sz="2800"/>
-          </a:p>
-        </p:txBody>
-      </p:sp>
-    </p:spTree>
-  </p:cSld>
-  <p:clrMapOvr>
-    <a:masterClrMapping/>
-  </p:clrMapOvr>
-  <p:transition spd="slow"/>
-  <p:timing>
-    <p:tnLst>
-      <p:par>
-        <p:cTn id="1" dur="indefinite" restart="never" nodeType="tmRoot"/>
-      </p:par>
-    </p:tnLst>
-  </p:timing>
 </p:sld>
 </file>
 
@@ -14188,7 +14014,7 @@
           <a:p>
             <a:pPr eaLnBrk="1" hangingPunct="1"/>
             <a:r>
-              <a:rPr lang="en-US" altLang="de-DE" smtClean="0"/>
+              <a:rPr lang="en-US" altLang="de-DE"/>
               <a:t>Walter Rothlin</a:t>
             </a:r>
           </a:p>
@@ -14487,8 +14313,8 @@
         </p:nvSpPr>
         <p:spPr bwMode="auto">
           <a:xfrm>
-            <a:off x="2388726" y="4565551"/>
-            <a:ext cx="6917343" cy="2308324"/>
+            <a:off x="2275230" y="5227647"/>
+            <a:ext cx="6712222" cy="1200329"/>
           </a:xfrm>
           <a:prstGeom prst="rect">
             <a:avLst/>
@@ -14662,10 +14488,9 @@
               <a:buNone/>
             </a:pPr>
             <a:r>
-              <a:rPr lang="de-CH" altLang="de-DE" sz="1800" u="sng" dirty="0" smtClean="0"/>
-              <a:t>Anstellung / Funktionen</a:t>
-            </a:r>
-            <a:endParaRPr lang="de-CH" altLang="de-DE" sz="1800" u="sng" dirty="0"/>
+              <a:rPr lang="de-CH" altLang="de-DE" sz="1800" u="sng" dirty="0"/>
+              <a:t>Aktuelle Anstellungen / Funktionen</a:t>
+            </a:r>
           </a:p>
           <a:p>
             <a:pPr eaLnBrk="1" hangingPunct="1">
@@ -14676,18 +14501,37 @@
               <a:buNone/>
             </a:pPr>
             <a:r>
-              <a:rPr lang="de-CH" altLang="de-DE" sz="1800" dirty="0" err="1"/>
-              <a:t>Credit</a:t>
-            </a:r>
-            <a:r>
-              <a:rPr lang="de-CH" altLang="de-DE" sz="1800" dirty="0"/>
-              <a:t>-Suisse, </a:t>
-            </a:r>
-            <a:r>
-              <a:rPr lang="de-CH" altLang="de-DE" sz="1800" dirty="0" smtClean="0"/>
-              <a:t>Vize-Direktor (Pensionär)</a:t>
-            </a:r>
-            <a:endParaRPr lang="de-CH" altLang="de-DE" sz="1800" dirty="0"/>
+              <a:rPr lang="en-US" altLang="de-DE" sz="1800" dirty="0" err="1"/>
+              <a:t>Berufsschullehrer</a:t>
+            </a:r>
+            <a:r>
+              <a:rPr lang="en-US" altLang="de-DE" sz="1800" dirty="0"/>
+              <a:t> </a:t>
+            </a:r>
+            <a:r>
+              <a:rPr lang="en-US" altLang="de-DE" sz="1800" dirty="0" err="1"/>
+              <a:t>mbA</a:t>
+            </a:r>
+            <a:r>
+              <a:rPr lang="en-US" altLang="de-DE" sz="1800" dirty="0"/>
+              <a:t> an BZU (IoT, Python, </a:t>
+            </a:r>
+            <a:r>
+              <a:rPr lang="en-US" altLang="de-DE" sz="1800" dirty="0" err="1"/>
+              <a:t>MySql</a:t>
+            </a:r>
+            <a:r>
+              <a:rPr lang="en-US" altLang="de-DE" sz="1800" dirty="0"/>
+              <a:t>, </a:t>
+            </a:r>
+            <a:r>
+              <a:rPr lang="en-US" altLang="de-DE" sz="1800" dirty="0" err="1"/>
+              <a:t>Rpi</a:t>
+            </a:r>
+            <a:r>
+              <a:rPr lang="en-US" altLang="de-DE" sz="1800" dirty="0"/>
+              <a:t>, REST)</a:t>
+            </a:r>
           </a:p>
           <a:p>
             <a:pPr eaLnBrk="1" hangingPunct="1">
@@ -14698,16 +14542,12 @@
               <a:buNone/>
             </a:pPr>
             <a:r>
-              <a:rPr lang="de-CH" altLang="de-DE" sz="1800" dirty="0"/>
-              <a:t>Leiter Entwicklungsabteilung (</a:t>
-            </a:r>
-            <a:r>
-              <a:rPr lang="de-CH" altLang="de-DE" sz="1800" dirty="0" err="1"/>
-              <a:t>ca</a:t>
-            </a:r>
-            <a:r>
-              <a:rPr lang="de-CH" altLang="de-DE" sz="1800" dirty="0"/>
-              <a:t> 25 SW-Entwickler)</a:t>
+              <a:rPr lang="en-US" altLang="de-DE" sz="1800" dirty="0" err="1"/>
+              <a:t>Dozent</a:t>
+            </a:r>
+            <a:r>
+              <a:rPr lang="en-US" altLang="de-DE" sz="1800" dirty="0"/>
+              <a:t> HWZ, HBU</a:t>
             </a:r>
           </a:p>
           <a:p>
@@ -14719,109 +14559,11 @@
               <a:buNone/>
             </a:pPr>
             <a:r>
-              <a:rPr lang="de-CH" altLang="de-DE" sz="1800" dirty="0"/>
-              <a:t>Globale Verantwortung für Handelssystem im MM und FX Bereich</a:t>
-            </a:r>
-          </a:p>
-          <a:p>
-            <a:pPr eaLnBrk="1" hangingPunct="1">
-              <a:spcBef>
-                <a:spcPct val="0"/>
-              </a:spcBef>
-              <a:buFontTx/>
-              <a:buNone/>
-            </a:pPr>
-            <a:r>
-              <a:rPr lang="de-CH" altLang="de-DE" sz="1800" dirty="0"/>
-              <a:t>Mehrjährige Auslanderfahrung (New York, London)</a:t>
-            </a:r>
-            <a:endParaRPr lang="en-US" altLang="de-DE" sz="1800" dirty="0"/>
-          </a:p>
-          <a:p>
-            <a:pPr eaLnBrk="1" hangingPunct="1">
-              <a:spcBef>
-                <a:spcPct val="0"/>
-              </a:spcBef>
-              <a:buFontTx/>
-              <a:buNone/>
-            </a:pPr>
-            <a:r>
-              <a:rPr lang="en-US" altLang="de-DE" sz="1800" dirty="0" err="1" smtClean="0"/>
-              <a:t>Berufsschullehrer</a:t>
-            </a:r>
-            <a:r>
-              <a:rPr lang="en-US" altLang="de-DE" sz="1800" dirty="0" smtClean="0"/>
-              <a:t> </a:t>
-            </a:r>
-            <a:r>
-              <a:rPr lang="en-US" altLang="de-DE" sz="1800" dirty="0" err="1" smtClean="0"/>
-              <a:t>mbA</a:t>
-            </a:r>
-            <a:r>
-              <a:rPr lang="en-US" altLang="de-DE" sz="1800" dirty="0" smtClean="0"/>
-              <a:t> an BZU (</a:t>
-            </a:r>
-            <a:r>
-              <a:rPr lang="en-US" altLang="de-DE" sz="1800" dirty="0" err="1" smtClean="0"/>
-              <a:t>IoT</a:t>
-            </a:r>
-            <a:r>
-              <a:rPr lang="en-US" altLang="de-DE" sz="1800" dirty="0" smtClean="0"/>
-              <a:t>, Python, </a:t>
-            </a:r>
-            <a:r>
-              <a:rPr lang="en-US" altLang="de-DE" sz="1800" dirty="0" err="1" smtClean="0"/>
-              <a:t>MySql</a:t>
-            </a:r>
-            <a:r>
-              <a:rPr lang="en-US" altLang="de-DE" sz="1800" dirty="0" smtClean="0"/>
-              <a:t>, </a:t>
-            </a:r>
-            <a:r>
-              <a:rPr lang="en-US" altLang="de-DE" sz="1800" dirty="0" err="1" smtClean="0"/>
-              <a:t>Rpi</a:t>
-            </a:r>
-            <a:r>
-              <a:rPr lang="en-US" altLang="de-DE" sz="1800" dirty="0" smtClean="0"/>
-              <a:t>, REST)</a:t>
-            </a:r>
-            <a:endParaRPr lang="en-US" altLang="de-DE" sz="1800" dirty="0"/>
-          </a:p>
-          <a:p>
-            <a:pPr eaLnBrk="1" hangingPunct="1">
-              <a:spcBef>
-                <a:spcPct val="0"/>
-              </a:spcBef>
-              <a:buFontTx/>
-              <a:buNone/>
-            </a:pPr>
-            <a:r>
               <a:rPr lang="en-US" altLang="de-DE" sz="1800" dirty="0" err="1"/>
-              <a:t>Dozent</a:t>
+              <a:t>Hauptexperte</a:t>
             </a:r>
             <a:r>
               <a:rPr lang="en-US" altLang="de-DE" sz="1800" dirty="0"/>
-              <a:t> </a:t>
-            </a:r>
-            <a:r>
-              <a:rPr lang="en-US" altLang="de-DE" sz="1800" dirty="0" smtClean="0"/>
-              <a:t>HWZ</a:t>
-            </a:r>
-          </a:p>
-          <a:p>
-            <a:pPr eaLnBrk="1" hangingPunct="1">
-              <a:spcBef>
-                <a:spcPct val="0"/>
-              </a:spcBef>
-              <a:buFontTx/>
-              <a:buNone/>
-            </a:pPr>
-            <a:r>
-              <a:rPr lang="en-US" altLang="de-DE" sz="1800" dirty="0" err="1" smtClean="0"/>
-              <a:t>Hauptexperte</a:t>
-            </a:r>
-            <a:r>
-              <a:rPr lang="en-US" altLang="de-DE" sz="1800" dirty="0" smtClean="0"/>
               <a:t> PK19</a:t>
             </a:r>
             <a:endParaRPr lang="de-CH" altLang="de-DE" sz="1800" dirty="0"/>
@@ -14839,7 +14581,7 @@
         <p:spPr bwMode="auto">
           <a:xfrm>
             <a:off x="315913" y="3519488"/>
-            <a:ext cx="5923416" cy="2308324"/>
+            <a:ext cx="2018501" cy="2308324"/>
           </a:xfrm>
           <a:prstGeom prst="rect">
             <a:avLst/>
@@ -15043,18 +14785,9 @@
               <a:t>Sport </a:t>
             </a:r>
             <a:r>
-              <a:rPr lang="de-CH" altLang="de-DE" sz="1000" dirty="0" smtClean="0"/>
-              <a:t>(</a:t>
-            </a:r>
-            <a:r>
               <a:rPr lang="de-CH" altLang="de-DE" sz="1000" dirty="0"/>
-              <a:t>Klettern, Biken, Joggen, Skitouren, Snowboard, Tauchen, </a:t>
-            </a:r>
-            <a:r>
-              <a:rPr lang="de-CH" altLang="de-DE" sz="1000" dirty="0" smtClean="0"/>
-              <a:t>Deltasegeln, Gleitschirmfliegen)</a:t>
-            </a:r>
-            <a:endParaRPr lang="de-CH" altLang="de-DE" sz="1000" dirty="0"/>
+              <a:t>(Outdoor)</a:t>
+            </a:r>
           </a:p>
           <a:p>
             <a:pPr eaLnBrk="1" hangingPunct="1">
@@ -15446,6 +15179,268 @@
           </a:extLst>
         </p:spPr>
       </p:pic>
+      <p:sp>
+        <p:nvSpPr>
+          <p:cNvPr id="2" name="Text Box 17">
+            <a:extLst>
+              <a:ext uri="{FF2B5EF4-FFF2-40B4-BE49-F238E27FC236}">
+                <a16:creationId xmlns:a16="http://schemas.microsoft.com/office/drawing/2014/main" id="{711C4A4A-73D6-8719-4232-9CCD296E61B2}"/>
+              </a:ext>
+            </a:extLst>
+          </p:cNvPr>
+          <p:cNvSpPr txBox="1">
+            <a:spLocks noChangeArrowheads="1"/>
+          </p:cNvSpPr>
+          <p:nvPr/>
+        </p:nvSpPr>
+        <p:spPr bwMode="auto">
+          <a:xfrm>
+            <a:off x="2299703" y="3579028"/>
+            <a:ext cx="6917343" cy="1477328"/>
+          </a:xfrm>
+          <a:prstGeom prst="rect">
+            <a:avLst/>
+          </a:prstGeom>
+          <a:noFill/>
+          <a:ln>
+            <a:noFill/>
+          </a:ln>
+          <a:effectLst/>
+          <a:extLst>
+            <a:ext uri="{909E8E84-426E-40DD-AFC4-6F175D3DCCD1}">
+              <a14:hiddenFill xmlns:a14="http://schemas.microsoft.com/office/drawing/2010/main">
+                <a:solidFill>
+                  <a:schemeClr val="accent1"/>
+                </a:solidFill>
+              </a14:hiddenFill>
+            </a:ext>
+            <a:ext uri="{91240B29-F687-4F45-9708-019B960494DF}">
+              <a14:hiddenLine xmlns:a14="http://schemas.microsoft.com/office/drawing/2010/main" w="9525">
+                <a:solidFill>
+                  <a:schemeClr val="tx1"/>
+                </a:solidFill>
+                <a:miter lim="800000"/>
+                <a:headEnd/>
+                <a:tailEnd/>
+              </a14:hiddenLine>
+            </a:ext>
+            <a:ext uri="{AF507438-7753-43E0-B8FC-AC1667EBCBE1}">
+              <a14:hiddenEffects xmlns:a14="http://schemas.microsoft.com/office/drawing/2010/main">
+                <a:effectLst>
+                  <a:outerShdw dist="35921" dir="2700000" algn="ctr" rotWithShape="0">
+                    <a:schemeClr val="bg2"/>
+                  </a:outerShdw>
+                </a:effectLst>
+              </a14:hiddenEffects>
+            </a:ext>
+          </a:extLst>
+        </p:spPr>
+        <p:txBody>
+          <a:bodyPr wrap="none">
+            <a:spAutoFit/>
+          </a:bodyPr>
+          <a:lstStyle>
+            <a:lvl1pPr>
+              <a:spcBef>
+                <a:spcPct val="20000"/>
+              </a:spcBef>
+              <a:buChar char="•"/>
+              <a:defRPr sz="3200">
+                <a:solidFill>
+                  <a:schemeClr val="tx1"/>
+                </a:solidFill>
+                <a:latin typeface="Arial" panose="020B0604020202020204" pitchFamily="34" charset="0"/>
+              </a:defRPr>
+            </a:lvl1pPr>
+            <a:lvl2pPr marL="742950" indent="-285750">
+              <a:spcBef>
+                <a:spcPct val="20000"/>
+              </a:spcBef>
+              <a:buChar char="–"/>
+              <a:defRPr sz="2800">
+                <a:solidFill>
+                  <a:schemeClr val="tx1"/>
+                </a:solidFill>
+                <a:latin typeface="Arial" panose="020B0604020202020204" pitchFamily="34" charset="0"/>
+              </a:defRPr>
+            </a:lvl2pPr>
+            <a:lvl3pPr marL="1143000" indent="-228600">
+              <a:spcBef>
+                <a:spcPct val="20000"/>
+              </a:spcBef>
+              <a:buChar char="•"/>
+              <a:defRPr sz="2400">
+                <a:solidFill>
+                  <a:schemeClr val="tx1"/>
+                </a:solidFill>
+                <a:latin typeface="Arial" panose="020B0604020202020204" pitchFamily="34" charset="0"/>
+              </a:defRPr>
+            </a:lvl3pPr>
+            <a:lvl4pPr marL="1600200" indent="-228600">
+              <a:spcBef>
+                <a:spcPct val="20000"/>
+              </a:spcBef>
+              <a:buChar char="–"/>
+              <a:defRPr sz="2000">
+                <a:solidFill>
+                  <a:schemeClr val="tx1"/>
+                </a:solidFill>
+                <a:latin typeface="Arial" panose="020B0604020202020204" pitchFamily="34" charset="0"/>
+              </a:defRPr>
+            </a:lvl4pPr>
+            <a:lvl5pPr marL="2057400" indent="-228600">
+              <a:spcBef>
+                <a:spcPct val="20000"/>
+              </a:spcBef>
+              <a:buChar char="»"/>
+              <a:defRPr sz="2000">
+                <a:solidFill>
+                  <a:schemeClr val="tx1"/>
+                </a:solidFill>
+                <a:latin typeface="Arial" panose="020B0604020202020204" pitchFamily="34" charset="0"/>
+              </a:defRPr>
+            </a:lvl5pPr>
+            <a:lvl6pPr marL="2514600" indent="-228600" eaLnBrk="0" fontAlgn="base" hangingPunct="0">
+              <a:spcBef>
+                <a:spcPct val="20000"/>
+              </a:spcBef>
+              <a:spcAft>
+                <a:spcPct val="0"/>
+              </a:spcAft>
+              <a:buChar char="»"/>
+              <a:defRPr sz="2000">
+                <a:solidFill>
+                  <a:schemeClr val="tx1"/>
+                </a:solidFill>
+                <a:latin typeface="Arial" panose="020B0604020202020204" pitchFamily="34" charset="0"/>
+              </a:defRPr>
+            </a:lvl6pPr>
+            <a:lvl7pPr marL="2971800" indent="-228600" eaLnBrk="0" fontAlgn="base" hangingPunct="0">
+              <a:spcBef>
+                <a:spcPct val="20000"/>
+              </a:spcBef>
+              <a:spcAft>
+                <a:spcPct val="0"/>
+              </a:spcAft>
+              <a:buChar char="»"/>
+              <a:defRPr sz="2000">
+                <a:solidFill>
+                  <a:schemeClr val="tx1"/>
+                </a:solidFill>
+                <a:latin typeface="Arial" panose="020B0604020202020204" pitchFamily="34" charset="0"/>
+              </a:defRPr>
+            </a:lvl7pPr>
+            <a:lvl8pPr marL="3429000" indent="-228600" eaLnBrk="0" fontAlgn="base" hangingPunct="0">
+              <a:spcBef>
+                <a:spcPct val="20000"/>
+              </a:spcBef>
+              <a:spcAft>
+                <a:spcPct val="0"/>
+              </a:spcAft>
+              <a:buChar char="»"/>
+              <a:defRPr sz="2000">
+                <a:solidFill>
+                  <a:schemeClr val="tx1"/>
+                </a:solidFill>
+                <a:latin typeface="Arial" panose="020B0604020202020204" pitchFamily="34" charset="0"/>
+              </a:defRPr>
+            </a:lvl8pPr>
+            <a:lvl9pPr marL="3886200" indent="-228600" eaLnBrk="0" fontAlgn="base" hangingPunct="0">
+              <a:spcBef>
+                <a:spcPct val="20000"/>
+              </a:spcBef>
+              <a:spcAft>
+                <a:spcPct val="0"/>
+              </a:spcAft>
+              <a:buChar char="»"/>
+              <a:defRPr sz="2000">
+                <a:solidFill>
+                  <a:schemeClr val="tx1"/>
+                </a:solidFill>
+                <a:latin typeface="Arial" panose="020B0604020202020204" pitchFamily="34" charset="0"/>
+              </a:defRPr>
+            </a:lvl9pPr>
+          </a:lstStyle>
+          <a:p>
+            <a:pPr eaLnBrk="1" hangingPunct="1">
+              <a:spcBef>
+                <a:spcPct val="0"/>
+              </a:spcBef>
+              <a:buFontTx/>
+              <a:buNone/>
+            </a:pPr>
+            <a:r>
+              <a:rPr lang="de-CH" altLang="de-DE" sz="1800" u="sng" dirty="0"/>
+              <a:t>Erfahrungen</a:t>
+            </a:r>
+          </a:p>
+          <a:p>
+            <a:pPr eaLnBrk="1" hangingPunct="1">
+              <a:spcBef>
+                <a:spcPct val="0"/>
+              </a:spcBef>
+              <a:buFontTx/>
+              <a:buNone/>
+            </a:pPr>
+            <a:r>
+              <a:rPr lang="de-CH" altLang="de-DE" sz="1800" dirty="0" err="1"/>
+              <a:t>Credit</a:t>
+            </a:r>
+            <a:r>
+              <a:rPr lang="de-CH" altLang="de-DE" sz="1800" dirty="0"/>
+              <a:t>-Suisse, Vize-Direktor (Pensionär)</a:t>
+            </a:r>
+          </a:p>
+          <a:p>
+            <a:pPr eaLnBrk="1" hangingPunct="1">
+              <a:spcBef>
+                <a:spcPct val="0"/>
+              </a:spcBef>
+              <a:buFontTx/>
+              <a:buNone/>
+            </a:pPr>
+            <a:r>
+              <a:rPr lang="de-CH" altLang="de-DE" sz="1800" dirty="0"/>
+              <a:t>Leiter Entwicklungsabteilung (</a:t>
+            </a:r>
+            <a:r>
+              <a:rPr lang="de-CH" altLang="de-DE" sz="1800" dirty="0" err="1"/>
+              <a:t>ca</a:t>
+            </a:r>
+            <a:r>
+              <a:rPr lang="de-CH" altLang="de-DE" sz="1800" dirty="0"/>
+              <a:t> 25 SW-Entwickler)</a:t>
+            </a:r>
+          </a:p>
+          <a:p>
+            <a:pPr eaLnBrk="1" hangingPunct="1">
+              <a:spcBef>
+                <a:spcPct val="0"/>
+              </a:spcBef>
+              <a:buFontTx/>
+              <a:buNone/>
+            </a:pPr>
+            <a:r>
+              <a:rPr lang="de-CH" altLang="de-DE" sz="1800" dirty="0"/>
+              <a:t>Globale Verantwortung für Handelssystem im MM und FX Bereich</a:t>
+            </a:r>
+          </a:p>
+          <a:p>
+            <a:pPr eaLnBrk="1" hangingPunct="1">
+              <a:spcBef>
+                <a:spcPct val="0"/>
+              </a:spcBef>
+              <a:buFontTx/>
+              <a:buNone/>
+            </a:pPr>
+            <a:r>
+              <a:rPr lang="de-CH" altLang="de-DE" sz="1800" dirty="0"/>
+              <a:t>Mehrjährige Auslanderfahrung (New York, London)</a:t>
+            </a:r>
+            <a:endParaRPr lang="en-US" altLang="de-DE" sz="1800" dirty="0"/>
+          </a:p>
+        </p:txBody>
+      </p:sp>
     </p:spTree>
   </p:cSld>
   <p:clrMapOvr>
@@ -15671,6 +15666,59 @@
                       </p:childTnLst>
                     </p:cTn>
                   </p:par>
+                  <p:par>
+                    <p:cTn id="23" fill="hold">
+                      <p:stCondLst>
+                        <p:cond delay="indefinite"/>
+                      </p:stCondLst>
+                      <p:childTnLst>
+                        <p:par>
+                          <p:cTn id="24" fill="hold">
+                            <p:stCondLst>
+                              <p:cond delay="0"/>
+                            </p:stCondLst>
+                            <p:childTnLst>
+                              <p:par>
+                                <p:cTn id="25" presetID="10" presetClass="entr" presetSubtype="0" fill="hold" grpId="0" nodeType="clickEffect">
+                                  <p:stCondLst>
+                                    <p:cond delay="0"/>
+                                  </p:stCondLst>
+                                  <p:childTnLst>
+                                    <p:set>
+                                      <p:cBhvr>
+                                        <p:cTn id="26" dur="1" fill="hold">
+                                          <p:stCondLst>
+                                            <p:cond delay="0"/>
+                                          </p:stCondLst>
+                                        </p:cTn>
+                                        <p:tgtEl>
+                                          <p:spTgt spid="2"/>
+                                        </p:tgtEl>
+                                        <p:attrNameLst>
+                                          <p:attrName>style.visibility</p:attrName>
+                                        </p:attrNameLst>
+                                      </p:cBhvr>
+                                      <p:to>
+                                        <p:strVal val="visible"/>
+                                      </p:to>
+                                    </p:set>
+                                    <p:animEffect transition="in" filter="fade">
+                                      <p:cBhvr>
+                                        <p:cTn id="27" dur="2000"/>
+                                        <p:tgtEl>
+                                          <p:spTgt spid="2"/>
+                                        </p:tgtEl>
+                                      </p:cBhvr>
+                                    </p:animEffect>
+                                  </p:childTnLst>
+                                </p:cTn>
+                              </p:par>
+                            </p:childTnLst>
+                          </p:cTn>
+                        </p:par>
+                      </p:childTnLst>
+                    </p:cTn>
+                  </p:par>
                 </p:childTnLst>
               </p:cTn>
               <p:prevCondLst>
@@ -15697,8 +15745,275 @@
       <p:bldP spid="35857" grpId="0"/>
       <p:bldP spid="35858" grpId="0"/>
       <p:bldP spid="35859" grpId="0"/>
+      <p:bldP spid="2" grpId="0"/>
     </p:bldLst>
   </p:timing>
+</p:sld>
+</file>
+
+<file path=ppt/slides/slide20.xml><?xml version="1.0" encoding="utf-8"?>
+<p:sld xmlns:a="http://schemas.openxmlformats.org/drawingml/2006/main" xmlns:r="http://schemas.openxmlformats.org/officeDocument/2006/relationships" xmlns:p="http://schemas.openxmlformats.org/presentationml/2006/main" show="0">
+  <p:cSld>
+    <p:spTree>
+      <p:nvGrpSpPr>
+        <p:cNvPr id="1" name=""/>
+        <p:cNvGrpSpPr/>
+        <p:nvPr/>
+      </p:nvGrpSpPr>
+      <p:grpSpPr>
+        <a:xfrm>
+          <a:off x="0" y="0"/>
+          <a:ext cx="0" cy="0"/>
+          <a:chOff x="0" y="0"/>
+          <a:chExt cx="0" cy="0"/>
+        </a:xfrm>
+      </p:grpSpPr>
+      <p:sp>
+        <p:nvSpPr>
+          <p:cNvPr id="33794" name="Rectangle 2"/>
+          <p:cNvSpPr>
+            <a:spLocks noGrp="1" noChangeArrowheads="1"/>
+          </p:cNvSpPr>
+          <p:nvPr>
+            <p:ph type="ctrTitle"/>
+          </p:nvPr>
+        </p:nvSpPr>
+        <p:spPr>
+          <a:xfrm>
+            <a:off x="611188" y="333375"/>
+            <a:ext cx="7772400" cy="1008063"/>
+          </a:xfrm>
+        </p:spPr>
+        <p:txBody>
+          <a:bodyPr/>
+          <a:lstStyle/>
+          <a:p>
+            <a:pPr eaLnBrk="1" hangingPunct="1"/>
+            <a:r>
+              <a:rPr lang="de-CH" altLang="de-DE"/>
+              <a:t>Erwartungen?</a:t>
+            </a:r>
+            <a:endParaRPr lang="en-US" altLang="de-DE"/>
+          </a:p>
+        </p:txBody>
+      </p:sp>
+      <p:sp>
+        <p:nvSpPr>
+          <p:cNvPr id="33795" name="Text Box 3"/>
+          <p:cNvSpPr txBox="1">
+            <a:spLocks noChangeArrowheads="1"/>
+          </p:cNvSpPr>
+          <p:nvPr/>
+        </p:nvSpPr>
+        <p:spPr bwMode="auto">
+          <a:xfrm>
+            <a:off x="179388" y="2060575"/>
+            <a:ext cx="8964612" cy="1587500"/>
+          </a:xfrm>
+          <a:prstGeom prst="rect">
+            <a:avLst/>
+          </a:prstGeom>
+          <a:noFill/>
+          <a:ln>
+            <a:noFill/>
+          </a:ln>
+          <a:effectLst/>
+          <a:extLst>
+            <a:ext uri="{909E8E84-426E-40DD-AFC4-6F175D3DCCD1}">
+              <a14:hiddenFill xmlns:a14="http://schemas.microsoft.com/office/drawing/2010/main">
+                <a:solidFill>
+                  <a:schemeClr val="accent1"/>
+                </a:solidFill>
+              </a14:hiddenFill>
+            </a:ext>
+            <a:ext uri="{91240B29-F687-4F45-9708-019B960494DF}">
+              <a14:hiddenLine xmlns:a14="http://schemas.microsoft.com/office/drawing/2010/main" w="9525">
+                <a:solidFill>
+                  <a:schemeClr val="tx1"/>
+                </a:solidFill>
+                <a:miter lim="800000"/>
+                <a:headEnd/>
+                <a:tailEnd/>
+              </a14:hiddenLine>
+            </a:ext>
+            <a:ext uri="{AF507438-7753-43E0-B8FC-AC1667EBCBE1}">
+              <a14:hiddenEffects xmlns:a14="http://schemas.microsoft.com/office/drawing/2010/main">
+                <a:effectLst>
+                  <a:outerShdw dist="35921" dir="2700000" algn="ctr" rotWithShape="0">
+                    <a:schemeClr val="bg2"/>
+                  </a:outerShdw>
+                </a:effectLst>
+              </a14:hiddenEffects>
+            </a:ext>
+          </a:extLst>
+        </p:spPr>
+        <p:txBody>
+          <a:bodyPr>
+            <a:spAutoFit/>
+          </a:bodyPr>
+          <a:lstStyle>
+            <a:lvl1pPr>
+              <a:spcBef>
+                <a:spcPct val="20000"/>
+              </a:spcBef>
+              <a:buChar char="•"/>
+              <a:defRPr sz="3200">
+                <a:solidFill>
+                  <a:schemeClr val="tx1"/>
+                </a:solidFill>
+                <a:latin typeface="Arial" panose="020B0604020202020204" pitchFamily="34" charset="0"/>
+              </a:defRPr>
+            </a:lvl1pPr>
+            <a:lvl2pPr marL="742950" indent="-285750">
+              <a:spcBef>
+                <a:spcPct val="20000"/>
+              </a:spcBef>
+              <a:buChar char="–"/>
+              <a:defRPr sz="2800">
+                <a:solidFill>
+                  <a:schemeClr val="tx1"/>
+                </a:solidFill>
+                <a:latin typeface="Arial" panose="020B0604020202020204" pitchFamily="34" charset="0"/>
+              </a:defRPr>
+            </a:lvl2pPr>
+            <a:lvl3pPr marL="1143000" indent="-228600">
+              <a:spcBef>
+                <a:spcPct val="20000"/>
+              </a:spcBef>
+              <a:buChar char="•"/>
+              <a:defRPr sz="2400">
+                <a:solidFill>
+                  <a:schemeClr val="tx1"/>
+                </a:solidFill>
+                <a:latin typeface="Arial" panose="020B0604020202020204" pitchFamily="34" charset="0"/>
+              </a:defRPr>
+            </a:lvl3pPr>
+            <a:lvl4pPr marL="1600200" indent="-228600">
+              <a:spcBef>
+                <a:spcPct val="20000"/>
+              </a:spcBef>
+              <a:buChar char="–"/>
+              <a:defRPr sz="2000">
+                <a:solidFill>
+                  <a:schemeClr val="tx1"/>
+                </a:solidFill>
+                <a:latin typeface="Arial" panose="020B0604020202020204" pitchFamily="34" charset="0"/>
+              </a:defRPr>
+            </a:lvl4pPr>
+            <a:lvl5pPr marL="2057400" indent="-228600">
+              <a:spcBef>
+                <a:spcPct val="20000"/>
+              </a:spcBef>
+              <a:buChar char="»"/>
+              <a:defRPr sz="2000">
+                <a:solidFill>
+                  <a:schemeClr val="tx1"/>
+                </a:solidFill>
+                <a:latin typeface="Arial" panose="020B0604020202020204" pitchFamily="34" charset="0"/>
+              </a:defRPr>
+            </a:lvl5pPr>
+            <a:lvl6pPr marL="2514600" indent="-228600" eaLnBrk="0" fontAlgn="base" hangingPunct="0">
+              <a:spcBef>
+                <a:spcPct val="20000"/>
+              </a:spcBef>
+              <a:spcAft>
+                <a:spcPct val="0"/>
+              </a:spcAft>
+              <a:buChar char="»"/>
+              <a:defRPr sz="2000">
+                <a:solidFill>
+                  <a:schemeClr val="tx1"/>
+                </a:solidFill>
+                <a:latin typeface="Arial" panose="020B0604020202020204" pitchFamily="34" charset="0"/>
+              </a:defRPr>
+            </a:lvl6pPr>
+            <a:lvl7pPr marL="2971800" indent="-228600" eaLnBrk="0" fontAlgn="base" hangingPunct="0">
+              <a:spcBef>
+                <a:spcPct val="20000"/>
+              </a:spcBef>
+              <a:spcAft>
+                <a:spcPct val="0"/>
+              </a:spcAft>
+              <a:buChar char="»"/>
+              <a:defRPr sz="2000">
+                <a:solidFill>
+                  <a:schemeClr val="tx1"/>
+                </a:solidFill>
+                <a:latin typeface="Arial" panose="020B0604020202020204" pitchFamily="34" charset="0"/>
+              </a:defRPr>
+            </a:lvl7pPr>
+            <a:lvl8pPr marL="3429000" indent="-228600" eaLnBrk="0" fontAlgn="base" hangingPunct="0">
+              <a:spcBef>
+                <a:spcPct val="20000"/>
+              </a:spcBef>
+              <a:spcAft>
+                <a:spcPct val="0"/>
+              </a:spcAft>
+              <a:buChar char="»"/>
+              <a:defRPr sz="2000">
+                <a:solidFill>
+                  <a:schemeClr val="tx1"/>
+                </a:solidFill>
+                <a:latin typeface="Arial" panose="020B0604020202020204" pitchFamily="34" charset="0"/>
+              </a:defRPr>
+            </a:lvl8pPr>
+            <a:lvl9pPr marL="3886200" indent="-228600" eaLnBrk="0" fontAlgn="base" hangingPunct="0">
+              <a:spcBef>
+                <a:spcPct val="20000"/>
+              </a:spcBef>
+              <a:spcAft>
+                <a:spcPct val="0"/>
+              </a:spcAft>
+              <a:buChar char="»"/>
+              <a:defRPr sz="2000">
+                <a:solidFill>
+                  <a:schemeClr val="tx1"/>
+                </a:solidFill>
+                <a:latin typeface="Arial" panose="020B0604020202020204" pitchFamily="34" charset="0"/>
+              </a:defRPr>
+            </a:lvl9pPr>
+          </a:lstStyle>
+          <a:p>
+            <a:pPr eaLnBrk="1" hangingPunct="1">
+              <a:spcBef>
+                <a:spcPct val="50000"/>
+              </a:spcBef>
+              <a:buFont typeface="Wingdings" panose="05000000000000000000" pitchFamily="2" charset="2"/>
+              <a:buNone/>
+            </a:pPr>
+            <a:r>
+              <a:rPr lang="de-CH" altLang="de-DE" sz="2800"/>
+              <a:t>Erwartungen an „Informatik Betriebsökonomie“</a:t>
+            </a:r>
+          </a:p>
+          <a:p>
+            <a:pPr eaLnBrk="1" hangingPunct="1">
+              <a:spcBef>
+                <a:spcPct val="50000"/>
+              </a:spcBef>
+              <a:buFontTx/>
+              <a:buNone/>
+            </a:pPr>
+            <a:r>
+              <a:rPr lang="de-CH" altLang="de-DE" sz="2800"/>
+              <a:t> </a:t>
+            </a:r>
+            <a:r>
+              <a:rPr lang="de-CH" altLang="de-DE" sz="2800">
+                <a:sym typeface="Wingdings" panose="05000000000000000000" pitchFamily="2" charset="2"/>
+              </a:rPr>
+              <a:t> 2 Erwartungen auf 2 Karten schreiben (4er Gruppen) </a:t>
+            </a:r>
+            <a:endParaRPr lang="en-US" altLang="de-DE" sz="2800"/>
+          </a:p>
+        </p:txBody>
+      </p:sp>
+    </p:spTree>
+  </p:cSld>
+  <p:clrMapOvr>
+    <a:masterClrMapping/>
+  </p:clrMapOvr>
+  <p:transition spd="slow"/>
 </p:sld>
 </file>
 
@@ -15741,10 +16056,10 @@
           <a:p>
             <a:pPr eaLnBrk="1" hangingPunct="1"/>
             <a:r>
-              <a:rPr lang="de-CH" altLang="de-DE" smtClean="0"/>
+              <a:rPr lang="de-CH" altLang="de-DE"/>
               <a:t>Wer bin ich?</a:t>
             </a:r>
-            <a:endParaRPr lang="en-US" altLang="de-DE" smtClean="0"/>
+            <a:endParaRPr lang="en-US" altLang="de-DE"/>
           </a:p>
         </p:txBody>
       </p:sp>
@@ -16219,14 +16534,6 @@
   <p:clrMapOvr>
     <a:masterClrMapping/>
   </p:clrMapOvr>
-  <mc:AlternateContent xmlns:mc="http://schemas.openxmlformats.org/markup-compatibility/2006">
-    <mc:Choice xmlns:p14="http://schemas.microsoft.com/office/powerpoint/2010/main" Requires="p14">
-      <p:transition spd="slow" p14:dur="2000"/>
-    </mc:Choice>
-    <mc:Fallback>
-      <p:transition spd="slow"/>
-    </mc:Fallback>
-  </mc:AlternateContent>
   <p:timing>
     <p:tnLst>
       <p:par>
@@ -17124,14 +17431,6 @@
   <p:clrMapOvr>
     <a:masterClrMapping/>
   </p:clrMapOvr>
-  <mc:AlternateContent xmlns:mc="http://schemas.openxmlformats.org/markup-compatibility/2006">
-    <mc:Choice xmlns:p14="http://schemas.microsoft.com/office/powerpoint/2010/main" Requires="p14">
-      <p:transition spd="slow" p14:dur="2000"/>
-    </mc:Choice>
-    <mc:Fallback>
-      <p:transition spd="slow"/>
-    </mc:Fallback>
-  </mc:AlternateContent>
   <p:timing>
     <p:tnLst>
       <p:par>
@@ -17597,19 +17896,129 @@
   <p:clrMapOvr>
     <a:masterClrMapping/>
   </p:clrMapOvr>
-  <mc:AlternateContent xmlns:mc="http://schemas.openxmlformats.org/markup-compatibility/2006">
-    <mc:Choice xmlns:p14="http://schemas.microsoft.com/office/powerpoint/2010/main" Requires="p14">
-      <p:transition spd="slow" p14:dur="2000"/>
-    </mc:Choice>
-    <mc:Fallback>
-      <p:transition spd="slow"/>
-    </mc:Fallback>
-  </mc:AlternateContent>
 </p:sld>
 </file>
 
 <file path=ppt/slides/slide6.xml><?xml version="1.0" encoding="utf-8"?>
-<p:sld xmlns:a="http://schemas.openxmlformats.org/drawingml/2006/main" xmlns:r="http://schemas.openxmlformats.org/officeDocument/2006/relationships" xmlns:p="http://schemas.openxmlformats.org/presentationml/2006/main" show="0">
+<p:sld xmlns:a="http://schemas.openxmlformats.org/drawingml/2006/main" xmlns:r="http://schemas.openxmlformats.org/officeDocument/2006/relationships" xmlns:p="http://schemas.openxmlformats.org/presentationml/2006/main">
+  <p:cSld>
+    <p:spTree>
+      <p:nvGrpSpPr>
+        <p:cNvPr id="1" name=""/>
+        <p:cNvGrpSpPr/>
+        <p:nvPr/>
+      </p:nvGrpSpPr>
+      <p:grpSpPr>
+        <a:xfrm>
+          <a:off x="0" y="0"/>
+          <a:ext cx="0" cy="0"/>
+          <a:chOff x="0" y="0"/>
+          <a:chExt cx="0" cy="0"/>
+        </a:xfrm>
+      </p:grpSpPr>
+      <p:sp>
+        <p:nvSpPr>
+          <p:cNvPr id="4" name="Textfeld 3"/>
+          <p:cNvSpPr txBox="1"/>
+          <p:nvPr/>
+        </p:nvSpPr>
+        <p:spPr>
+          <a:xfrm>
+            <a:off x="1115616" y="764704"/>
+            <a:ext cx="6768752" cy="2923877"/>
+          </a:xfrm>
+          <a:prstGeom prst="rect">
+            <a:avLst/>
+          </a:prstGeom>
+          <a:noFill/>
+        </p:spPr>
+        <p:txBody>
+          <a:bodyPr wrap="square">
+            <a:spAutoFit/>
+          </a:bodyPr>
+          <a:lstStyle/>
+          <a:p>
+            <a:pPr eaLnBrk="1" hangingPunct="1">
+              <a:defRPr/>
+            </a:pPr>
+            <a:r>
+              <a:rPr lang="de-CH" sz="2000" b="1" dirty="0"/>
+              <a:t>Umgang </a:t>
+            </a:r>
+            <a:r>
+              <a:rPr lang="de-CH" sz="2000" b="1" dirty="0" err="1"/>
+              <a:t>miteinader</a:t>
+            </a:r>
+            <a:r>
+              <a:rPr lang="de-CH" sz="2000" b="1" dirty="0"/>
+              <a:t> in der Erwachsenen Welt</a:t>
+            </a:r>
+          </a:p>
+          <a:p>
+            <a:pPr marL="214313" indent="-214313" eaLnBrk="1" hangingPunct="1">
+              <a:buFont typeface="Arial" panose="020B0604020202020204" pitchFamily="34" charset="0"/>
+              <a:buChar char="•"/>
+              <a:defRPr/>
+            </a:pPr>
+            <a:r>
+              <a:rPr lang="de-CH" sz="2000" dirty="0"/>
+              <a:t>Pünktlichkeit</a:t>
+            </a:r>
+          </a:p>
+          <a:p>
+            <a:pPr marL="214313" indent="-214313" eaLnBrk="1" hangingPunct="1">
+              <a:buFont typeface="Arial" panose="020B0604020202020204" pitchFamily="34" charset="0"/>
+              <a:buChar char="•"/>
+              <a:defRPr/>
+            </a:pPr>
+            <a:r>
+              <a:rPr lang="de-CH" sz="2000" dirty="0"/>
+              <a:t>Frühzeitig Informieren, wenn es Verspätungen gibt (Auch bei Projekten, Aufgaben,…..)</a:t>
+            </a:r>
+          </a:p>
+          <a:p>
+            <a:pPr marL="214313" indent="-214313" eaLnBrk="1" hangingPunct="1">
+              <a:buFont typeface="Arial" panose="020B0604020202020204" pitchFamily="34" charset="0"/>
+              <a:buChar char="•"/>
+              <a:defRPr/>
+            </a:pPr>
+            <a:r>
+              <a:rPr lang="de-CH" sz="2000" dirty="0"/>
+              <a:t>Offen und ehrlicher Umgang</a:t>
+            </a:r>
+          </a:p>
+          <a:p>
+            <a:pPr eaLnBrk="1" hangingPunct="1">
+              <a:defRPr/>
+            </a:pPr>
+            <a:endParaRPr lang="de-CH" sz="2800" dirty="0"/>
+          </a:p>
+          <a:p>
+            <a:pPr eaLnBrk="1" hangingPunct="1">
+              <a:defRPr/>
+            </a:pPr>
+            <a:r>
+              <a:rPr lang="de-CH" sz="2800" dirty="0"/>
+              <a:t>Ich will ein guter (der beste) Informatiker werden!</a:t>
+            </a:r>
+          </a:p>
+        </p:txBody>
+      </p:sp>
+    </p:spTree>
+    <p:extLst>
+      <p:ext uri="{BB962C8B-B14F-4D97-AF65-F5344CB8AC3E}">
+        <p14:creationId xmlns:p14="http://schemas.microsoft.com/office/powerpoint/2010/main" val="3638474328"/>
+      </p:ext>
+    </p:extLst>
+  </p:cSld>
+  <p:clrMapOvr>
+    <a:masterClrMapping/>
+  </p:clrMapOvr>
+</p:sld>
+</file>
+
+<file path=ppt/slides/slide7.xml><?xml version="1.0" encoding="utf-8"?>
+<p:sld xmlns:a="http://schemas.openxmlformats.org/drawingml/2006/main" xmlns:r="http://schemas.openxmlformats.org/officeDocument/2006/relationships" xmlns:p="http://schemas.openxmlformats.org/presentationml/2006/main">
   <p:cSld>
     <p:spTree>
       <p:nvGrpSpPr>
@@ -17681,9 +18090,7 @@
       </p:pic>
       <p:sp>
         <p:nvSpPr>
-          <p:cNvPr id="4" name="Textfeld 3">
-            <a:extLst/>
-          </p:cNvPr>
+          <p:cNvPr id="4" name="Textfeld 3"/>
           <p:cNvSpPr txBox="1"/>
           <p:nvPr/>
         </p:nvSpPr>
@@ -17795,19 +18202,11 @@
   <p:clrMapOvr>
     <a:masterClrMapping/>
   </p:clrMapOvr>
-  <mc:AlternateContent xmlns:mc="http://schemas.openxmlformats.org/markup-compatibility/2006" xmlns:p14="http://schemas.microsoft.com/office/powerpoint/2010/main">
-    <mc:Choice Requires="p14">
-      <p:transition spd="slow" p14:dur="2000"/>
-    </mc:Choice>
-    <mc:Fallback xmlns="">
-      <p:transition spd="slow"/>
-    </mc:Fallback>
-  </mc:AlternateContent>
 </p:sld>
 </file>
 
-<file path=ppt/slides/slide7.xml><?xml version="1.0" encoding="utf-8"?>
-<p:sld xmlns:a="http://schemas.openxmlformats.org/drawingml/2006/main" xmlns:r="http://schemas.openxmlformats.org/officeDocument/2006/relationships" xmlns:p="http://schemas.openxmlformats.org/presentationml/2006/main" show="0">
+<file path=ppt/slides/slide8.xml><?xml version="1.0" encoding="utf-8"?>
+<p:sld xmlns:a="http://schemas.openxmlformats.org/drawingml/2006/main" xmlns:r="http://schemas.openxmlformats.org/officeDocument/2006/relationships" xmlns:p="http://schemas.openxmlformats.org/presentationml/2006/main">
   <p:cSld>
     <p:spTree>
       <p:nvGrpSpPr>
@@ -17879,16 +18278,14 @@
       </p:pic>
       <p:sp>
         <p:nvSpPr>
-          <p:cNvPr id="4" name="Textfeld 3">
-            <a:extLst/>
-          </p:cNvPr>
+          <p:cNvPr id="4" name="Textfeld 3"/>
           <p:cNvSpPr txBox="1"/>
           <p:nvPr/>
         </p:nvSpPr>
         <p:spPr>
           <a:xfrm>
             <a:off x="2932113" y="2486025"/>
-            <a:ext cx="3006725" cy="2724150"/>
+            <a:ext cx="3006725" cy="2677656"/>
           </a:xfrm>
           <a:prstGeom prst="rect">
             <a:avLst/>
@@ -17923,7 +18320,7 @@
             </a:pPr>
             <a:r>
               <a:rPr lang="de-CH" sz="1500" dirty="0"/>
-              <a:t>Respektvoller Umgang mit der Lehrperson und den Mitschülern</a:t>
+              <a:t>Respektvoller Umgang mit der Lehrperson und den Mitschülern (Erwachsenen Welt)</a:t>
             </a:r>
           </a:p>
           <a:p>
@@ -17967,12 +18364,6 @@
               <a:rPr lang="de-CH" sz="1500" dirty="0"/>
               <a:t> </a:t>
             </a:r>
-          </a:p>
-          <a:p>
-            <a:pPr eaLnBrk="1" hangingPunct="1">
-              <a:defRPr/>
-            </a:pPr>
-            <a:endParaRPr lang="de-CH" dirty="0"/>
           </a:p>
         </p:txBody>
       </p:sp>
@@ -17981,19 +18372,11 @@
   <p:clrMapOvr>
     <a:masterClrMapping/>
   </p:clrMapOvr>
-  <mc:AlternateContent xmlns:mc="http://schemas.openxmlformats.org/markup-compatibility/2006" xmlns:p14="http://schemas.microsoft.com/office/powerpoint/2010/main">
-    <mc:Choice Requires="p14">
-      <p:transition spd="slow" p14:dur="2000"/>
-    </mc:Choice>
-    <mc:Fallback xmlns="">
-      <p:transition spd="slow"/>
-    </mc:Fallback>
-  </mc:AlternateContent>
 </p:sld>
 </file>
 
-<file path=ppt/slides/slide8.xml><?xml version="1.0" encoding="utf-8"?>
-<p:sld xmlns:a="http://schemas.openxmlformats.org/drawingml/2006/main" xmlns:r="http://schemas.openxmlformats.org/officeDocument/2006/relationships" xmlns:p="http://schemas.openxmlformats.org/presentationml/2006/main" show="0">
+<file path=ppt/slides/slide9.xml><?xml version="1.0" encoding="utf-8"?>
+<p:sld xmlns:a="http://schemas.openxmlformats.org/drawingml/2006/main" xmlns:r="http://schemas.openxmlformats.org/officeDocument/2006/relationships" xmlns:p="http://schemas.openxmlformats.org/presentationml/2006/main">
   <p:cSld>
     <p:spTree>
       <p:nvGrpSpPr>
@@ -18065,9 +18448,7 @@
       </p:pic>
       <p:sp>
         <p:nvSpPr>
-          <p:cNvPr id="4" name="Textfeld 3">
-            <a:extLst/>
-          </p:cNvPr>
+          <p:cNvPr id="4" name="Textfeld 3"/>
           <p:cNvSpPr txBox="1"/>
           <p:nvPr/>
         </p:nvSpPr>
@@ -18141,169 +18522,6 @@
   <p:clrMapOvr>
     <a:masterClrMapping/>
   </p:clrMapOvr>
-  <mc:AlternateContent xmlns:mc="http://schemas.openxmlformats.org/markup-compatibility/2006" xmlns:p14="http://schemas.microsoft.com/office/powerpoint/2010/main">
-    <mc:Choice Requires="p14">
-      <p:transition spd="slow" p14:dur="2000"/>
-    </mc:Choice>
-    <mc:Fallback xmlns="">
-      <p:transition spd="slow"/>
-    </mc:Fallback>
-  </mc:AlternateContent>
-</p:sld>
-</file>
-
-<file path=ppt/slides/slide9.xml><?xml version="1.0" encoding="utf-8"?>
-<p:sld xmlns:a="http://schemas.openxmlformats.org/drawingml/2006/main" xmlns:r="http://schemas.openxmlformats.org/officeDocument/2006/relationships" xmlns:p="http://schemas.openxmlformats.org/presentationml/2006/main" show="0">
-  <p:cSld>
-    <p:spTree>
-      <p:nvGrpSpPr>
-        <p:cNvPr id="1" name=""/>
-        <p:cNvGrpSpPr/>
-        <p:nvPr/>
-      </p:nvGrpSpPr>
-      <p:grpSpPr>
-        <a:xfrm>
-          <a:off x="0" y="0"/>
-          <a:ext cx="0" cy="0"/>
-          <a:chOff x="0" y="0"/>
-          <a:chExt cx="0" cy="0"/>
-        </a:xfrm>
-      </p:grpSpPr>
-      <p:pic>
-        <p:nvPicPr>
-          <p:cNvPr id="14338" name="Picture 2" descr="Bildergebnis"/>
-          <p:cNvPicPr>
-            <a:picLocks noChangeAspect="1" noChangeArrowheads="1"/>
-          </p:cNvPicPr>
-          <p:nvPr/>
-        </p:nvPicPr>
-        <p:blipFill>
-          <a:blip r:embed="rId2">
-            <a:extLst>
-              <a:ext uri="{28A0092B-C50C-407E-A947-70E740481C1C}">
-                <a14:useLocalDpi xmlns:a14="http://schemas.microsoft.com/office/drawing/2010/main" val="0"/>
-              </a:ext>
-            </a:extLst>
-          </a:blip>
-          <a:srcRect/>
-          <a:stretch>
-            <a:fillRect/>
-          </a:stretch>
-        </p:blipFill>
-        <p:spPr bwMode="auto">
-          <a:xfrm>
-            <a:off x="2733675" y="857250"/>
-            <a:ext cx="3676650" cy="5143500"/>
-          </a:xfrm>
-          <a:prstGeom prst="rect">
-            <a:avLst/>
-          </a:prstGeom>
-          <a:noFill/>
-          <a:ln>
-            <a:noFill/>
-          </a:ln>
-          <a:extLst>
-            <a:ext uri="{909E8E84-426E-40DD-AFC4-6F175D3DCCD1}">
-              <a14:hiddenFill xmlns:a14="http://schemas.microsoft.com/office/drawing/2010/main">
-                <a:solidFill>
-                  <a:srgbClr val="FFFFFF"/>
-                </a:solidFill>
-              </a14:hiddenFill>
-            </a:ext>
-            <a:ext uri="{91240B29-F687-4F45-9708-019B960494DF}">
-              <a14:hiddenLine xmlns:a14="http://schemas.microsoft.com/office/drawing/2010/main" w="9525">
-                <a:solidFill>
-                  <a:srgbClr val="000000"/>
-                </a:solidFill>
-                <a:miter lim="800000"/>
-                <a:headEnd/>
-                <a:tailEnd/>
-              </a14:hiddenLine>
-            </a:ext>
-          </a:extLst>
-        </p:spPr>
-      </p:pic>
-      <p:sp>
-        <p:nvSpPr>
-          <p:cNvPr id="4" name="Textfeld 3">
-            <a:extLst/>
-          </p:cNvPr>
-          <p:cNvSpPr txBox="1"/>
-          <p:nvPr/>
-        </p:nvSpPr>
-        <p:spPr>
-          <a:xfrm>
-            <a:off x="2932113" y="2486025"/>
-            <a:ext cx="3278187" cy="2216150"/>
-          </a:xfrm>
-          <a:prstGeom prst="rect">
-            <a:avLst/>
-          </a:prstGeom>
-          <a:noFill/>
-        </p:spPr>
-        <p:txBody>
-          <a:bodyPr>
-            <a:spAutoFit/>
-          </a:bodyPr>
-          <a:lstStyle/>
-          <a:p>
-            <a:pPr eaLnBrk="1" hangingPunct="1">
-              <a:defRPr/>
-            </a:pPr>
-            <a:endParaRPr lang="de-CH" sz="1500" dirty="0"/>
-          </a:p>
-          <a:p>
-            <a:pPr eaLnBrk="1" hangingPunct="1">
-              <a:defRPr/>
-            </a:pPr>
-            <a:r>
-              <a:rPr lang="de-CH" sz="1500" b="1" dirty="0"/>
-              <a:t>Konsequenzen bei nicht einhalten der Regeln:</a:t>
-            </a:r>
-          </a:p>
-          <a:p>
-            <a:pPr marL="257175" indent="-257175" eaLnBrk="1" hangingPunct="1">
-              <a:buFont typeface="Arial" panose="020B0604020202020204" pitchFamily="34" charset="0"/>
-              <a:buChar char="•"/>
-              <a:defRPr/>
-            </a:pPr>
-            <a:r>
-              <a:rPr lang="de-CH" sz="1500" dirty="0"/>
-              <a:t>Time Out</a:t>
-            </a:r>
-          </a:p>
-          <a:p>
-            <a:pPr marL="257175" indent="-257175" eaLnBrk="1" hangingPunct="1">
-              <a:buFont typeface="Arial" panose="020B0604020202020204" pitchFamily="34" charset="0"/>
-              <a:buChar char="•"/>
-              <a:defRPr/>
-            </a:pPr>
-            <a:r>
-              <a:rPr lang="de-CH" sz="1500" dirty="0"/>
-              <a:t>Bei wiederholtem Verstoss, Mitteilung an den Lehrbetrieb und Kontaktaufnahme mit dem Ausbildner</a:t>
-            </a:r>
-          </a:p>
-          <a:p>
-            <a:pPr eaLnBrk="1" hangingPunct="1">
-              <a:defRPr/>
-            </a:pPr>
-            <a:endParaRPr lang="de-CH" dirty="0"/>
-          </a:p>
-        </p:txBody>
-      </p:sp>
-    </p:spTree>
-  </p:cSld>
-  <p:clrMapOvr>
-    <a:masterClrMapping/>
-  </p:clrMapOvr>
-  <mc:AlternateContent xmlns:mc="http://schemas.openxmlformats.org/markup-compatibility/2006" xmlns:p14="http://schemas.microsoft.com/office/powerpoint/2010/main">
-    <mc:Choice Requires="p14">
-      <p:transition spd="slow" p14:dur="2000"/>
-    </mc:Choice>
-    <mc:Fallback xmlns="">
-      <p:transition spd="slow"/>
-    </mc:Fallback>
-  </mc:AlternateContent>
 </p:sld>
 </file>
 

--- a/SchulungsUnterlagen/HWZ/WerBinIch.pptx
+++ b/SchulungsUnterlagen/HWZ/WerBinIch.pptx
@@ -14487,8 +14487,8 @@
         </p:nvSpPr>
         <p:spPr bwMode="auto">
           <a:xfrm>
-            <a:off x="2388726" y="4565551"/>
-            <a:ext cx="6917343" cy="2308324"/>
+            <a:off x="2226657" y="5517232"/>
+            <a:ext cx="6712222" cy="1200329"/>
           </a:xfrm>
           <a:prstGeom prst="rect">
             <a:avLst/>
@@ -14676,18 +14676,46 @@
               <a:buNone/>
             </a:pPr>
             <a:r>
-              <a:rPr lang="de-CH" altLang="de-DE" sz="1800" dirty="0" err="1"/>
-              <a:t>Credit</a:t>
-            </a:r>
-            <a:r>
-              <a:rPr lang="de-CH" altLang="de-DE" sz="1800" dirty="0"/>
-              <a:t>-Suisse, </a:t>
-            </a:r>
-            <a:r>
-              <a:rPr lang="de-CH" altLang="de-DE" sz="1800" dirty="0" smtClean="0"/>
-              <a:t>Vize-Direktor (Pensionär)</a:t>
-            </a:r>
-            <a:endParaRPr lang="de-CH" altLang="de-DE" sz="1800" dirty="0"/>
+              <a:rPr lang="en-US" altLang="de-DE" sz="1800" dirty="0" err="1" smtClean="0"/>
+              <a:t>Berufsschullehrer</a:t>
+            </a:r>
+            <a:r>
+              <a:rPr lang="en-US" altLang="de-DE" sz="1800" dirty="0" smtClean="0"/>
+              <a:t> </a:t>
+            </a:r>
+            <a:r>
+              <a:rPr lang="en-US" altLang="de-DE" sz="1800" dirty="0" err="1" smtClean="0"/>
+              <a:t>mbA</a:t>
+            </a:r>
+            <a:r>
+              <a:rPr lang="en-US" altLang="de-DE" sz="1800" dirty="0" smtClean="0"/>
+              <a:t> an BZU (</a:t>
+            </a:r>
+            <a:r>
+              <a:rPr lang="en-US" altLang="de-DE" sz="1800" dirty="0" err="1" smtClean="0"/>
+              <a:t>IoT</a:t>
+            </a:r>
+            <a:r>
+              <a:rPr lang="en-US" altLang="de-DE" sz="1800" dirty="0" smtClean="0"/>
+              <a:t>, Python, </a:t>
+            </a:r>
+            <a:r>
+              <a:rPr lang="en-US" altLang="de-DE" sz="1800" dirty="0" err="1" smtClean="0"/>
+              <a:t>MySql</a:t>
+            </a:r>
+            <a:r>
+              <a:rPr lang="en-US" altLang="de-DE" sz="1800" dirty="0" smtClean="0"/>
+              <a:t>, </a:t>
+            </a:r>
+            <a:r>
+              <a:rPr lang="en-US" altLang="de-DE" sz="1800" dirty="0" err="1" smtClean="0"/>
+              <a:t>Rpi</a:t>
+            </a:r>
+            <a:r>
+              <a:rPr lang="en-US" altLang="de-DE" sz="1800" dirty="0" smtClean="0"/>
+              <a:t>, REST)</a:t>
+            </a:r>
+            <a:endParaRPr lang="en-US" altLang="de-DE" sz="1800" dirty="0"/>
           </a:p>
           <a:p>
             <a:pPr eaLnBrk="1" hangingPunct="1">
@@ -14698,16 +14726,16 @@
               <a:buNone/>
             </a:pPr>
             <a:r>
-              <a:rPr lang="de-CH" altLang="de-DE" sz="1800" dirty="0"/>
-              <a:t>Leiter Entwicklungsabteilung (</a:t>
-            </a:r>
-            <a:r>
-              <a:rPr lang="de-CH" altLang="de-DE" sz="1800" dirty="0" err="1"/>
-              <a:t>ca</a:t>
-            </a:r>
-            <a:r>
-              <a:rPr lang="de-CH" altLang="de-DE" sz="1800" dirty="0"/>
-              <a:t> 25 SW-Entwickler)</a:t>
+              <a:rPr lang="en-US" altLang="de-DE" sz="1800" dirty="0" err="1"/>
+              <a:t>Dozent</a:t>
+            </a:r>
+            <a:r>
+              <a:rPr lang="en-US" altLang="de-DE" sz="1800" dirty="0"/>
+              <a:t> </a:t>
+            </a:r>
+            <a:r>
+              <a:rPr lang="en-US" altLang="de-DE" sz="1800" dirty="0" smtClean="0"/>
+              <a:t>HWZ</a:t>
             </a:r>
           </a:p>
           <a:p>
@@ -14719,110 +14747,20 @@
               <a:buNone/>
             </a:pPr>
             <a:r>
-              <a:rPr lang="de-CH" altLang="de-DE" sz="1800" dirty="0"/>
-              <a:t>Globale Verantwortung für Handelssystem im MM und FX Bereich</a:t>
-            </a:r>
-          </a:p>
-          <a:p>
-            <a:pPr eaLnBrk="1" hangingPunct="1">
-              <a:spcBef>
-                <a:spcPct val="0"/>
-              </a:spcBef>
-              <a:buFontTx/>
-              <a:buNone/>
-            </a:pPr>
-            <a:r>
-              <a:rPr lang="de-CH" altLang="de-DE" sz="1800" dirty="0"/>
-              <a:t>Mehrjährige Auslanderfahrung (New York, London)</a:t>
-            </a:r>
-            <a:endParaRPr lang="en-US" altLang="de-DE" sz="1800" dirty="0"/>
-          </a:p>
-          <a:p>
-            <a:pPr eaLnBrk="1" hangingPunct="1">
-              <a:spcBef>
-                <a:spcPct val="0"/>
-              </a:spcBef>
-              <a:buFontTx/>
-              <a:buNone/>
-            </a:pPr>
-            <a:r>
               <a:rPr lang="en-US" altLang="de-DE" sz="1800" dirty="0" err="1" smtClean="0"/>
-              <a:t>Berufsschullehrer</a:t>
+              <a:t>Hauptexperte</a:t>
             </a:r>
             <a:r>
               <a:rPr lang="en-US" altLang="de-DE" sz="1800" dirty="0" smtClean="0"/>
               <a:t> </a:t>
             </a:r>
             <a:r>
+              <a:rPr lang="en-US" altLang="de-DE" sz="1800" dirty="0" smtClean="0"/>
+              <a:t>PK19 </a:t>
+            </a:r>
+            <a:r>
               <a:rPr lang="en-US" altLang="de-DE" sz="1800" dirty="0" err="1" smtClean="0"/>
-              <a:t>mbA</a:t>
-            </a:r>
-            <a:r>
-              <a:rPr lang="en-US" altLang="de-DE" sz="1800" dirty="0" smtClean="0"/>
-              <a:t> an BZU (</a:t>
-            </a:r>
-            <a:r>
-              <a:rPr lang="en-US" altLang="de-DE" sz="1800" dirty="0" err="1" smtClean="0"/>
-              <a:t>IoT</a:t>
-            </a:r>
-            <a:r>
-              <a:rPr lang="en-US" altLang="de-DE" sz="1800" dirty="0" smtClean="0"/>
-              <a:t>, Python, </a:t>
-            </a:r>
-            <a:r>
-              <a:rPr lang="en-US" altLang="de-DE" sz="1800" dirty="0" err="1" smtClean="0"/>
-              <a:t>MySql</a:t>
-            </a:r>
-            <a:r>
-              <a:rPr lang="en-US" altLang="de-DE" sz="1800" dirty="0" smtClean="0"/>
-              <a:t>, </a:t>
-            </a:r>
-            <a:r>
-              <a:rPr lang="en-US" altLang="de-DE" sz="1800" dirty="0" err="1" smtClean="0"/>
-              <a:t>Rpi</a:t>
-            </a:r>
-            <a:r>
-              <a:rPr lang="en-US" altLang="de-DE" sz="1800" dirty="0" smtClean="0"/>
-              <a:t>, REST)</a:t>
-            </a:r>
-            <a:endParaRPr lang="en-US" altLang="de-DE" sz="1800" dirty="0"/>
-          </a:p>
-          <a:p>
-            <a:pPr eaLnBrk="1" hangingPunct="1">
-              <a:spcBef>
-                <a:spcPct val="0"/>
-              </a:spcBef>
-              <a:buFontTx/>
-              <a:buNone/>
-            </a:pPr>
-            <a:r>
-              <a:rPr lang="en-US" altLang="de-DE" sz="1800" dirty="0" err="1"/>
-              <a:t>Dozent</a:t>
-            </a:r>
-            <a:r>
-              <a:rPr lang="en-US" altLang="de-DE" sz="1800" dirty="0"/>
-              <a:t> </a:t>
-            </a:r>
-            <a:r>
-              <a:rPr lang="en-US" altLang="de-DE" sz="1800" dirty="0" smtClean="0"/>
-              <a:t>HWZ</a:t>
-            </a:r>
-          </a:p>
-          <a:p>
-            <a:pPr eaLnBrk="1" hangingPunct="1">
-              <a:spcBef>
-                <a:spcPct val="0"/>
-              </a:spcBef>
-              <a:buFontTx/>
-              <a:buNone/>
-            </a:pPr>
-            <a:r>
-              <a:rPr lang="en-US" altLang="de-DE" sz="1800" dirty="0" err="1" smtClean="0"/>
-              <a:t>Hauptexperte</a:t>
-            </a:r>
-            <a:r>
-              <a:rPr lang="en-US" altLang="de-DE" sz="1800" dirty="0" smtClean="0"/>
-              <a:t> PK19</a:t>
+              <a:t>Applikations-Entwicklung</a:t>
             </a:r>
             <a:endParaRPr lang="de-CH" altLang="de-DE" sz="1800" dirty="0"/>
           </a:p>
@@ -14838,8 +14776,8 @@
         </p:nvSpPr>
         <p:spPr bwMode="auto">
           <a:xfrm>
-            <a:off x="315913" y="3519488"/>
-            <a:ext cx="5923416" cy="2308324"/>
+            <a:off x="72323" y="3411389"/>
+            <a:ext cx="2018501" cy="2308324"/>
           </a:xfrm>
           <a:prstGeom prst="rect">
             <a:avLst/>
@@ -15044,15 +14982,7 @@
             </a:r>
             <a:r>
               <a:rPr lang="de-CH" altLang="de-DE" sz="1000" dirty="0" smtClean="0"/>
-              <a:t>(</a:t>
-            </a:r>
-            <a:r>
-              <a:rPr lang="de-CH" altLang="de-DE" sz="1000" dirty="0"/>
-              <a:t>Klettern, Biken, Joggen, Skitouren, Snowboard, Tauchen, </a:t>
-            </a:r>
-            <a:r>
-              <a:rPr lang="de-CH" altLang="de-DE" sz="1000" dirty="0" smtClean="0"/>
-              <a:t>Deltasegeln, Gleitschirmfliegen)</a:t>
+              <a:t>(Outdoor)</a:t>
             </a:r>
             <a:endParaRPr lang="de-CH" altLang="de-DE" sz="1000" dirty="0"/>
           </a:p>
@@ -15101,8 +15031,16 @@
               <a:buNone/>
             </a:pPr>
             <a:r>
-              <a:rPr lang="en-US" altLang="de-DE" sz="1800" dirty="0" err="1"/>
+              <a:rPr lang="en-US" altLang="de-DE" sz="1800" dirty="0" smtClean="0"/>
+              <a:t>(</a:t>
+            </a:r>
+            <a:r>
+              <a:rPr lang="en-US" altLang="de-DE" sz="1800" dirty="0" err="1" smtClean="0"/>
               <a:t>Militär</a:t>
+            </a:r>
+            <a:r>
+              <a:rPr lang="en-US" altLang="de-DE" sz="1800" dirty="0" smtClean="0"/>
+              <a:t>)</a:t>
             </a:r>
             <a:endParaRPr lang="en-US" altLang="de-DE" sz="1800" dirty="0"/>
           </a:p>
@@ -15446,6 +15384,272 @@
           </a:extLst>
         </p:spPr>
       </p:pic>
+      <p:sp>
+        <p:nvSpPr>
+          <p:cNvPr id="8" name="Text Box 17"/>
+          <p:cNvSpPr txBox="1">
+            <a:spLocks noChangeArrowheads="1"/>
+          </p:cNvSpPr>
+          <p:nvPr/>
+        </p:nvSpPr>
+        <p:spPr bwMode="auto">
+          <a:xfrm>
+            <a:off x="2226657" y="3806934"/>
+            <a:ext cx="6917343" cy="1477328"/>
+          </a:xfrm>
+          <a:prstGeom prst="rect">
+            <a:avLst/>
+          </a:prstGeom>
+          <a:noFill/>
+          <a:ln>
+            <a:noFill/>
+          </a:ln>
+          <a:effectLst/>
+          <a:extLst>
+            <a:ext uri="{909E8E84-426E-40DD-AFC4-6F175D3DCCD1}">
+              <a14:hiddenFill xmlns:a14="http://schemas.microsoft.com/office/drawing/2010/main">
+                <a:solidFill>
+                  <a:schemeClr val="accent1"/>
+                </a:solidFill>
+              </a14:hiddenFill>
+            </a:ext>
+            <a:ext uri="{91240B29-F687-4F45-9708-019B960494DF}">
+              <a14:hiddenLine xmlns:a14="http://schemas.microsoft.com/office/drawing/2010/main" w="9525">
+                <a:solidFill>
+                  <a:schemeClr val="tx1"/>
+                </a:solidFill>
+                <a:miter lim="800000"/>
+                <a:headEnd/>
+                <a:tailEnd/>
+              </a14:hiddenLine>
+            </a:ext>
+            <a:ext uri="{AF507438-7753-43E0-B8FC-AC1667EBCBE1}">
+              <a14:hiddenEffects xmlns:a14="http://schemas.microsoft.com/office/drawing/2010/main">
+                <a:effectLst>
+                  <a:outerShdw dist="35921" dir="2700000" algn="ctr" rotWithShape="0">
+                    <a:schemeClr val="bg2"/>
+                  </a:outerShdw>
+                </a:effectLst>
+              </a14:hiddenEffects>
+            </a:ext>
+          </a:extLst>
+        </p:spPr>
+        <p:txBody>
+          <a:bodyPr wrap="none">
+            <a:spAutoFit/>
+          </a:bodyPr>
+          <a:lstStyle>
+            <a:lvl1pPr>
+              <a:spcBef>
+                <a:spcPct val="20000"/>
+              </a:spcBef>
+              <a:buChar char="•"/>
+              <a:defRPr sz="3200">
+                <a:solidFill>
+                  <a:schemeClr val="tx1"/>
+                </a:solidFill>
+                <a:latin typeface="Arial" panose="020B0604020202020204" pitchFamily="34" charset="0"/>
+              </a:defRPr>
+            </a:lvl1pPr>
+            <a:lvl2pPr marL="742950" indent="-285750">
+              <a:spcBef>
+                <a:spcPct val="20000"/>
+              </a:spcBef>
+              <a:buChar char="–"/>
+              <a:defRPr sz="2800">
+                <a:solidFill>
+                  <a:schemeClr val="tx1"/>
+                </a:solidFill>
+                <a:latin typeface="Arial" panose="020B0604020202020204" pitchFamily="34" charset="0"/>
+              </a:defRPr>
+            </a:lvl2pPr>
+            <a:lvl3pPr marL="1143000" indent="-228600">
+              <a:spcBef>
+                <a:spcPct val="20000"/>
+              </a:spcBef>
+              <a:buChar char="•"/>
+              <a:defRPr sz="2400">
+                <a:solidFill>
+                  <a:schemeClr val="tx1"/>
+                </a:solidFill>
+                <a:latin typeface="Arial" panose="020B0604020202020204" pitchFamily="34" charset="0"/>
+              </a:defRPr>
+            </a:lvl3pPr>
+            <a:lvl4pPr marL="1600200" indent="-228600">
+              <a:spcBef>
+                <a:spcPct val="20000"/>
+              </a:spcBef>
+              <a:buChar char="–"/>
+              <a:defRPr sz="2000">
+                <a:solidFill>
+                  <a:schemeClr val="tx1"/>
+                </a:solidFill>
+                <a:latin typeface="Arial" panose="020B0604020202020204" pitchFamily="34" charset="0"/>
+              </a:defRPr>
+            </a:lvl4pPr>
+            <a:lvl5pPr marL="2057400" indent="-228600">
+              <a:spcBef>
+                <a:spcPct val="20000"/>
+              </a:spcBef>
+              <a:buChar char="»"/>
+              <a:defRPr sz="2000">
+                <a:solidFill>
+                  <a:schemeClr val="tx1"/>
+                </a:solidFill>
+                <a:latin typeface="Arial" panose="020B0604020202020204" pitchFamily="34" charset="0"/>
+              </a:defRPr>
+            </a:lvl5pPr>
+            <a:lvl6pPr marL="2514600" indent="-228600" eaLnBrk="0" fontAlgn="base" hangingPunct="0">
+              <a:spcBef>
+                <a:spcPct val="20000"/>
+              </a:spcBef>
+              <a:spcAft>
+                <a:spcPct val="0"/>
+              </a:spcAft>
+              <a:buChar char="»"/>
+              <a:defRPr sz="2000">
+                <a:solidFill>
+                  <a:schemeClr val="tx1"/>
+                </a:solidFill>
+                <a:latin typeface="Arial" panose="020B0604020202020204" pitchFamily="34" charset="0"/>
+              </a:defRPr>
+            </a:lvl6pPr>
+            <a:lvl7pPr marL="2971800" indent="-228600" eaLnBrk="0" fontAlgn="base" hangingPunct="0">
+              <a:spcBef>
+                <a:spcPct val="20000"/>
+              </a:spcBef>
+              <a:spcAft>
+                <a:spcPct val="0"/>
+              </a:spcAft>
+              <a:buChar char="»"/>
+              <a:defRPr sz="2000">
+                <a:solidFill>
+                  <a:schemeClr val="tx1"/>
+                </a:solidFill>
+                <a:latin typeface="Arial" panose="020B0604020202020204" pitchFamily="34" charset="0"/>
+              </a:defRPr>
+            </a:lvl7pPr>
+            <a:lvl8pPr marL="3429000" indent="-228600" eaLnBrk="0" fontAlgn="base" hangingPunct="0">
+              <a:spcBef>
+                <a:spcPct val="20000"/>
+              </a:spcBef>
+              <a:spcAft>
+                <a:spcPct val="0"/>
+              </a:spcAft>
+              <a:buChar char="»"/>
+              <a:defRPr sz="2000">
+                <a:solidFill>
+                  <a:schemeClr val="tx1"/>
+                </a:solidFill>
+                <a:latin typeface="Arial" panose="020B0604020202020204" pitchFamily="34" charset="0"/>
+              </a:defRPr>
+            </a:lvl8pPr>
+            <a:lvl9pPr marL="3886200" indent="-228600" eaLnBrk="0" fontAlgn="base" hangingPunct="0">
+              <a:spcBef>
+                <a:spcPct val="20000"/>
+              </a:spcBef>
+              <a:spcAft>
+                <a:spcPct val="0"/>
+              </a:spcAft>
+              <a:buChar char="»"/>
+              <a:defRPr sz="2000">
+                <a:solidFill>
+                  <a:schemeClr val="tx1"/>
+                </a:solidFill>
+                <a:latin typeface="Arial" panose="020B0604020202020204" pitchFamily="34" charset="0"/>
+              </a:defRPr>
+            </a:lvl9pPr>
+          </a:lstStyle>
+          <a:p>
+            <a:pPr eaLnBrk="1" hangingPunct="1">
+              <a:spcBef>
+                <a:spcPct val="0"/>
+              </a:spcBef>
+              <a:buFontTx/>
+              <a:buNone/>
+            </a:pPr>
+            <a:r>
+              <a:rPr lang="de-CH" altLang="de-DE" sz="1800" u="sng" dirty="0" smtClean="0"/>
+              <a:t>Erfahrungen</a:t>
+            </a:r>
+            <a:endParaRPr lang="de-CH" altLang="de-DE" sz="1800" u="sng" dirty="0"/>
+          </a:p>
+          <a:p>
+            <a:pPr eaLnBrk="1" hangingPunct="1">
+              <a:spcBef>
+                <a:spcPct val="0"/>
+              </a:spcBef>
+              <a:buFontTx/>
+              <a:buNone/>
+            </a:pPr>
+            <a:r>
+              <a:rPr lang="de-CH" altLang="de-DE" sz="1800" dirty="0" err="1"/>
+              <a:t>Credit</a:t>
+            </a:r>
+            <a:r>
+              <a:rPr lang="de-CH" altLang="de-DE" sz="1800" dirty="0"/>
+              <a:t>-Suisse, </a:t>
+            </a:r>
+            <a:r>
+              <a:rPr lang="de-CH" altLang="de-DE" sz="1800" dirty="0" smtClean="0"/>
+              <a:t>Vize-Direktor (Pensionär)</a:t>
+            </a:r>
+            <a:endParaRPr lang="de-CH" altLang="de-DE" sz="1800" dirty="0"/>
+          </a:p>
+          <a:p>
+            <a:pPr eaLnBrk="1" hangingPunct="1">
+              <a:spcBef>
+                <a:spcPct val="0"/>
+              </a:spcBef>
+              <a:buFontTx/>
+              <a:buNone/>
+            </a:pPr>
+            <a:r>
+              <a:rPr lang="de-CH" altLang="de-DE" sz="1800" dirty="0"/>
+              <a:t>Leiter Entwicklungsabteilung (</a:t>
+            </a:r>
+            <a:r>
+              <a:rPr lang="de-CH" altLang="de-DE" sz="1800" dirty="0" err="1"/>
+              <a:t>ca</a:t>
+            </a:r>
+            <a:r>
+              <a:rPr lang="de-CH" altLang="de-DE" sz="1800" dirty="0"/>
+              <a:t> 25 SW-Entwickler)</a:t>
+            </a:r>
+          </a:p>
+          <a:p>
+            <a:pPr eaLnBrk="1" hangingPunct="1">
+              <a:spcBef>
+                <a:spcPct val="0"/>
+              </a:spcBef>
+              <a:buFontTx/>
+              <a:buNone/>
+            </a:pPr>
+            <a:r>
+              <a:rPr lang="de-CH" altLang="de-DE" sz="1800" dirty="0"/>
+              <a:t>Globale Verantwortung für Handelssystem im MM und FX Bereich</a:t>
+            </a:r>
+          </a:p>
+          <a:p>
+            <a:pPr eaLnBrk="1" hangingPunct="1">
+              <a:spcBef>
+                <a:spcPct val="0"/>
+              </a:spcBef>
+              <a:buFontTx/>
+              <a:buNone/>
+            </a:pPr>
+            <a:r>
+              <a:rPr lang="de-CH" altLang="de-DE" sz="1800" dirty="0"/>
+              <a:t>Mehrjährige Auslanderfahrung (New York, London</a:t>
+            </a:r>
+            <a:r>
+              <a:rPr lang="de-CH" altLang="de-DE" sz="1800" dirty="0" smtClean="0"/>
+              <a:t>)</a:t>
+            </a:r>
+            <a:endParaRPr lang="en-US" altLang="de-DE" sz="1800" dirty="0"/>
+          </a:p>
+        </p:txBody>
+      </p:sp>
     </p:spTree>
   </p:cSld>
   <p:clrMapOvr>
@@ -15671,6 +15875,59 @@
                       </p:childTnLst>
                     </p:cTn>
                   </p:par>
+                  <p:par>
+                    <p:cTn id="23" fill="hold">
+                      <p:stCondLst>
+                        <p:cond delay="indefinite"/>
+                      </p:stCondLst>
+                      <p:childTnLst>
+                        <p:par>
+                          <p:cTn id="24" fill="hold">
+                            <p:stCondLst>
+                              <p:cond delay="0"/>
+                            </p:stCondLst>
+                            <p:childTnLst>
+                              <p:par>
+                                <p:cTn id="25" presetID="10" presetClass="entr" presetSubtype="0" fill="hold" grpId="0" nodeType="clickEffect">
+                                  <p:stCondLst>
+                                    <p:cond delay="0"/>
+                                  </p:stCondLst>
+                                  <p:childTnLst>
+                                    <p:set>
+                                      <p:cBhvr>
+                                        <p:cTn id="26" dur="1" fill="hold">
+                                          <p:stCondLst>
+                                            <p:cond delay="0"/>
+                                          </p:stCondLst>
+                                        </p:cTn>
+                                        <p:tgtEl>
+                                          <p:spTgt spid="8"/>
+                                        </p:tgtEl>
+                                        <p:attrNameLst>
+                                          <p:attrName>style.visibility</p:attrName>
+                                        </p:attrNameLst>
+                                      </p:cBhvr>
+                                      <p:to>
+                                        <p:strVal val="visible"/>
+                                      </p:to>
+                                    </p:set>
+                                    <p:animEffect transition="in" filter="fade">
+                                      <p:cBhvr>
+                                        <p:cTn id="27" dur="2000"/>
+                                        <p:tgtEl>
+                                          <p:spTgt spid="8"/>
+                                        </p:tgtEl>
+                                      </p:cBhvr>
+                                    </p:animEffect>
+                                  </p:childTnLst>
+                                </p:cTn>
+                              </p:par>
+                            </p:childTnLst>
+                          </p:cTn>
+                        </p:par>
+                      </p:childTnLst>
+                    </p:cTn>
+                  </p:par>
                 </p:childTnLst>
               </p:cTn>
               <p:prevCondLst>
@@ -15697,6 +15954,7 @@
       <p:bldP spid="35857" grpId="0"/>
       <p:bldP spid="35858" grpId="0"/>
       <p:bldP spid="35859" grpId="0"/>
+      <p:bldP spid="8" grpId="0"/>
     </p:bldLst>
   </p:timing>
 </p:sld>
@@ -16219,11 +16477,11 @@
   <p:clrMapOvr>
     <a:masterClrMapping/>
   </p:clrMapOvr>
-  <mc:AlternateContent xmlns:mc="http://schemas.openxmlformats.org/markup-compatibility/2006">
-    <mc:Choice xmlns:p14="http://schemas.microsoft.com/office/powerpoint/2010/main" Requires="p14">
+  <mc:AlternateContent xmlns:mc="http://schemas.openxmlformats.org/markup-compatibility/2006" xmlns:p14="http://schemas.microsoft.com/office/powerpoint/2010/main">
+    <mc:Choice Requires="p14">
       <p:transition spd="slow" p14:dur="2000"/>
     </mc:Choice>
-    <mc:Fallback>
+    <mc:Fallback xmlns="">
       <p:transition spd="slow"/>
     </mc:Fallback>
   </mc:AlternateContent>
@@ -17124,11 +17382,11 @@
   <p:clrMapOvr>
     <a:masterClrMapping/>
   </p:clrMapOvr>
-  <mc:AlternateContent xmlns:mc="http://schemas.openxmlformats.org/markup-compatibility/2006">
-    <mc:Choice xmlns:p14="http://schemas.microsoft.com/office/powerpoint/2010/main" Requires="p14">
+  <mc:AlternateContent xmlns:mc="http://schemas.openxmlformats.org/markup-compatibility/2006" xmlns:p14="http://schemas.microsoft.com/office/powerpoint/2010/main">
+    <mc:Choice Requires="p14">
       <p:transition spd="slow" p14:dur="2000"/>
     </mc:Choice>
-    <mc:Fallback>
+    <mc:Fallback xmlns="">
       <p:transition spd="slow"/>
     </mc:Fallback>
   </mc:AlternateContent>
@@ -17597,11 +17855,11 @@
   <p:clrMapOvr>
     <a:masterClrMapping/>
   </p:clrMapOvr>
-  <mc:AlternateContent xmlns:mc="http://schemas.openxmlformats.org/markup-compatibility/2006">
-    <mc:Choice xmlns:p14="http://schemas.microsoft.com/office/powerpoint/2010/main" Requires="p14">
+  <mc:AlternateContent xmlns:mc="http://schemas.openxmlformats.org/markup-compatibility/2006" xmlns:p14="http://schemas.microsoft.com/office/powerpoint/2010/main">
+    <mc:Choice Requires="p14">
       <p:transition spd="slow" p14:dur="2000"/>
     </mc:Choice>
-    <mc:Fallback>
+    <mc:Fallback xmlns="">
       <p:transition spd="slow"/>
     </mc:Fallback>
   </mc:AlternateContent>

--- a/SchulungsUnterlagen/HWZ/WerBinIch.pptx
+++ b/SchulungsUnterlagen/HWZ/WerBinIch.pptx
@@ -458,35 +458,35 @@
           <a:p>
             <a:pPr lvl="0"/>
             <a:r>
-              <a:rPr lang="en-US" noProof="0" smtClean="0"/>
+              <a:rPr lang="en-US" noProof="0"/>
               <a:t>Click to edit Master text styles</a:t>
             </a:r>
           </a:p>
           <a:p>
             <a:pPr lvl="1"/>
             <a:r>
-              <a:rPr lang="en-US" noProof="0" smtClean="0"/>
+              <a:rPr lang="en-US" noProof="0"/>
               <a:t>Second level</a:t>
             </a:r>
           </a:p>
           <a:p>
             <a:pPr lvl="2"/>
             <a:r>
-              <a:rPr lang="en-US" noProof="0" smtClean="0"/>
+              <a:rPr lang="en-US" noProof="0"/>
               <a:t>Third level</a:t>
             </a:r>
           </a:p>
           <a:p>
             <a:pPr lvl="3"/>
             <a:r>
-              <a:rPr lang="en-US" noProof="0" smtClean="0"/>
+              <a:rPr lang="en-US" noProof="0"/>
               <a:t>Fourth level</a:t>
             </a:r>
           </a:p>
           <a:p>
             <a:pPr lvl="4"/>
             <a:r>
-              <a:rPr lang="en-US" noProof="0" smtClean="0"/>
+              <a:rPr lang="en-US" noProof="0"/>
               <a:t>Fifth level</a:t>
             </a:r>
           </a:p>
@@ -936,7 +936,7 @@
               </a:pPr>
               <a:t>1</a:t>
             </a:fld>
-            <a:endParaRPr lang="en-US" altLang="de-DE" sz="1300" smtClean="0"/>
+            <a:endParaRPr lang="en-US" altLang="de-DE" sz="1300"/>
           </a:p>
         </p:txBody>
       </p:sp>
@@ -972,7 +972,7 @@
           <a:lstStyle/>
           <a:p>
             <a:pPr eaLnBrk="1" hangingPunct="1"/>
-            <a:endParaRPr lang="de-CH" altLang="de-DE" smtClean="0">
+            <a:endParaRPr lang="de-CH" altLang="de-DE">
               <a:latin typeface="Arial" panose="020B0604020202020204" pitchFamily="34" charset="0"/>
             </a:endParaRPr>
           </a:p>
@@ -1151,7 +1151,7 @@
               </a:pPr>
               <a:t>16</a:t>
             </a:fld>
-            <a:endParaRPr lang="en-US" altLang="de-DE" sz="1300" smtClean="0"/>
+            <a:endParaRPr lang="en-US" altLang="de-DE" sz="1300"/>
           </a:p>
         </p:txBody>
       </p:sp>
@@ -1187,7 +1187,7 @@
           <a:lstStyle/>
           <a:p>
             <a:pPr eaLnBrk="1" hangingPunct="1"/>
-            <a:endParaRPr lang="de-CH" altLang="de-DE" smtClean="0">
+            <a:endParaRPr lang="de-CH" altLang="de-DE">
               <a:latin typeface="Arial" panose="020B0604020202020204" pitchFamily="34" charset="0"/>
             </a:endParaRPr>
           </a:p>
@@ -1366,7 +1366,7 @@
               </a:pPr>
               <a:t>17</a:t>
             </a:fld>
-            <a:endParaRPr lang="en-US" altLang="de-DE" sz="1300" smtClean="0"/>
+            <a:endParaRPr lang="en-US" altLang="de-DE" sz="1300"/>
           </a:p>
         </p:txBody>
       </p:sp>
@@ -1402,7 +1402,7 @@
           <a:lstStyle/>
           <a:p>
             <a:pPr eaLnBrk="1" hangingPunct="1"/>
-            <a:endParaRPr lang="de-CH" altLang="de-DE" smtClean="0">
+            <a:endParaRPr lang="de-CH" altLang="de-DE">
               <a:latin typeface="Arial" panose="020B0604020202020204" pitchFamily="34" charset="0"/>
             </a:endParaRPr>
           </a:p>
@@ -1581,7 +1581,7 @@
               </a:pPr>
               <a:t>18</a:t>
             </a:fld>
-            <a:endParaRPr lang="en-US" altLang="de-DE" sz="1300" smtClean="0"/>
+            <a:endParaRPr lang="en-US" altLang="de-DE" sz="1300"/>
           </a:p>
         </p:txBody>
       </p:sp>
@@ -1617,7 +1617,7 @@
           <a:lstStyle/>
           <a:p>
             <a:pPr eaLnBrk="1" hangingPunct="1"/>
-            <a:endParaRPr lang="de-CH" altLang="de-DE" smtClean="0">
+            <a:endParaRPr lang="de-CH" altLang="de-DE">
               <a:latin typeface="Arial" panose="020B0604020202020204" pitchFamily="34" charset="0"/>
             </a:endParaRPr>
           </a:p>
@@ -1796,7 +1796,7 @@
               </a:pPr>
               <a:t>19</a:t>
             </a:fld>
-            <a:endParaRPr lang="en-US" altLang="de-DE" sz="1300" smtClean="0"/>
+            <a:endParaRPr lang="en-US" altLang="de-DE" sz="1300"/>
           </a:p>
         </p:txBody>
       </p:sp>
@@ -1832,7 +1832,7 @@
           <a:lstStyle/>
           <a:p>
             <a:pPr eaLnBrk="1" hangingPunct="1"/>
-            <a:endParaRPr lang="de-CH" altLang="de-DE" smtClean="0">
+            <a:endParaRPr lang="de-CH" altLang="de-DE">
               <a:latin typeface="Arial" panose="020B0604020202020204" pitchFamily="34" charset="0"/>
             </a:endParaRPr>
           </a:p>
@@ -2011,7 +2011,7 @@
               </a:pPr>
               <a:t>2</a:t>
             </a:fld>
-            <a:endParaRPr lang="en-US" altLang="de-DE" sz="1300" smtClean="0"/>
+            <a:endParaRPr lang="en-US" altLang="de-DE" sz="1300"/>
           </a:p>
         </p:txBody>
       </p:sp>
@@ -2047,7 +2047,7 @@
           <a:lstStyle/>
           <a:p>
             <a:pPr eaLnBrk="1" hangingPunct="1"/>
-            <a:endParaRPr lang="de-CH" altLang="de-DE" smtClean="0">
+            <a:endParaRPr lang="de-CH" altLang="de-DE">
               <a:latin typeface="Arial" panose="020B0604020202020204" pitchFamily="34" charset="0"/>
             </a:endParaRPr>
           </a:p>
@@ -2226,7 +2226,7 @@
               </a:pPr>
               <a:t>3</a:t>
             </a:fld>
-            <a:endParaRPr lang="en-US" altLang="de-DE" sz="1300" smtClean="0"/>
+            <a:endParaRPr lang="en-US" altLang="de-DE" sz="1300"/>
           </a:p>
         </p:txBody>
       </p:sp>
@@ -2262,7 +2262,7 @@
           <a:lstStyle/>
           <a:p>
             <a:pPr eaLnBrk="1" hangingPunct="1"/>
-            <a:endParaRPr lang="de-CH" altLang="de-DE" smtClean="0">
+            <a:endParaRPr lang="de-CH" altLang="de-DE">
               <a:latin typeface="Arial" panose="020B0604020202020204" pitchFamily="34" charset="0"/>
             </a:endParaRPr>
           </a:p>
@@ -2441,7 +2441,7 @@
               </a:pPr>
               <a:t>4</a:t>
             </a:fld>
-            <a:endParaRPr lang="en-US" altLang="de-DE" sz="1300" smtClean="0"/>
+            <a:endParaRPr lang="en-US" altLang="de-DE" sz="1300"/>
           </a:p>
         </p:txBody>
       </p:sp>
@@ -2477,7 +2477,7 @@
           <a:lstStyle/>
           <a:p>
             <a:pPr eaLnBrk="1" hangingPunct="1"/>
-            <a:endParaRPr lang="de-CH" altLang="de-DE" smtClean="0">
+            <a:endParaRPr lang="de-CH" altLang="de-DE">
               <a:latin typeface="Arial" panose="020B0604020202020204" pitchFamily="34" charset="0"/>
             </a:endParaRPr>
           </a:p>
@@ -2656,7 +2656,7 @@
               </a:pPr>
               <a:t>11</a:t>
             </a:fld>
-            <a:endParaRPr lang="en-US" altLang="de-DE" sz="1300" smtClean="0"/>
+            <a:endParaRPr lang="en-US" altLang="de-DE" sz="1300"/>
           </a:p>
         </p:txBody>
       </p:sp>
@@ -2692,7 +2692,7 @@
           <a:lstStyle/>
           <a:p>
             <a:pPr eaLnBrk="1" hangingPunct="1"/>
-            <a:endParaRPr lang="de-CH" altLang="de-DE" smtClean="0">
+            <a:endParaRPr lang="de-CH" altLang="de-DE">
               <a:latin typeface="Arial" panose="020B0604020202020204" pitchFamily="34" charset="0"/>
             </a:endParaRPr>
           </a:p>
@@ -2871,7 +2871,7 @@
               </a:pPr>
               <a:t>12</a:t>
             </a:fld>
-            <a:endParaRPr lang="en-US" altLang="de-DE" sz="1300" smtClean="0"/>
+            <a:endParaRPr lang="en-US" altLang="de-DE" sz="1300"/>
           </a:p>
         </p:txBody>
       </p:sp>
@@ -2907,7 +2907,7 @@
           <a:lstStyle/>
           <a:p>
             <a:pPr eaLnBrk="1" hangingPunct="1"/>
-            <a:endParaRPr lang="de-CH" altLang="de-DE" smtClean="0">
+            <a:endParaRPr lang="de-CH" altLang="de-DE">
               <a:latin typeface="Arial" panose="020B0604020202020204" pitchFamily="34" charset="0"/>
             </a:endParaRPr>
           </a:p>
@@ -3086,7 +3086,7 @@
               </a:pPr>
               <a:t>13</a:t>
             </a:fld>
-            <a:endParaRPr lang="en-US" altLang="de-DE" sz="1300" smtClean="0"/>
+            <a:endParaRPr lang="en-US" altLang="de-DE" sz="1300"/>
           </a:p>
         </p:txBody>
       </p:sp>
@@ -3122,7 +3122,7 @@
           <a:lstStyle/>
           <a:p>
             <a:pPr eaLnBrk="1" hangingPunct="1"/>
-            <a:endParaRPr lang="de-CH" altLang="de-DE" smtClean="0">
+            <a:endParaRPr lang="de-CH" altLang="de-DE">
               <a:latin typeface="Arial" panose="020B0604020202020204" pitchFamily="34" charset="0"/>
             </a:endParaRPr>
           </a:p>
@@ -3301,7 +3301,7 @@
               </a:pPr>
               <a:t>14</a:t>
             </a:fld>
-            <a:endParaRPr lang="en-US" altLang="de-DE" sz="1300" smtClean="0"/>
+            <a:endParaRPr lang="en-US" altLang="de-DE" sz="1300"/>
           </a:p>
         </p:txBody>
       </p:sp>
@@ -3337,7 +3337,7 @@
           <a:lstStyle/>
           <a:p>
             <a:pPr eaLnBrk="1" hangingPunct="1"/>
-            <a:endParaRPr lang="de-CH" altLang="de-DE" smtClean="0">
+            <a:endParaRPr lang="de-CH" altLang="de-DE">
               <a:latin typeface="Arial" panose="020B0604020202020204" pitchFamily="34" charset="0"/>
             </a:endParaRPr>
           </a:p>
@@ -3516,7 +3516,7 @@
               </a:pPr>
               <a:t>15</a:t>
             </a:fld>
-            <a:endParaRPr lang="en-US" altLang="de-DE" sz="1300" smtClean="0"/>
+            <a:endParaRPr lang="en-US" altLang="de-DE" sz="1300"/>
           </a:p>
         </p:txBody>
       </p:sp>
@@ -3552,7 +3552,7 @@
           <a:lstStyle/>
           <a:p>
             <a:pPr eaLnBrk="1" hangingPunct="1"/>
-            <a:endParaRPr lang="de-CH" altLang="de-DE" smtClean="0">
+            <a:endParaRPr lang="de-CH" altLang="de-DE">
               <a:latin typeface="Arial" panose="020B0604020202020204" pitchFamily="34" charset="0"/>
             </a:endParaRPr>
           </a:p>
@@ -3609,7 +3609,7 @@
           <a:lstStyle/>
           <a:p>
             <a:r>
-              <a:rPr lang="de-DE" smtClean="0"/>
+              <a:rPr lang="de-DE"/>
               <a:t>Titelmasterformat durch Klicken bearbeiten</a:t>
             </a:r>
             <a:endParaRPr lang="en-GB"/>
@@ -3674,7 +3674,7 @@
           </a:lstStyle>
           <a:p>
             <a:r>
-              <a:rPr lang="de-DE" smtClean="0"/>
+              <a:rPr lang="de-DE"/>
               <a:t>Formatvorlage des Untertitelmasters durch Klicken bearbeiten</a:t>
             </a:r>
             <a:endParaRPr lang="en-GB"/>
@@ -3818,7 +3818,7 @@
           <a:lstStyle/>
           <a:p>
             <a:r>
-              <a:rPr lang="de-DE" smtClean="0"/>
+              <a:rPr lang="de-DE"/>
               <a:t>Titelmasterformat durch Klicken bearbeiten</a:t>
             </a:r>
             <a:endParaRPr lang="en-GB"/>
@@ -3842,35 +3842,35 @@
           <a:p>
             <a:pPr lvl="0"/>
             <a:r>
-              <a:rPr lang="de-DE" smtClean="0"/>
+              <a:rPr lang="de-DE"/>
               <a:t>Textmasterformat bearbeiten</a:t>
             </a:r>
           </a:p>
           <a:p>
             <a:pPr lvl="1"/>
             <a:r>
-              <a:rPr lang="de-DE" smtClean="0"/>
+              <a:rPr lang="de-DE"/>
               <a:t>Zweite Ebene</a:t>
             </a:r>
           </a:p>
           <a:p>
             <a:pPr lvl="2"/>
             <a:r>
-              <a:rPr lang="de-DE" smtClean="0"/>
+              <a:rPr lang="de-DE"/>
               <a:t>Dritte Ebene</a:t>
             </a:r>
           </a:p>
           <a:p>
             <a:pPr lvl="3"/>
             <a:r>
-              <a:rPr lang="de-DE" smtClean="0"/>
+              <a:rPr lang="de-DE"/>
               <a:t>Vierte Ebene</a:t>
             </a:r>
           </a:p>
           <a:p>
             <a:pPr lvl="4"/>
             <a:r>
-              <a:rPr lang="de-DE" smtClean="0"/>
+              <a:rPr lang="de-DE"/>
               <a:t>Fünfte Ebene</a:t>
             </a:r>
             <a:endParaRPr lang="en-GB"/>
@@ -4019,7 +4019,7 @@
           <a:lstStyle/>
           <a:p>
             <a:r>
-              <a:rPr lang="de-DE" smtClean="0"/>
+              <a:rPr lang="de-DE"/>
               <a:t>Titelmasterformat durch Klicken bearbeiten</a:t>
             </a:r>
             <a:endParaRPr lang="en-GB"/>
@@ -4048,35 +4048,35 @@
           <a:p>
             <a:pPr lvl="0"/>
             <a:r>
-              <a:rPr lang="de-DE" smtClean="0"/>
+              <a:rPr lang="de-DE"/>
               <a:t>Textmasterformat bearbeiten</a:t>
             </a:r>
           </a:p>
           <a:p>
             <a:pPr lvl="1"/>
             <a:r>
-              <a:rPr lang="de-DE" smtClean="0"/>
+              <a:rPr lang="de-DE"/>
               <a:t>Zweite Ebene</a:t>
             </a:r>
           </a:p>
           <a:p>
             <a:pPr lvl="2"/>
             <a:r>
-              <a:rPr lang="de-DE" smtClean="0"/>
+              <a:rPr lang="de-DE"/>
               <a:t>Dritte Ebene</a:t>
             </a:r>
           </a:p>
           <a:p>
             <a:pPr lvl="3"/>
             <a:r>
-              <a:rPr lang="de-DE" smtClean="0"/>
+              <a:rPr lang="de-DE"/>
               <a:t>Vierte Ebene</a:t>
             </a:r>
           </a:p>
           <a:p>
             <a:pPr lvl="4"/>
             <a:r>
-              <a:rPr lang="de-DE" smtClean="0"/>
+              <a:rPr lang="de-DE"/>
               <a:t>Fünfte Ebene</a:t>
             </a:r>
             <a:endParaRPr lang="en-GB"/>
@@ -4220,7 +4220,7 @@
           <a:lstStyle/>
           <a:p>
             <a:r>
-              <a:rPr lang="de-DE" smtClean="0"/>
+              <a:rPr lang="de-DE"/>
               <a:t>Titelmasterformat durch Klicken bearbeiten</a:t>
             </a:r>
             <a:endParaRPr lang="en-GB"/>
@@ -4244,35 +4244,35 @@
           <a:p>
             <a:pPr lvl="0"/>
             <a:r>
-              <a:rPr lang="de-DE" smtClean="0"/>
+              <a:rPr lang="de-DE"/>
               <a:t>Textmasterformat bearbeiten</a:t>
             </a:r>
           </a:p>
           <a:p>
             <a:pPr lvl="1"/>
             <a:r>
-              <a:rPr lang="de-DE" smtClean="0"/>
+              <a:rPr lang="de-DE"/>
               <a:t>Zweite Ebene</a:t>
             </a:r>
           </a:p>
           <a:p>
             <a:pPr lvl="2"/>
             <a:r>
-              <a:rPr lang="de-DE" smtClean="0"/>
+              <a:rPr lang="de-DE"/>
               <a:t>Dritte Ebene</a:t>
             </a:r>
           </a:p>
           <a:p>
             <a:pPr lvl="3"/>
             <a:r>
-              <a:rPr lang="de-DE" smtClean="0"/>
+              <a:rPr lang="de-DE"/>
               <a:t>Vierte Ebene</a:t>
             </a:r>
           </a:p>
           <a:p>
             <a:pPr lvl="4"/>
             <a:r>
-              <a:rPr lang="de-DE" smtClean="0"/>
+              <a:rPr lang="de-DE"/>
               <a:t>Fünfte Ebene</a:t>
             </a:r>
             <a:endParaRPr lang="en-GB"/>
@@ -4425,7 +4425,7 @@
           </a:lstStyle>
           <a:p>
             <a:r>
-              <a:rPr lang="de-DE" smtClean="0"/>
+              <a:rPr lang="de-DE"/>
               <a:t>Titelmasterformat durch Klicken bearbeiten</a:t>
             </a:r>
             <a:endParaRPr lang="en-GB"/>
@@ -4491,7 +4491,7 @@
           <a:p>
             <a:pPr lvl="0"/>
             <a:r>
-              <a:rPr lang="de-DE" smtClean="0"/>
+              <a:rPr lang="de-DE"/>
               <a:t>Textmasterformat bearbeiten</a:t>
             </a:r>
           </a:p>
@@ -4634,7 +4634,7 @@
           <a:lstStyle/>
           <a:p>
             <a:r>
-              <a:rPr lang="de-DE" smtClean="0"/>
+              <a:rPr lang="de-DE"/>
               <a:t>Titelmasterformat durch Klicken bearbeiten</a:t>
             </a:r>
             <a:endParaRPr lang="en-GB"/>
@@ -4691,35 +4691,35 @@
           <a:p>
             <a:pPr lvl="0"/>
             <a:r>
-              <a:rPr lang="de-DE" smtClean="0"/>
+              <a:rPr lang="de-DE"/>
               <a:t>Textmasterformat bearbeiten</a:t>
             </a:r>
           </a:p>
           <a:p>
             <a:pPr lvl="1"/>
             <a:r>
-              <a:rPr lang="de-DE" smtClean="0"/>
+              <a:rPr lang="de-DE"/>
               <a:t>Zweite Ebene</a:t>
             </a:r>
           </a:p>
           <a:p>
             <a:pPr lvl="2"/>
             <a:r>
-              <a:rPr lang="de-DE" smtClean="0"/>
+              <a:rPr lang="de-DE"/>
               <a:t>Dritte Ebene</a:t>
             </a:r>
           </a:p>
           <a:p>
             <a:pPr lvl="3"/>
             <a:r>
-              <a:rPr lang="de-DE" smtClean="0"/>
+              <a:rPr lang="de-DE"/>
               <a:t>Vierte Ebene</a:t>
             </a:r>
           </a:p>
           <a:p>
             <a:pPr lvl="4"/>
             <a:r>
-              <a:rPr lang="de-DE" smtClean="0"/>
+              <a:rPr lang="de-DE"/>
               <a:t>Fünfte Ebene</a:t>
             </a:r>
             <a:endParaRPr lang="en-GB"/>
@@ -4776,35 +4776,35 @@
           <a:p>
             <a:pPr lvl="0"/>
             <a:r>
-              <a:rPr lang="de-DE" smtClean="0"/>
+              <a:rPr lang="de-DE"/>
               <a:t>Textmasterformat bearbeiten</a:t>
             </a:r>
           </a:p>
           <a:p>
             <a:pPr lvl="1"/>
             <a:r>
-              <a:rPr lang="de-DE" smtClean="0"/>
+              <a:rPr lang="de-DE"/>
               <a:t>Zweite Ebene</a:t>
             </a:r>
           </a:p>
           <a:p>
             <a:pPr lvl="2"/>
             <a:r>
-              <a:rPr lang="de-DE" smtClean="0"/>
+              <a:rPr lang="de-DE"/>
               <a:t>Dritte Ebene</a:t>
             </a:r>
           </a:p>
           <a:p>
             <a:pPr lvl="3"/>
             <a:r>
-              <a:rPr lang="de-DE" smtClean="0"/>
+              <a:rPr lang="de-DE"/>
               <a:t>Vierte Ebene</a:t>
             </a:r>
           </a:p>
           <a:p>
             <a:pPr lvl="4"/>
             <a:r>
-              <a:rPr lang="de-DE" smtClean="0"/>
+              <a:rPr lang="de-DE"/>
               <a:t>Fünfte Ebene</a:t>
             </a:r>
             <a:endParaRPr lang="en-GB"/>
@@ -4952,7 +4952,7 @@
           </a:lstStyle>
           <a:p>
             <a:r>
-              <a:rPr lang="de-DE" smtClean="0"/>
+              <a:rPr lang="de-DE"/>
               <a:t>Titelmasterformat durch Klicken bearbeiten</a:t>
             </a:r>
             <a:endParaRPr lang="en-GB"/>
@@ -5018,7 +5018,7 @@
           <a:p>
             <a:pPr lvl="0"/>
             <a:r>
-              <a:rPr lang="de-DE" smtClean="0"/>
+              <a:rPr lang="de-DE"/>
               <a:t>Textmasterformat bearbeiten</a:t>
             </a:r>
           </a:p>
@@ -5074,35 +5074,35 @@
           <a:p>
             <a:pPr lvl="0"/>
             <a:r>
-              <a:rPr lang="de-DE" smtClean="0"/>
+              <a:rPr lang="de-DE"/>
               <a:t>Textmasterformat bearbeiten</a:t>
             </a:r>
           </a:p>
           <a:p>
             <a:pPr lvl="1"/>
             <a:r>
-              <a:rPr lang="de-DE" smtClean="0"/>
+              <a:rPr lang="de-DE"/>
               <a:t>Zweite Ebene</a:t>
             </a:r>
           </a:p>
           <a:p>
             <a:pPr lvl="2"/>
             <a:r>
-              <a:rPr lang="de-DE" smtClean="0"/>
+              <a:rPr lang="de-DE"/>
               <a:t>Dritte Ebene</a:t>
             </a:r>
           </a:p>
           <a:p>
             <a:pPr lvl="3"/>
             <a:r>
-              <a:rPr lang="de-DE" smtClean="0"/>
+              <a:rPr lang="de-DE"/>
               <a:t>Vierte Ebene</a:t>
             </a:r>
           </a:p>
           <a:p>
             <a:pPr lvl="4"/>
             <a:r>
-              <a:rPr lang="de-DE" smtClean="0"/>
+              <a:rPr lang="de-DE"/>
               <a:t>Fünfte Ebene</a:t>
             </a:r>
             <a:endParaRPr lang="en-GB"/>
@@ -5168,7 +5168,7 @@
           <a:p>
             <a:pPr lvl="0"/>
             <a:r>
-              <a:rPr lang="de-DE" smtClean="0"/>
+              <a:rPr lang="de-DE"/>
               <a:t>Textmasterformat bearbeiten</a:t>
             </a:r>
           </a:p>
@@ -5224,35 +5224,35 @@
           <a:p>
             <a:pPr lvl="0"/>
             <a:r>
-              <a:rPr lang="de-DE" smtClean="0"/>
+              <a:rPr lang="de-DE"/>
               <a:t>Textmasterformat bearbeiten</a:t>
             </a:r>
           </a:p>
           <a:p>
             <a:pPr lvl="1"/>
             <a:r>
-              <a:rPr lang="de-DE" smtClean="0"/>
+              <a:rPr lang="de-DE"/>
               <a:t>Zweite Ebene</a:t>
             </a:r>
           </a:p>
           <a:p>
             <a:pPr lvl="2"/>
             <a:r>
-              <a:rPr lang="de-DE" smtClean="0"/>
+              <a:rPr lang="de-DE"/>
               <a:t>Dritte Ebene</a:t>
             </a:r>
           </a:p>
           <a:p>
             <a:pPr lvl="3"/>
             <a:r>
-              <a:rPr lang="de-DE" smtClean="0"/>
+              <a:rPr lang="de-DE"/>
               <a:t>Vierte Ebene</a:t>
             </a:r>
           </a:p>
           <a:p>
             <a:pPr lvl="4"/>
             <a:r>
-              <a:rPr lang="de-DE" smtClean="0"/>
+              <a:rPr lang="de-DE"/>
               <a:t>Fünfte Ebene</a:t>
             </a:r>
             <a:endParaRPr lang="en-GB"/>
@@ -5396,7 +5396,7 @@
           <a:lstStyle/>
           <a:p>
             <a:r>
-              <a:rPr lang="de-DE" smtClean="0"/>
+              <a:rPr lang="de-DE"/>
               <a:t>Titelmasterformat durch Klicken bearbeiten</a:t>
             </a:r>
             <a:endParaRPr lang="en-GB"/>
@@ -5670,7 +5670,7 @@
           </a:lstStyle>
           <a:p>
             <a:r>
-              <a:rPr lang="de-DE" smtClean="0"/>
+              <a:rPr lang="de-DE"/>
               <a:t>Titelmasterformat durch Klicken bearbeiten</a:t>
             </a:r>
             <a:endParaRPr lang="en-GB"/>
@@ -5727,35 +5727,35 @@
           <a:p>
             <a:pPr lvl="0"/>
             <a:r>
-              <a:rPr lang="de-DE" smtClean="0"/>
+              <a:rPr lang="de-DE"/>
               <a:t>Textmasterformat bearbeiten</a:t>
             </a:r>
           </a:p>
           <a:p>
             <a:pPr lvl="1"/>
             <a:r>
-              <a:rPr lang="de-DE" smtClean="0"/>
+              <a:rPr lang="de-DE"/>
               <a:t>Zweite Ebene</a:t>
             </a:r>
           </a:p>
           <a:p>
             <a:pPr lvl="2"/>
             <a:r>
-              <a:rPr lang="de-DE" smtClean="0"/>
+              <a:rPr lang="de-DE"/>
               <a:t>Dritte Ebene</a:t>
             </a:r>
           </a:p>
           <a:p>
             <a:pPr lvl="3"/>
             <a:r>
-              <a:rPr lang="de-DE" smtClean="0"/>
+              <a:rPr lang="de-DE"/>
               <a:t>Vierte Ebene</a:t>
             </a:r>
           </a:p>
           <a:p>
             <a:pPr lvl="4"/>
             <a:r>
-              <a:rPr lang="de-DE" smtClean="0"/>
+              <a:rPr lang="de-DE"/>
               <a:t>Fünfte Ebene</a:t>
             </a:r>
             <a:endParaRPr lang="en-GB"/>
@@ -5821,7 +5821,7 @@
           <a:p>
             <a:pPr lvl="0"/>
             <a:r>
-              <a:rPr lang="de-DE" smtClean="0"/>
+              <a:rPr lang="de-DE"/>
               <a:t>Textmasterformat bearbeiten</a:t>
             </a:r>
           </a:p>
@@ -5973,7 +5973,7 @@
           </a:lstStyle>
           <a:p>
             <a:r>
-              <a:rPr lang="de-DE" smtClean="0"/>
+              <a:rPr lang="de-DE"/>
               <a:t>Titelmasterformat durch Klicken bearbeiten</a:t>
             </a:r>
             <a:endParaRPr lang="en-GB"/>
@@ -6038,7 +6038,7 @@
           </a:lstStyle>
           <a:p>
             <a:pPr lvl="0"/>
-            <a:endParaRPr lang="en-GB" noProof="0" smtClean="0"/>
+            <a:endParaRPr lang="en-GB" noProof="0"/>
           </a:p>
         </p:txBody>
       </p:sp>
@@ -6101,7 +6101,7 @@
           <a:p>
             <a:pPr lvl="0"/>
             <a:r>
-              <a:rPr lang="de-DE" smtClean="0"/>
+              <a:rPr lang="de-DE"/>
               <a:t>Textmasterformat bearbeiten</a:t>
             </a:r>
           </a:p>
@@ -6298,7 +6298,7 @@
           <a:p>
             <a:pPr lvl="0"/>
             <a:r>
-              <a:rPr lang="en-US" altLang="de-DE" smtClean="0"/>
+              <a:rPr lang="en-US" altLang="de-DE"/>
               <a:t>Click to edit Master title style</a:t>
             </a:r>
           </a:p>
@@ -6366,35 +6366,35 @@
           <a:p>
             <a:pPr lvl="0"/>
             <a:r>
-              <a:rPr lang="en-US" altLang="de-DE" smtClean="0"/>
+              <a:rPr lang="en-US" altLang="de-DE"/>
               <a:t>Click to edit Master text styles</a:t>
             </a:r>
           </a:p>
           <a:p>
             <a:pPr lvl="1"/>
             <a:r>
-              <a:rPr lang="en-US" altLang="de-DE" smtClean="0"/>
+              <a:rPr lang="en-US" altLang="de-DE"/>
               <a:t>Second level</a:t>
             </a:r>
           </a:p>
           <a:p>
             <a:pPr lvl="2"/>
             <a:r>
-              <a:rPr lang="en-US" altLang="de-DE" smtClean="0"/>
+              <a:rPr lang="en-US" altLang="de-DE"/>
               <a:t>Third level</a:t>
             </a:r>
           </a:p>
           <a:p>
             <a:pPr lvl="3"/>
             <a:r>
-              <a:rPr lang="en-US" altLang="de-DE" smtClean="0"/>
+              <a:rPr lang="en-US" altLang="de-DE"/>
               <a:t>Fourth level</a:t>
             </a:r>
           </a:p>
           <a:p>
             <a:pPr lvl="4"/>
             <a:r>
-              <a:rPr lang="en-US" altLang="de-DE" smtClean="0"/>
+              <a:rPr lang="en-US" altLang="de-DE"/>
               <a:t>Fifth level</a:t>
             </a:r>
           </a:p>
@@ -7047,28 +7047,20 @@
           <a:lstStyle/>
           <a:p>
             <a:pPr eaLnBrk="1" hangingPunct="1"/>
-            <a:r>
-              <a:rPr lang="de-CH" altLang="de-DE" sz="4000" dirty="0" smtClean="0"/>
-              <a:t/>
-            </a:r>
-            <a:br>
-              <a:rPr lang="de-CH" altLang="de-DE" sz="4000" dirty="0" smtClean="0"/>
-            </a:br>
-            <a:r>
-              <a:rPr lang="de-CH" altLang="de-DE" sz="4000" dirty="0" smtClean="0"/>
-              <a:t>Herzlich Willkommen!</a:t>
-            </a:r>
-            <a:br>
-              <a:rPr lang="de-CH" altLang="de-DE" sz="4000" dirty="0" smtClean="0"/>
-            </a:br>
-            <a:r>
-              <a:rPr lang="de-CH" altLang="de-DE" sz="4000" dirty="0"/>
-              <a:t/>
-            </a:r>
             <a:br>
               <a:rPr lang="de-CH" altLang="de-DE" sz="4000" dirty="0"/>
             </a:br>
-            <a:endParaRPr lang="en-US" altLang="de-DE" sz="4000" dirty="0" smtClean="0"/>
+            <a:r>
+              <a:rPr lang="de-CH" altLang="de-DE" sz="4000" dirty="0"/>
+              <a:t>Herzlich willkommen!</a:t>
+            </a:r>
+            <a:br>
+              <a:rPr lang="de-CH" altLang="de-DE" sz="4000" dirty="0"/>
+            </a:br>
+            <a:br>
+              <a:rPr lang="de-CH" altLang="de-DE" sz="4000" dirty="0"/>
+            </a:br>
+            <a:endParaRPr lang="en-US" altLang="de-DE" sz="4000" dirty="0"/>
           </a:p>
         </p:txBody>
       </p:sp>
@@ -7077,13 +7069,6 @@
   <p:clrMapOvr>
     <a:masterClrMapping/>
   </p:clrMapOvr>
-  <p:timing>
-    <p:tnLst>
-      <p:par>
-        <p:cTn id="1" dur="indefinite" restart="never" nodeType="tmRoot"/>
-      </p:par>
-    </p:tnLst>
-  </p:timing>
 </p:sld>
 </file>
 
@@ -7119,7 +7104,7 @@
           <a:bodyPr/>
           <a:lstStyle/>
           <a:p>
-            <a:endParaRPr lang="de-CH" altLang="de-DE" smtClean="0"/>
+            <a:endParaRPr lang="de-CH" altLang="de-DE"/>
           </a:p>
         </p:txBody>
       </p:sp>
@@ -7138,7 +7123,7 @@
           <a:bodyPr/>
           <a:lstStyle/>
           <a:p>
-            <a:endParaRPr lang="de-CH" altLang="de-DE" smtClean="0"/>
+            <a:endParaRPr lang="de-CH" altLang="de-DE"/>
           </a:p>
         </p:txBody>
       </p:sp>
@@ -7201,21 +7186,6 @@
   <p:clrMapOvr>
     <a:masterClrMapping/>
   </p:clrMapOvr>
-  <mc:AlternateContent xmlns:mc="http://schemas.openxmlformats.org/markup-compatibility/2006" xmlns:p14="http://schemas.microsoft.com/office/powerpoint/2010/main">
-    <mc:Choice Requires="p14">
-      <p:transition spd="slow" p14:dur="2000"/>
-    </mc:Choice>
-    <mc:Fallback xmlns="">
-      <p:transition spd="slow"/>
-    </mc:Fallback>
-  </mc:AlternateContent>
-  <p:timing>
-    <p:tnLst>
-      <p:par>
-        <p:cTn id="1" dur="indefinite" restart="never" nodeType="tmRoot"/>
-      </p:par>
-    </p:tnLst>
-  </p:timing>
 </p:sld>
 </file>
 
@@ -7258,10 +7228,10 @@
           <a:p>
             <a:pPr eaLnBrk="1" hangingPunct="1"/>
             <a:r>
-              <a:rPr lang="de-CH" altLang="de-DE" smtClean="0"/>
+              <a:rPr lang="de-CH" altLang="de-DE"/>
               <a:t>Wer bin ich?</a:t>
             </a:r>
-            <a:endParaRPr lang="en-US" altLang="de-DE" smtClean="0"/>
+            <a:endParaRPr lang="en-US" altLang="de-DE"/>
           </a:p>
         </p:txBody>
       </p:sp>
@@ -9924,7 +9894,7 @@
           <a:lstStyle/>
           <a:p>
             <a:pPr eaLnBrk="1" hangingPunct="1"/>
-            <a:endParaRPr lang="de-CH" altLang="de-DE" smtClean="0"/>
+            <a:endParaRPr lang="de-CH" altLang="de-DE"/>
           </a:p>
         </p:txBody>
       </p:sp>
@@ -11017,10 +10987,10 @@
           <a:p>
             <a:pPr eaLnBrk="1" hangingPunct="1"/>
             <a:r>
-              <a:rPr lang="de-CH" altLang="de-DE" smtClean="0"/>
+              <a:rPr lang="de-CH" altLang="de-DE"/>
               <a:t>Wer sind Sie?</a:t>
             </a:r>
-            <a:endParaRPr lang="en-US" altLang="de-DE" smtClean="0"/>
+            <a:endParaRPr lang="en-US" altLang="de-DE"/>
           </a:p>
         </p:txBody>
       </p:sp>
@@ -11283,13 +11253,6 @@
     <a:masterClrMapping/>
   </p:clrMapOvr>
   <p:transition spd="slow"/>
-  <p:timing>
-    <p:tnLst>
-      <p:par>
-        <p:cTn id="1" dur="indefinite" restart="never" nodeType="tmRoot"/>
-      </p:par>
-    </p:tnLst>
-  </p:timing>
 </p:sld>
 </file>
 
@@ -11332,7 +11295,7 @@
           <a:p>
             <a:pPr eaLnBrk="1" hangingPunct="1"/>
             <a:r>
-              <a:rPr lang="en-US" altLang="de-DE" sz="4000" smtClean="0"/>
+              <a:rPr lang="en-US" altLang="de-DE" sz="4000"/>
               <a:t>What I would like to have from you!</a:t>
             </a:r>
           </a:p>
@@ -11628,13 +11591,6 @@
     <a:masterClrMapping/>
   </p:clrMapOvr>
   <p:transition spd="slow"/>
-  <p:timing>
-    <p:tnLst>
-      <p:par>
-        <p:cTn id="1" dur="indefinite" restart="never" nodeType="tmRoot"/>
-      </p:par>
-    </p:tnLst>
-  </p:timing>
 </p:sld>
 </file>
 
@@ -11677,7 +11633,7 @@
           <a:p>
             <a:pPr eaLnBrk="1" hangingPunct="1"/>
             <a:r>
-              <a:rPr lang="en-US" altLang="de-DE" smtClean="0"/>
+              <a:rPr lang="en-US" altLang="de-DE"/>
               <a:t>Walter Rothlin</a:t>
             </a:r>
           </a:p>
@@ -13345,10 +13301,10 @@
           <a:p>
             <a:pPr eaLnBrk="1" hangingPunct="1"/>
             <a:r>
-              <a:rPr lang="de-CH" altLang="de-DE" smtClean="0"/>
+              <a:rPr lang="de-CH" altLang="de-DE"/>
               <a:t>Semesterprogramm</a:t>
             </a:r>
-            <a:endParaRPr lang="en-US" altLang="de-DE" smtClean="0"/>
+            <a:endParaRPr lang="en-US" altLang="de-DE"/>
           </a:p>
         </p:txBody>
       </p:sp>
@@ -13581,13 +13537,6 @@
     <a:masterClrMapping/>
   </p:clrMapOvr>
   <p:transition spd="slow"/>
-  <p:timing>
-    <p:tnLst>
-      <p:par>
-        <p:cTn id="1" dur="indefinite" restart="never" nodeType="tmRoot"/>
-      </p:par>
-    </p:tnLst>
-  </p:timing>
 </p:sld>
 </file>
 
@@ -13630,10 +13579,10 @@
           <a:p>
             <a:pPr eaLnBrk="1" hangingPunct="1"/>
             <a:r>
-              <a:rPr lang="de-CH" altLang="de-DE" smtClean="0"/>
+              <a:rPr lang="de-CH" altLang="de-DE"/>
               <a:t>Wer sind Sie?</a:t>
             </a:r>
-            <a:endParaRPr lang="en-US" altLang="de-DE" smtClean="0"/>
+            <a:endParaRPr lang="en-US" altLang="de-DE"/>
           </a:p>
         </p:txBody>
       </p:sp>
@@ -13866,13 +13815,6 @@
     <a:masterClrMapping/>
   </p:clrMapOvr>
   <p:transition spd="slow"/>
-  <p:timing>
-    <p:tnLst>
-      <p:par>
-        <p:cTn id="1" dur="indefinite" restart="never" nodeType="tmRoot"/>
-      </p:par>
-    </p:tnLst>
-  </p:timing>
 </p:sld>
 </file>
 
@@ -13915,10 +13857,10 @@
           <a:p>
             <a:pPr eaLnBrk="1" hangingPunct="1"/>
             <a:r>
-              <a:rPr lang="de-CH" altLang="de-DE" smtClean="0"/>
+              <a:rPr lang="de-CH" altLang="de-DE"/>
               <a:t>Erwartungen?</a:t>
             </a:r>
-            <a:endParaRPr lang="en-US" altLang="de-DE" smtClean="0"/>
+            <a:endParaRPr lang="en-US" altLang="de-DE"/>
           </a:p>
         </p:txBody>
       </p:sp>
@@ -14139,13 +14081,6 @@
     <a:masterClrMapping/>
   </p:clrMapOvr>
   <p:transition spd="slow"/>
-  <p:timing>
-    <p:tnLst>
-      <p:par>
-        <p:cTn id="1" dur="indefinite" restart="never" nodeType="tmRoot"/>
-      </p:par>
-    </p:tnLst>
-  </p:timing>
 </p:sld>
 </file>
 
@@ -14188,7 +14123,7 @@
           <a:p>
             <a:pPr eaLnBrk="1" hangingPunct="1"/>
             <a:r>
-              <a:rPr lang="en-US" altLang="de-DE" smtClean="0"/>
+              <a:rPr lang="en-US" altLang="de-DE"/>
               <a:t>Walter Rothlin</a:t>
             </a:r>
           </a:p>
@@ -14487,8 +14422,8 @@
         </p:nvSpPr>
         <p:spPr bwMode="auto">
           <a:xfrm>
-            <a:off x="2226657" y="5517232"/>
-            <a:ext cx="6712222" cy="1200329"/>
+            <a:off x="2191566" y="5304208"/>
+            <a:ext cx="6712222" cy="1477328"/>
           </a:xfrm>
           <a:prstGeom prst="rect">
             <a:avLst/>
@@ -14662,10 +14597,9 @@
               <a:buNone/>
             </a:pPr>
             <a:r>
-              <a:rPr lang="de-CH" altLang="de-DE" sz="1800" u="sng" dirty="0" smtClean="0"/>
+              <a:rPr lang="de-CH" altLang="de-DE" sz="1800" u="sng" dirty="0"/>
               <a:t>Anstellung / Funktionen</a:t>
             </a:r>
-            <a:endParaRPr lang="de-CH" altLang="de-DE" sz="1800" u="sng" dirty="0"/>
           </a:p>
           <a:p>
             <a:pPr eaLnBrk="1" hangingPunct="1">
@@ -14676,46 +14610,61 @@
               <a:buNone/>
             </a:pPr>
             <a:r>
-              <a:rPr lang="en-US" altLang="de-DE" sz="1800" dirty="0" err="1" smtClean="0"/>
+              <a:rPr lang="en-US" altLang="de-DE" sz="1800" dirty="0" err="1"/>
               <a:t>Berufsschullehrer</a:t>
             </a:r>
             <a:r>
-              <a:rPr lang="en-US" altLang="de-DE" sz="1800" dirty="0" smtClean="0"/>
+              <a:rPr lang="en-US" altLang="de-DE" sz="1800" dirty="0"/>
               <a:t> </a:t>
             </a:r>
             <a:r>
-              <a:rPr lang="en-US" altLang="de-DE" sz="1800" dirty="0" err="1" smtClean="0"/>
+              <a:rPr lang="en-US" altLang="de-DE" sz="1800" dirty="0" err="1"/>
               <a:t>mbA</a:t>
             </a:r>
             <a:r>
-              <a:rPr lang="en-US" altLang="de-DE" sz="1800" dirty="0" smtClean="0"/>
+              <a:rPr lang="en-US" altLang="de-DE" sz="1800" dirty="0"/>
               <a:t> an BZU (</a:t>
             </a:r>
             <a:r>
-              <a:rPr lang="en-US" altLang="de-DE" sz="1800" dirty="0" err="1" smtClean="0"/>
+              <a:rPr lang="en-US" altLang="de-DE" sz="1800" dirty="0" err="1"/>
               <a:t>IoT</a:t>
             </a:r>
             <a:r>
-              <a:rPr lang="en-US" altLang="de-DE" sz="1800" dirty="0" smtClean="0"/>
+              <a:rPr lang="en-US" altLang="de-DE" sz="1800" dirty="0"/>
               <a:t>, Python, </a:t>
             </a:r>
             <a:r>
-              <a:rPr lang="en-US" altLang="de-DE" sz="1800" dirty="0" err="1" smtClean="0"/>
+              <a:rPr lang="en-US" altLang="de-DE" sz="1800" dirty="0" err="1"/>
               <a:t>MySql</a:t>
             </a:r>
             <a:r>
-              <a:rPr lang="en-US" altLang="de-DE" sz="1800" dirty="0" smtClean="0"/>
+              <a:rPr lang="en-US" altLang="de-DE" sz="1800" dirty="0"/>
               <a:t>, </a:t>
             </a:r>
             <a:r>
-              <a:rPr lang="en-US" altLang="de-DE" sz="1800" dirty="0" err="1" smtClean="0"/>
+              <a:rPr lang="en-US" altLang="de-DE" sz="1800" dirty="0" err="1"/>
               <a:t>Rpi</a:t>
             </a:r>
             <a:r>
-              <a:rPr lang="en-US" altLang="de-DE" sz="1800" dirty="0" smtClean="0"/>
+              <a:rPr lang="en-US" altLang="de-DE" sz="1800" dirty="0"/>
               <a:t>, REST)</a:t>
             </a:r>
-            <a:endParaRPr lang="en-US" altLang="de-DE" sz="1800" dirty="0"/>
+          </a:p>
+          <a:p>
+            <a:pPr eaLnBrk="1" hangingPunct="1">
+              <a:spcBef>
+                <a:spcPct val="0"/>
+              </a:spcBef>
+              <a:buNone/>
+            </a:pPr>
+            <a:r>
+              <a:rPr lang="en-US" altLang="de-DE" sz="1800" dirty="0" err="1"/>
+              <a:t>Dozent</a:t>
+            </a:r>
+            <a:r>
+              <a:rPr lang="en-US" altLang="de-DE" sz="1800" dirty="0"/>
+              <a:t> HBU (HF)</a:t>
+            </a:r>
           </a:p>
           <a:p>
             <a:pPr eaLnBrk="1" hangingPunct="1">
@@ -14731,11 +14680,7 @@
             </a:r>
             <a:r>
               <a:rPr lang="en-US" altLang="de-DE" sz="1800" dirty="0"/>
-              <a:t> </a:t>
-            </a:r>
-            <a:r>
-              <a:rPr lang="en-US" altLang="de-DE" sz="1800" dirty="0" smtClean="0"/>
-              <a:t>HWZ</a:t>
+              <a:t> HWZ (FH)</a:t>
             </a:r>
           </a:p>
           <a:p>
@@ -14747,19 +14692,15 @@
               <a:buNone/>
             </a:pPr>
             <a:r>
-              <a:rPr lang="en-US" altLang="de-DE" sz="1800" dirty="0" err="1" smtClean="0"/>
+              <a:rPr lang="en-US" altLang="de-DE" sz="1800" dirty="0" err="1"/>
               <a:t>Hauptexperte</a:t>
             </a:r>
             <a:r>
-              <a:rPr lang="en-US" altLang="de-DE" sz="1800" dirty="0" smtClean="0"/>
-              <a:t> </a:t>
-            </a:r>
-            <a:r>
-              <a:rPr lang="en-US" altLang="de-DE" sz="1800" dirty="0" smtClean="0"/>
-              <a:t>PK19 </a:t>
-            </a:r>
-            <a:r>
-              <a:rPr lang="en-US" altLang="de-DE" sz="1800" dirty="0" err="1" smtClean="0"/>
+              <a:rPr lang="en-US" altLang="de-DE" sz="1800" dirty="0"/>
+              <a:t> PK19 </a:t>
+            </a:r>
+            <a:r>
+              <a:rPr lang="en-US" altLang="de-DE" sz="1800" dirty="0" err="1"/>
               <a:t>Applikations-Entwicklung</a:t>
             </a:r>
             <a:endParaRPr lang="de-CH" altLang="de-DE" sz="1800" dirty="0"/>
@@ -14777,7 +14718,7 @@
         <p:spPr bwMode="auto">
           <a:xfrm>
             <a:off x="72323" y="3411389"/>
-            <a:ext cx="2018501" cy="2308324"/>
+            <a:ext cx="2018501" cy="2031325"/>
           </a:xfrm>
           <a:prstGeom prst="rect">
             <a:avLst/>
@@ -14981,10 +14922,9 @@
               <a:t>Sport </a:t>
             </a:r>
             <a:r>
-              <a:rPr lang="de-CH" altLang="de-DE" sz="1000" dirty="0" smtClean="0"/>
+              <a:rPr lang="de-CH" altLang="de-DE" sz="1000" dirty="0"/>
               <a:t>(Outdoor)</a:t>
             </a:r>
-            <a:endParaRPr lang="de-CH" altLang="de-DE" sz="1000" dirty="0"/>
           </a:p>
           <a:p>
             <a:pPr eaLnBrk="1" hangingPunct="1">
@@ -15031,18 +14971,17 @@
               <a:buNone/>
             </a:pPr>
             <a:r>
-              <a:rPr lang="en-US" altLang="de-DE" sz="1800" dirty="0" smtClean="0"/>
+              <a:rPr lang="en-US" altLang="de-DE" sz="1800" dirty="0"/>
               <a:t>(</a:t>
             </a:r>
             <a:r>
-              <a:rPr lang="en-US" altLang="de-DE" sz="1800" dirty="0" err="1" smtClean="0"/>
+              <a:rPr lang="en-US" altLang="de-DE" sz="1800" dirty="0" err="1"/>
               <a:t>Militär</a:t>
             </a:r>
             <a:r>
-              <a:rPr lang="en-US" altLang="de-DE" sz="1800" dirty="0" smtClean="0"/>
+              <a:rPr lang="en-US" altLang="de-DE" sz="1800" dirty="0"/>
               <a:t>)</a:t>
             </a:r>
-            <a:endParaRPr lang="en-US" altLang="de-DE" sz="1800" dirty="0"/>
           </a:p>
           <a:p>
             <a:pPr eaLnBrk="1" hangingPunct="1">
@@ -15053,22 +14992,8 @@
               <a:buNone/>
             </a:pPr>
             <a:r>
-              <a:rPr lang="en-US" altLang="de-DE" sz="1800" dirty="0" err="1"/>
+              <a:rPr lang="en-US" altLang="de-DE" sz="1800"/>
               <a:t>Werken</a:t>
-            </a:r>
-            <a:endParaRPr lang="en-US" altLang="de-DE" sz="1800" dirty="0"/>
-          </a:p>
-          <a:p>
-            <a:pPr eaLnBrk="1" hangingPunct="1">
-              <a:spcBef>
-                <a:spcPct val="0"/>
-              </a:spcBef>
-              <a:buFontTx/>
-              <a:buNone/>
-            </a:pPr>
-            <a:r>
-              <a:rPr lang="en-US" altLang="de-DE" sz="1800" dirty="0" err="1"/>
-              <a:t>Dozent</a:t>
             </a:r>
             <a:endParaRPr lang="en-US" altLang="de-DE" sz="1800" dirty="0"/>
           </a:p>
@@ -15084,7 +15009,7 @@
         </p:nvSpPr>
         <p:spPr bwMode="auto">
           <a:xfrm>
-            <a:off x="4381448" y="1959615"/>
+            <a:off x="4363344" y="1840630"/>
             <a:ext cx="3032125" cy="1739900"/>
           </a:xfrm>
           <a:prstGeom prst="rect">
@@ -15394,7 +15319,7 @@
         </p:nvSpPr>
         <p:spPr bwMode="auto">
           <a:xfrm>
-            <a:off x="2226657" y="3806934"/>
+            <a:off x="2191566" y="3687949"/>
             <a:ext cx="6917343" cy="1477328"/>
           </a:xfrm>
           <a:prstGeom prst="rect">
@@ -15569,10 +15494,9 @@
               <a:buNone/>
             </a:pPr>
             <a:r>
-              <a:rPr lang="de-CH" altLang="de-DE" sz="1800" u="sng" dirty="0" smtClean="0"/>
+              <a:rPr lang="de-CH" altLang="de-DE" sz="1800" u="sng" dirty="0"/>
               <a:t>Erfahrungen</a:t>
             </a:r>
-            <a:endParaRPr lang="de-CH" altLang="de-DE" sz="1800" u="sng" dirty="0"/>
           </a:p>
           <a:p>
             <a:pPr eaLnBrk="1" hangingPunct="1">
@@ -15588,13 +15512,8 @@
             </a:r>
             <a:r>
               <a:rPr lang="de-CH" altLang="de-DE" sz="1800" dirty="0"/>
-              <a:t>-Suisse, </a:t>
-            </a:r>
-            <a:r>
-              <a:rPr lang="de-CH" altLang="de-DE" sz="1800" dirty="0" smtClean="0"/>
-              <a:t>Vize-Direktor (Pensionär)</a:t>
-            </a:r>
-            <a:endParaRPr lang="de-CH" altLang="de-DE" sz="1800" dirty="0"/>
+              <a:t>-Suisse, Vize-Direktor (Pensionär)</a:t>
+            </a:r>
           </a:p>
           <a:p>
             <a:pPr eaLnBrk="1" hangingPunct="1">
@@ -15640,11 +15559,7 @@
             </a:pPr>
             <a:r>
               <a:rPr lang="de-CH" altLang="de-DE" sz="1800" dirty="0"/>
-              <a:t>Mehrjährige Auslanderfahrung (New York, London</a:t>
-            </a:r>
-            <a:r>
-              <a:rPr lang="de-CH" altLang="de-DE" sz="1800" dirty="0" smtClean="0"/>
-              <a:t>)</a:t>
+              <a:t>Mehrjährige Auslanderfahrung (New York, London)</a:t>
             </a:r>
             <a:endParaRPr lang="en-US" altLang="de-DE" sz="1800" dirty="0"/>
           </a:p>
@@ -15999,10 +15914,10 @@
           <a:p>
             <a:pPr eaLnBrk="1" hangingPunct="1"/>
             <a:r>
-              <a:rPr lang="de-CH" altLang="de-DE" smtClean="0"/>
+              <a:rPr lang="de-CH" altLang="de-DE"/>
               <a:t>Wer bin ich?</a:t>
             </a:r>
-            <a:endParaRPr lang="en-US" altLang="de-DE" smtClean="0"/>
+            <a:endParaRPr lang="en-US" altLang="de-DE"/>
           </a:p>
         </p:txBody>
       </p:sp>
@@ -16477,14 +16392,6 @@
   <p:clrMapOvr>
     <a:masterClrMapping/>
   </p:clrMapOvr>
-  <mc:AlternateContent xmlns:mc="http://schemas.openxmlformats.org/markup-compatibility/2006" xmlns:p14="http://schemas.microsoft.com/office/powerpoint/2010/main">
-    <mc:Choice Requires="p14">
-      <p:transition spd="slow" p14:dur="2000"/>
-    </mc:Choice>
-    <mc:Fallback xmlns="">
-      <p:transition spd="slow"/>
-    </mc:Fallback>
-  </mc:AlternateContent>
   <p:timing>
     <p:tnLst>
       <p:par>
@@ -17382,14 +17289,6 @@
   <p:clrMapOvr>
     <a:masterClrMapping/>
   </p:clrMapOvr>
-  <mc:AlternateContent xmlns:mc="http://schemas.openxmlformats.org/markup-compatibility/2006" xmlns:p14="http://schemas.microsoft.com/office/powerpoint/2010/main">
-    <mc:Choice Requires="p14">
-      <p:transition spd="slow" p14:dur="2000"/>
-    </mc:Choice>
-    <mc:Fallback xmlns="">
-      <p:transition spd="slow"/>
-    </mc:Fallback>
-  </mc:AlternateContent>
   <p:timing>
     <p:tnLst>
       <p:par>
@@ -17855,19 +17754,11 @@
   <p:clrMapOvr>
     <a:masterClrMapping/>
   </p:clrMapOvr>
-  <mc:AlternateContent xmlns:mc="http://schemas.openxmlformats.org/markup-compatibility/2006" xmlns:p14="http://schemas.microsoft.com/office/powerpoint/2010/main">
-    <mc:Choice Requires="p14">
-      <p:transition spd="slow" p14:dur="2000"/>
-    </mc:Choice>
-    <mc:Fallback xmlns="">
-      <p:transition spd="slow"/>
-    </mc:Fallback>
-  </mc:AlternateContent>
 </p:sld>
 </file>
 
 <file path=ppt/slides/slide6.xml><?xml version="1.0" encoding="utf-8"?>
-<p:sld xmlns:a="http://schemas.openxmlformats.org/drawingml/2006/main" xmlns:r="http://schemas.openxmlformats.org/officeDocument/2006/relationships" xmlns:p="http://schemas.openxmlformats.org/presentationml/2006/main" show="0">
+<p:sld xmlns:a="http://schemas.openxmlformats.org/drawingml/2006/main" xmlns:r="http://schemas.openxmlformats.org/officeDocument/2006/relationships" xmlns:p="http://schemas.openxmlformats.org/presentationml/2006/main">
   <p:cSld>
     <p:spTree>
       <p:nvGrpSpPr>
@@ -17939,9 +17830,7 @@
       </p:pic>
       <p:sp>
         <p:nvSpPr>
-          <p:cNvPr id="4" name="Textfeld 3">
-            <a:extLst/>
-          </p:cNvPr>
+          <p:cNvPr id="4" name="Textfeld 3"/>
           <p:cNvSpPr txBox="1"/>
           <p:nvPr/>
         </p:nvSpPr>
@@ -18053,19 +17942,11 @@
   <p:clrMapOvr>
     <a:masterClrMapping/>
   </p:clrMapOvr>
-  <mc:AlternateContent xmlns:mc="http://schemas.openxmlformats.org/markup-compatibility/2006" xmlns:p14="http://schemas.microsoft.com/office/powerpoint/2010/main">
-    <mc:Choice Requires="p14">
-      <p:transition spd="slow" p14:dur="2000"/>
-    </mc:Choice>
-    <mc:Fallback xmlns="">
-      <p:transition spd="slow"/>
-    </mc:Fallback>
-  </mc:AlternateContent>
 </p:sld>
 </file>
 
 <file path=ppt/slides/slide7.xml><?xml version="1.0" encoding="utf-8"?>
-<p:sld xmlns:a="http://schemas.openxmlformats.org/drawingml/2006/main" xmlns:r="http://schemas.openxmlformats.org/officeDocument/2006/relationships" xmlns:p="http://schemas.openxmlformats.org/presentationml/2006/main" show="0">
+<p:sld xmlns:a="http://schemas.openxmlformats.org/drawingml/2006/main" xmlns:r="http://schemas.openxmlformats.org/officeDocument/2006/relationships" xmlns:p="http://schemas.openxmlformats.org/presentationml/2006/main">
   <p:cSld>
     <p:spTree>
       <p:nvGrpSpPr>
@@ -18137,9 +18018,7 @@
       </p:pic>
       <p:sp>
         <p:nvSpPr>
-          <p:cNvPr id="4" name="Textfeld 3">
-            <a:extLst/>
-          </p:cNvPr>
+          <p:cNvPr id="4" name="Textfeld 3"/>
           <p:cNvSpPr txBox="1"/>
           <p:nvPr/>
         </p:nvSpPr>
@@ -18239,19 +18118,11 @@
   <p:clrMapOvr>
     <a:masterClrMapping/>
   </p:clrMapOvr>
-  <mc:AlternateContent xmlns:mc="http://schemas.openxmlformats.org/markup-compatibility/2006" xmlns:p14="http://schemas.microsoft.com/office/powerpoint/2010/main">
-    <mc:Choice Requires="p14">
-      <p:transition spd="slow" p14:dur="2000"/>
-    </mc:Choice>
-    <mc:Fallback xmlns="">
-      <p:transition spd="slow"/>
-    </mc:Fallback>
-  </mc:AlternateContent>
 </p:sld>
 </file>
 
 <file path=ppt/slides/slide8.xml><?xml version="1.0" encoding="utf-8"?>
-<p:sld xmlns:a="http://schemas.openxmlformats.org/drawingml/2006/main" xmlns:r="http://schemas.openxmlformats.org/officeDocument/2006/relationships" xmlns:p="http://schemas.openxmlformats.org/presentationml/2006/main" show="0">
+<p:sld xmlns:a="http://schemas.openxmlformats.org/drawingml/2006/main" xmlns:r="http://schemas.openxmlformats.org/officeDocument/2006/relationships" xmlns:p="http://schemas.openxmlformats.org/presentationml/2006/main">
   <p:cSld>
     <p:spTree>
       <p:nvGrpSpPr>
@@ -18323,16 +18194,14 @@
       </p:pic>
       <p:sp>
         <p:nvSpPr>
-          <p:cNvPr id="4" name="Textfeld 3">
-            <a:extLst/>
-          </p:cNvPr>
+          <p:cNvPr id="4" name="Textfeld 3"/>
           <p:cNvSpPr txBox="1"/>
           <p:nvPr/>
         </p:nvSpPr>
         <p:spPr>
           <a:xfrm>
             <a:off x="2932113" y="2486025"/>
-            <a:ext cx="3006725" cy="2216150"/>
+            <a:ext cx="3006725" cy="3370153"/>
           </a:xfrm>
           <a:prstGeom prst="rect">
             <a:avLst/>
@@ -18392,6 +18261,32 @@
               <a:t>Ruhiges arbeiten bei Einzel- oder Gruppenarbeit</a:t>
             </a:r>
           </a:p>
+          <a:p>
+            <a:pPr marL="257175" indent="-257175" eaLnBrk="1" hangingPunct="1">
+              <a:buFont typeface="Arial" panose="020B0604020202020204" pitchFamily="34" charset="0"/>
+              <a:buChar char="•"/>
+              <a:defRPr/>
+            </a:pPr>
+            <a:r>
+              <a:rPr lang="de-CH" sz="1500" dirty="0" err="1"/>
+              <a:t>Möbilierung</a:t>
+            </a:r>
+            <a:r>
+              <a:rPr lang="de-CH" sz="1500" dirty="0"/>
+              <a:t> und Sitzordnung beibehalten</a:t>
+            </a:r>
+          </a:p>
+          <a:p>
+            <a:pPr marL="257175" indent="-257175" eaLnBrk="1" hangingPunct="1">
+              <a:buFont typeface="Arial" panose="020B0604020202020204" pitchFamily="34" charset="0"/>
+              <a:buChar char="•"/>
+              <a:defRPr/>
+            </a:pPr>
+            <a:r>
+              <a:rPr lang="de-CH" sz="1500" dirty="0"/>
+              <a:t>Am Schluss Abfall entsorgen und Stühle / Bänke gerade hinstellen</a:t>
+            </a:r>
+          </a:p>
         </p:txBody>
       </p:sp>
     </p:spTree>
@@ -18399,19 +18294,11 @@
   <p:clrMapOvr>
     <a:masterClrMapping/>
   </p:clrMapOvr>
-  <mc:AlternateContent xmlns:mc="http://schemas.openxmlformats.org/markup-compatibility/2006" xmlns:p14="http://schemas.microsoft.com/office/powerpoint/2010/main">
-    <mc:Choice Requires="p14">
-      <p:transition spd="slow" p14:dur="2000"/>
-    </mc:Choice>
-    <mc:Fallback xmlns="">
-      <p:transition spd="slow"/>
-    </mc:Fallback>
-  </mc:AlternateContent>
 </p:sld>
 </file>
 
 <file path=ppt/slides/slide9.xml><?xml version="1.0" encoding="utf-8"?>
-<p:sld xmlns:a="http://schemas.openxmlformats.org/drawingml/2006/main" xmlns:r="http://schemas.openxmlformats.org/officeDocument/2006/relationships" xmlns:p="http://schemas.openxmlformats.org/presentationml/2006/main" show="0">
+<p:sld xmlns:a="http://schemas.openxmlformats.org/drawingml/2006/main" xmlns:r="http://schemas.openxmlformats.org/officeDocument/2006/relationships" xmlns:p="http://schemas.openxmlformats.org/presentationml/2006/main">
   <p:cSld>
     <p:spTree>
       <p:nvGrpSpPr>
@@ -18483,16 +18370,14 @@
       </p:pic>
       <p:sp>
         <p:nvSpPr>
-          <p:cNvPr id="4" name="Textfeld 3">
-            <a:extLst/>
-          </p:cNvPr>
+          <p:cNvPr id="4" name="Textfeld 3"/>
           <p:cNvSpPr txBox="1"/>
           <p:nvPr/>
         </p:nvSpPr>
         <p:spPr>
           <a:xfrm>
             <a:off x="2932113" y="2486025"/>
-            <a:ext cx="3278187" cy="2216150"/>
+            <a:ext cx="3278187" cy="2862322"/>
           </a:xfrm>
           <a:prstGeom prst="rect">
             <a:avLst/>
@@ -18542,10 +18427,15 @@
             </a:r>
           </a:p>
           <a:p>
-            <a:pPr eaLnBrk="1" hangingPunct="1">
+            <a:pPr marL="257175" indent="-257175" eaLnBrk="1" hangingPunct="1">
+              <a:buFont typeface="Arial" panose="020B0604020202020204" pitchFamily="34" charset="0"/>
+              <a:buChar char="•"/>
               <a:defRPr/>
             </a:pPr>
-            <a:endParaRPr lang="de-CH" dirty="0"/>
+            <a:r>
+              <a:rPr lang="de-CH" sz="1500" b="1" dirty="0"/>
+              <a:t>Gamen oder Video schauen während dem Unterricht gibt umgehend (ohne Verwarnung) Meldung an Lehrbetrieb</a:t>
+            </a:r>
           </a:p>
         </p:txBody>
       </p:sp>
@@ -18554,14 +18444,6 @@
   <p:clrMapOvr>
     <a:masterClrMapping/>
   </p:clrMapOvr>
-  <mc:AlternateContent xmlns:mc="http://schemas.openxmlformats.org/markup-compatibility/2006" xmlns:p14="http://schemas.microsoft.com/office/powerpoint/2010/main">
-    <mc:Choice Requires="p14">
-      <p:transition spd="slow" p14:dur="2000"/>
-    </mc:Choice>
-    <mc:Fallback xmlns="">
-      <p:transition spd="slow"/>
-    </mc:Fallback>
-  </mc:AlternateContent>
 </p:sld>
 </file>
 
